--- a/sanson.pptx
+++ b/sanson.pptx
@@ -4240,22 +4240,37 @@
       </p:sp>
       <p:sp>
         <p:nvSpPr>
-          <p:cNvPr id="173" name="Podtitul prezentace"/>
+          <p:cNvPr id="173" name="Marie Olahová"/>
           <p:cNvSpPr txBox="1"/>
           <p:nvPr>
             <p:ph type="subTitle" sz="quarter" idx="1"/>
           </p:nvPr>
         </p:nvSpPr>
         <p:spPr>
+          <a:xfrm>
+            <a:off x="2846253" y="7733680"/>
+            <a:ext cx="20326090" cy="1394511"/>
+          </a:xfrm>
           <a:prstGeom prst="rect">
             <a:avLst/>
           </a:prstGeom>
         </p:spPr>
         <p:txBody>
           <a:bodyPr/>
-          <a:lstStyle/>
+          <a:lstStyle>
+            <a:lvl1pPr>
+              <a:defRPr>
+                <a:solidFill>
+                  <a:srgbClr val="FFFFFF"/>
+                </a:solidFill>
+              </a:defRPr>
+            </a:lvl1pPr>
+          </a:lstStyle>
           <a:p>
             <a:pPr/>
+            <a:r>
+              <a:t>Marie Olahová</a:t>
+            </a:r>
           </a:p>
         </p:txBody>
       </p:sp>
@@ -4298,28 +4313,7 @@
       </p:grpSpPr>
       <p:sp>
         <p:nvSpPr>
-          <p:cNvPr id="175" name="Podtitul snímku"/>
-          <p:cNvSpPr txBox="1"/>
-          <p:nvPr>
-            <p:ph type="body" idx="21"/>
-          </p:nvPr>
-        </p:nvSpPr>
-        <p:spPr>
-          <a:prstGeom prst="rect">
-            <a:avLst/>
-          </a:prstGeom>
-        </p:spPr>
-        <p:txBody>
-          <a:bodyPr/>
-          <a:lstStyle/>
-          <a:p>
-            <a:pPr/>
-          </a:p>
-        </p:txBody>
-      </p:sp>
-      <p:sp>
-        <p:nvSpPr>
-          <p:cNvPr id="176" name="Původ: Francie (chanson = píseň)…"/>
+          <p:cNvPr id="175" name="Původ: Francie (chanson = píseň)…"/>
           <p:cNvSpPr txBox="1"/>
           <p:nvPr>
             <p:ph type="body" sz="half" idx="1"/>
@@ -4401,7 +4395,7 @@
       </p:sp>
       <p:sp>
         <p:nvSpPr>
-          <p:cNvPr id="177" name="CO JE TO ŠANSON?"/>
+          <p:cNvPr id="176" name="CO JE TO ŠANSON?"/>
           <p:cNvSpPr txBox="1"/>
           <p:nvPr>
             <p:ph type="title"/>
@@ -4409,8 +4403,8 @@
         </p:nvSpPr>
         <p:spPr>
           <a:xfrm>
-            <a:off x="1206500" y="1079500"/>
-            <a:ext cx="11309834" cy="2610085"/>
+            <a:off x="1849338" y="1177206"/>
+            <a:ext cx="11309835" cy="2610086"/>
           </a:xfrm>
           <a:prstGeom prst="rect">
             <a:avLst/>
@@ -4476,28 +4470,7 @@
       </p:grpSpPr>
       <p:sp>
         <p:nvSpPr>
-          <p:cNvPr id="179" name="Podtitul snímku"/>
-          <p:cNvSpPr txBox="1"/>
-          <p:nvPr>
-            <p:ph type="body" idx="21"/>
-          </p:nvPr>
-        </p:nvSpPr>
-        <p:spPr>
-          <a:prstGeom prst="rect">
-            <a:avLst/>
-          </a:prstGeom>
-        </p:spPr>
-        <p:txBody>
-          <a:bodyPr/>
-          <a:lstStyle/>
-          <a:p>
-            <a:pPr/>
-          </a:p>
-        </p:txBody>
-      </p:sp>
-      <p:sp>
-        <p:nvSpPr>
-          <p:cNvPr id="180" name="Středověk: Trubadúři…"/>
+          <p:cNvPr id="178" name="Středověk: Trubadúři…"/>
           <p:cNvSpPr txBox="1"/>
           <p:nvPr>
             <p:ph type="body" idx="1"/>
@@ -4583,7 +4556,7 @@
       </p:sp>
       <p:sp>
         <p:nvSpPr>
-          <p:cNvPr id="181" name="HISTORIE A PŮVOD"/>
+          <p:cNvPr id="179" name="HISTORIE A PŮVOD"/>
           <p:cNvSpPr txBox="1"/>
           <p:nvPr>
             <p:ph type="title"/>
@@ -4656,28 +4629,7 @@
       </p:grpSpPr>
       <p:sp>
         <p:nvSpPr>
-          <p:cNvPr id="183" name="Podtitul snímku"/>
-          <p:cNvSpPr txBox="1"/>
-          <p:nvPr>
-            <p:ph type="body" idx="21"/>
-          </p:nvPr>
-        </p:nvSpPr>
-        <p:spPr>
-          <a:prstGeom prst="rect">
-            <a:avLst/>
-          </a:prstGeom>
-        </p:spPr>
-        <p:txBody>
-          <a:bodyPr/>
-          <a:lstStyle/>
-          <a:p>
-            <a:pPr/>
-          </a:p>
-        </p:txBody>
-      </p:sp>
-      <p:sp>
-        <p:nvSpPr>
-          <p:cNvPr id="184" name="Přednes: expresivita, šepot, recitace…"/>
+          <p:cNvPr id="181" name="Přednes: expresivita, šepot, recitace…"/>
           <p:cNvSpPr txBox="1"/>
           <p:nvPr>
             <p:ph type="body" idx="1"/>
@@ -4759,7 +4711,7 @@
       </p:sp>
       <p:sp>
         <p:nvSpPr>
-          <p:cNvPr id="185" name="JAK HO POZNÁME?"/>
+          <p:cNvPr id="182" name="JAK HO POZNÁME?"/>
           <p:cNvSpPr txBox="1"/>
           <p:nvPr>
             <p:ph type="title"/>
@@ -4767,8 +4719,8 @@
         </p:nvSpPr>
         <p:spPr>
           <a:xfrm>
-            <a:off x="1206500" y="1079500"/>
-            <a:ext cx="11614554" cy="1704474"/>
+            <a:off x="1622454" y="1018565"/>
+            <a:ext cx="12161556" cy="1547180"/>
           </a:xfrm>
           <a:prstGeom prst="rect">
             <a:avLst/>
@@ -4777,8 +4729,8 @@
         <p:txBody>
           <a:bodyPr/>
           <a:lstStyle>
-            <a:lvl1pPr defTabSz="1658070">
-              <a:defRPr spc="-190" sz="9520" u="sng">
+            <a:lvl1pPr defTabSz="1633687">
+              <a:defRPr spc="-187" sz="9380" u="sng">
                 <a:solidFill>
                   <a:srgbClr val="FFFFFF"/>
                 </a:solidFill>
@@ -4832,28 +4784,7 @@
       </p:grpSpPr>
       <p:sp>
         <p:nvSpPr>
-          <p:cNvPr id="187" name="Podtitul snímku"/>
-          <p:cNvSpPr txBox="1"/>
-          <p:nvPr>
-            <p:ph type="body" idx="21"/>
-          </p:nvPr>
-        </p:nvSpPr>
-        <p:spPr>
-          <a:prstGeom prst="rect">
-            <a:avLst/>
-          </a:prstGeom>
-        </p:spPr>
-        <p:txBody>
-          <a:bodyPr/>
-          <a:lstStyle/>
-          <a:p>
-            <a:pPr/>
-          </a:p>
-        </p:txBody>
-      </p:sp>
-      <p:sp>
-        <p:nvSpPr>
-          <p:cNvPr id="188" name="Láska (vášeň i zklamání)…"/>
+          <p:cNvPr id="184" name="Láska (vášeň i zklamání)…"/>
           <p:cNvSpPr txBox="1"/>
           <p:nvPr>
             <p:ph type="body" idx="1"/>
@@ -4935,7 +4866,7 @@
       </p:sp>
       <p:sp>
         <p:nvSpPr>
-          <p:cNvPr id="189" name="TÉMATA ŠANSONU"/>
+          <p:cNvPr id="185" name="TÉMATA ŠANSONU"/>
           <p:cNvSpPr txBox="1"/>
           <p:nvPr>
             <p:ph type="title"/>
@@ -5008,13 +4939,17 @@
       </p:grpSpPr>
       <p:sp>
         <p:nvSpPr>
-          <p:cNvPr id="191" name="Podtitul snímku"/>
+          <p:cNvPr id="187" name="Ikona žánru, přezdívka vrabčák…"/>
           <p:cNvSpPr txBox="1"/>
           <p:nvPr>
-            <p:ph type="body" idx="21"/>
+            <p:ph type="body" sz="half" idx="1"/>
           </p:nvPr>
         </p:nvSpPr>
         <p:spPr>
+          <a:xfrm>
+            <a:off x="1206499" y="4248504"/>
+            <a:ext cx="14864989" cy="8256630"/>
+          </a:xfrm>
           <a:prstGeom prst="rect">
             <a:avLst/>
           </a:prstGeom>
@@ -5023,36 +4958,11 @@
           <a:bodyPr/>
           <a:lstStyle/>
           <a:p>
-            <a:pPr/>
-          </a:p>
-        </p:txBody>
-      </p:sp>
-      <p:sp>
-        <p:nvSpPr>
-          <p:cNvPr id="192" name="Ikona žánru, přezdívka vrabčák…"/>
-          <p:cNvSpPr txBox="1"/>
-          <p:nvPr>
-            <p:ph type="body" idx="1"/>
-          </p:nvPr>
-        </p:nvSpPr>
-        <p:spPr>
-          <a:xfrm>
-            <a:off x="1206500" y="4248504"/>
-            <a:ext cx="18154809" cy="8256630"/>
-          </a:xfrm>
-          <a:prstGeom prst="rect">
-            <a:avLst/>
-          </a:prstGeom>
-        </p:spPr>
-        <p:txBody>
-          <a:bodyPr/>
-          <a:lstStyle/>
-          <a:p>
-            <a:pPr marL="1051560" indent="-1051560" defTabSz="1682453">
+            <a:pPr marL="914400" indent="-914400" defTabSz="1463003">
               <a:spcBef>
-                <a:spcPts val="3100"/>
+                <a:spcPts val="2700"/>
               </a:spcBef>
-              <a:defRPr sz="8280">
+              <a:defRPr sz="7200">
                 <a:solidFill>
                   <a:srgbClr val="FFFFFF"/>
                 </a:solidFill>
@@ -5063,11 +4973,11 @@
             </a:r>
           </a:p>
           <a:p>
-            <a:pPr marL="1051560" indent="-1051560" defTabSz="1682453">
+            <a:pPr marL="914400" indent="-914400" defTabSz="1463003">
               <a:spcBef>
-                <a:spcPts val="3100"/>
+                <a:spcPts val="2700"/>
               </a:spcBef>
-              <a:defRPr sz="8280">
+              <a:defRPr sz="7200">
                 <a:solidFill>
                   <a:srgbClr val="FFFFFF"/>
                 </a:solidFill>
@@ -5078,11 +4988,11 @@
             </a:r>
           </a:p>
           <a:p>
-            <a:pPr marL="1051560" indent="-1051560" defTabSz="1682453">
+            <a:pPr marL="914400" indent="-914400" defTabSz="1463003">
               <a:spcBef>
-                <a:spcPts val="3100"/>
+                <a:spcPts val="2700"/>
               </a:spcBef>
-              <a:defRPr sz="8280">
+              <a:defRPr sz="7200">
                 <a:solidFill>
                   <a:srgbClr val="FFFFFF"/>
                 </a:solidFill>
@@ -5093,11 +5003,11 @@
             </a:r>
           </a:p>
           <a:p>
-            <a:pPr marL="1051560" indent="-1051560" defTabSz="1682453">
+            <a:pPr marL="914400" indent="-914400" defTabSz="1463003">
               <a:spcBef>
-                <a:spcPts val="3100"/>
+                <a:spcPts val="2700"/>
               </a:spcBef>
-              <a:defRPr sz="8280">
+              <a:defRPr sz="7200">
                 <a:solidFill>
                   <a:srgbClr val="FFFFFF"/>
                 </a:solidFill>
@@ -5111,7 +5021,7 @@
       </p:sp>
       <p:sp>
         <p:nvSpPr>
-          <p:cNvPr id="193" name="EDITH PIAF (1915-1963)"/>
+          <p:cNvPr id="188" name="EDITH PIAF (1915-1963)"/>
           <p:cNvSpPr txBox="1"/>
           <p:nvPr>
             <p:ph type="title"/>
@@ -5119,8 +5029,8 @@
         </p:nvSpPr>
         <p:spPr>
           <a:xfrm>
-            <a:off x="1206500" y="1079500"/>
-            <a:ext cx="14236618" cy="2089270"/>
+            <a:off x="1130871" y="1155128"/>
+            <a:ext cx="14236619" cy="2089271"/>
           </a:xfrm>
           <a:prstGeom prst="rect">
             <a:avLst/>
@@ -5141,6 +5051,79 @@
             <a:pPr/>
             <a:r>
               <a:t>EDITH PIAF (1915-1963)</a:t>
+            </a:r>
+          </a:p>
+        </p:txBody>
+      </p:sp>
+      <p:pic>
+        <p:nvPicPr>
+          <p:cNvPr id="189" name="Unknown (2).jpg" descr="Unknown (2).jpg"/>
+          <p:cNvPicPr>
+            <a:picLocks noChangeAspect="1"/>
+          </p:cNvPicPr>
+          <p:nvPr/>
+        </p:nvPicPr>
+        <p:blipFill>
+          <a:blip r:embed="rId3">
+            <a:extLst/>
+          </a:blip>
+          <a:stretch>
+            <a:fillRect/>
+          </a:stretch>
+        </p:blipFill>
+        <p:spPr>
+          <a:xfrm>
+            <a:off x="15644196" y="2027074"/>
+            <a:ext cx="8284007" cy="9940808"/>
+          </a:xfrm>
+          <a:prstGeom prst="rect">
+            <a:avLst/>
+          </a:prstGeom>
+          <a:ln w="12700">
+            <a:miter lim="400000"/>
+          </a:ln>
+        </p:spPr>
+      </p:pic>
+      <p:sp>
+        <p:nvSpPr>
+          <p:cNvPr id="190" name="Zdroj: https://cz.pinterest.com/pin/52987733113835278/"/>
+          <p:cNvSpPr txBox="1"/>
+          <p:nvPr/>
+        </p:nvSpPr>
+        <p:spPr>
+          <a:xfrm>
+            <a:off x="14982358" y="12190978"/>
+            <a:ext cx="9607683" cy="1461649"/>
+          </a:xfrm>
+          <a:prstGeom prst="rect">
+            <a:avLst/>
+          </a:prstGeom>
+          <a:ln w="12700">
+            <a:miter lim="400000"/>
+          </a:ln>
+          <a:extLst>
+            <a:ext uri="{C572A759-6A51-4108-AA02-DFA0A04FC94B}">
+              <ma14:wrappingTextBoxFlag xmlns:ma14="http://schemas.microsoft.com/office/mac/drawingml/2011/main" val="1"/>
+            </a:ext>
+          </a:extLst>
+        </p:spPr>
+        <p:txBody>
+          <a:bodyPr lIns="50800" tIns="50800" rIns="50800" bIns="50800" anchor="ctr">
+            <a:spAutoFit/>
+          </a:bodyPr>
+          <a:lstStyle>
+            <a:lvl1pPr>
+              <a:defRPr>
+                <a:solidFill>
+                  <a:srgbClr val="FFFFFF"/>
+                </a:solidFill>
+              </a:defRPr>
+            </a:lvl1pPr>
+          </a:lstStyle>
+          <a:p>
+            <a:pPr/>
+            <a:r>
+              <a:t>Zdroj: https://cz.pinterest.com/pin/52987733113835278/</a:t>
             </a:r>
           </a:p>
         </p:txBody>
@@ -5184,28 +5167,7 @@
       </p:grpSpPr>
       <p:sp>
         <p:nvSpPr>
-          <p:cNvPr id="195" name="Podtitul snímku"/>
-          <p:cNvSpPr txBox="1"/>
-          <p:nvPr>
-            <p:ph type="body" idx="21"/>
-          </p:nvPr>
-        </p:nvSpPr>
-        <p:spPr>
-          <a:prstGeom prst="rect">
-            <a:avLst/>
-          </a:prstGeom>
-        </p:spPr>
-        <p:txBody>
-          <a:bodyPr/>
-          <a:lstStyle/>
-          <a:p>
-            <a:pPr/>
-          </a:p>
-        </p:txBody>
-      </p:sp>
-      <p:sp>
-        <p:nvSpPr>
-          <p:cNvPr id="196" name="Charles Aznavour - La Bohème…"/>
+          <p:cNvPr id="192" name="Charles Aznavour - La Bohème…"/>
           <p:cNvSpPr txBox="1"/>
           <p:nvPr>
             <p:ph type="body" sz="half" idx="1"/>
@@ -5272,7 +5234,7 @@
       </p:sp>
       <p:sp>
         <p:nvSpPr>
-          <p:cNvPr id="197" name="DALŠÍ SVĚTOVÍ ŠANSONIÉŘI"/>
+          <p:cNvPr id="193" name="DALŠÍ SVĚTOVÍ ŠANSONIÉŘI"/>
           <p:cNvSpPr txBox="1"/>
           <p:nvPr>
             <p:ph type="title"/>
@@ -5280,7 +5242,7 @@
         </p:nvSpPr>
         <p:spPr>
           <a:xfrm>
-            <a:off x="1206500" y="1079500"/>
+            <a:off x="1698082" y="444923"/>
             <a:ext cx="14300545" cy="2694464"/>
           </a:xfrm>
           <a:prstGeom prst="rect">
@@ -5308,7 +5270,7 @@
       </p:sp>
       <p:sp>
         <p:nvSpPr>
-          <p:cNvPr id="198" name="Kresba"/>
+          <p:cNvPr id="194" name="Kresba"/>
           <p:cNvSpPr/>
           <p:nvPr/>
         </p:nvSpPr>
@@ -5432,28 +5394,7 @@
       </p:grpSpPr>
       <p:sp>
         <p:nvSpPr>
-          <p:cNvPr id="200" name="Podtitul snímku"/>
-          <p:cNvSpPr txBox="1"/>
-          <p:nvPr>
-            <p:ph type="body" idx="21"/>
-          </p:nvPr>
-        </p:nvSpPr>
-        <p:spPr>
-          <a:prstGeom prst="rect">
-            <a:avLst/>
-          </a:prstGeom>
-        </p:spPr>
-        <p:txBody>
-          <a:bodyPr/>
-          <a:lstStyle/>
-          <a:p>
-            <a:pPr/>
-          </a:p>
-        </p:txBody>
-      </p:sp>
-      <p:sp>
-        <p:nvSpPr>
-          <p:cNvPr id="201" name="Královna československého šansonu…"/>
+          <p:cNvPr id="196" name="Královna československého šansonu…"/>
           <p:cNvSpPr txBox="1"/>
           <p:nvPr>
             <p:ph type="body" idx="1"/>
@@ -5461,8 +5402,8 @@
         </p:nvSpPr>
         <p:spPr>
           <a:xfrm>
-            <a:off x="1660268" y="4194815"/>
-            <a:ext cx="20366930" cy="8256630"/>
+            <a:off x="1660268" y="4360498"/>
+            <a:ext cx="15146301" cy="9074112"/>
           </a:xfrm>
           <a:prstGeom prst="rect">
             <a:avLst/>
@@ -5472,11 +5413,11 @@
           <a:bodyPr/>
           <a:lstStyle/>
           <a:p>
-            <a:pPr marL="1043177" indent="-1043177" defTabSz="1804370">
+            <a:pPr marL="958596" indent="-958596" defTabSz="1658070">
               <a:spcBef>
-                <a:spcPts val="3300"/>
+                <a:spcPts val="3000"/>
               </a:spcBef>
-              <a:defRPr sz="8214">
+              <a:defRPr sz="7548">
                 <a:solidFill>
                   <a:srgbClr val="FFFFFF"/>
                 </a:solidFill>
@@ -5487,11 +5428,11 @@
             </a:r>
           </a:p>
           <a:p>
-            <a:pPr marL="1043177" indent="-1043177" defTabSz="1804370">
+            <a:pPr marL="958596" indent="-958596" defTabSz="1658070">
               <a:spcBef>
-                <a:spcPts val="3300"/>
+                <a:spcPts val="3000"/>
               </a:spcBef>
-              <a:defRPr sz="8214">
+              <a:defRPr sz="7548">
                 <a:solidFill>
                   <a:srgbClr val="FFFFFF"/>
                 </a:solidFill>
@@ -5502,11 +5443,11 @@
             </a:r>
           </a:p>
           <a:p>
-            <a:pPr marL="1043177" indent="-1043177" defTabSz="1804370">
+            <a:pPr marL="958596" indent="-958596" defTabSz="1658070">
               <a:spcBef>
-                <a:spcPts val="3300"/>
+                <a:spcPts val="3000"/>
               </a:spcBef>
-              <a:defRPr sz="8214">
+              <a:defRPr sz="7548">
                 <a:solidFill>
                   <a:srgbClr val="FFFFFF"/>
                 </a:solidFill>
@@ -5517,11 +5458,11 @@
             </a:r>
           </a:p>
           <a:p>
-            <a:pPr marL="1043177" indent="-1043177" defTabSz="1804370">
+            <a:pPr marL="958596" indent="-958596" defTabSz="1658070">
               <a:spcBef>
-                <a:spcPts val="3300"/>
+                <a:spcPts val="3000"/>
               </a:spcBef>
-              <a:defRPr sz="8214">
+              <a:defRPr sz="7548">
                 <a:solidFill>
                   <a:srgbClr val="FFFFFF"/>
                 </a:solidFill>
@@ -5535,7 +5476,7 @@
       </p:sp>
       <p:sp>
         <p:nvSpPr>
-          <p:cNvPr id="202" name="HANA HEGEROVÁ (1931-2021)"/>
+          <p:cNvPr id="197" name="HANA HEGEROVÁ (1931-2021)"/>
           <p:cNvSpPr txBox="1"/>
           <p:nvPr>
             <p:ph type="title"/>
@@ -5543,8 +5484,8 @@
         </p:nvSpPr>
         <p:spPr>
           <a:xfrm>
-            <a:off x="1206500" y="1079500"/>
-            <a:ext cx="13257892" cy="2607336"/>
+            <a:off x="2265292" y="701359"/>
+            <a:ext cx="13257893" cy="2607336"/>
           </a:xfrm>
           <a:prstGeom prst="rect">
             <a:avLst/>
@@ -5574,7 +5515,7 @@
       </p:sp>
       <p:grpSp>
         <p:nvGrpSpPr>
-          <p:cNvPr id="205" name="Kresba"/>
+          <p:cNvPr id="200" name="Kresba"/>
           <p:cNvGrpSpPr/>
           <p:nvPr/>
         </p:nvGrpSpPr>
@@ -5588,7 +5529,7 @@
         </p:grpSpPr>
         <p:sp>
           <p:nvSpPr>
-            <p:cNvPr id="203" name="Tvar"/>
+            <p:cNvPr id="198" name="Tvar"/>
             <p:cNvSpPr/>
             <p:nvPr/>
           </p:nvSpPr>
@@ -5719,7 +5660,7 @@
         </p:sp>
         <p:sp>
           <p:nvSpPr>
-            <p:cNvPr id="204" name="Tvar"/>
+            <p:cNvPr id="199" name="Tvar"/>
             <p:cNvSpPr/>
             <p:nvPr/>
           </p:nvSpPr>
@@ -5864,6 +5805,79 @@
           </p:txBody>
         </p:sp>
       </p:grpSp>
+      <p:pic>
+        <p:nvPicPr>
+          <p:cNvPr id="201" name="IMG_0004.jpeg" descr="IMG_0004.jpeg"/>
+          <p:cNvPicPr>
+            <a:picLocks noChangeAspect="1"/>
+          </p:cNvPicPr>
+          <p:nvPr/>
+        </p:nvPicPr>
+        <p:blipFill>
+          <a:blip r:embed="rId3">
+            <a:extLst/>
+          </a:blip>
+          <a:stretch>
+            <a:fillRect/>
+          </a:stretch>
+        </p:blipFill>
+        <p:spPr>
+          <a:xfrm>
+            <a:off x="17028698" y="1023695"/>
+            <a:ext cx="6868985" cy="9929164"/>
+          </a:xfrm>
+          <a:prstGeom prst="rect">
+            <a:avLst/>
+          </a:prstGeom>
+          <a:ln w="12700">
+            <a:miter lim="400000"/>
+          </a:ln>
+        </p:spPr>
+      </p:pic>
+      <p:sp>
+        <p:nvSpPr>
+          <p:cNvPr id="202" name="Zdroj: https://www.knihyantik.eu/pohlednice/7800-hana-hegerova.html"/>
+          <p:cNvSpPr txBox="1"/>
+          <p:nvPr/>
+        </p:nvSpPr>
+        <p:spPr>
+          <a:xfrm>
+            <a:off x="16952328" y="11329353"/>
+            <a:ext cx="7021725" cy="1655716"/>
+          </a:xfrm>
+          <a:prstGeom prst="rect">
+            <a:avLst/>
+          </a:prstGeom>
+          <a:ln w="12700">
+            <a:miter lim="400000"/>
+          </a:ln>
+          <a:extLst>
+            <a:ext uri="{C572A759-6A51-4108-AA02-DFA0A04FC94B}">
+              <ma14:wrappingTextBoxFlag xmlns:ma14="http://schemas.microsoft.com/office/mac/drawingml/2011/main" val="1"/>
+            </a:ext>
+          </a:extLst>
+        </p:spPr>
+        <p:txBody>
+          <a:bodyPr lIns="50800" tIns="50800" rIns="50800" bIns="50800" anchor="ctr">
+            <a:spAutoFit/>
+          </a:bodyPr>
+          <a:lstStyle>
+            <a:lvl1pPr>
+              <a:defRPr sz="3700">
+                <a:solidFill>
+                  <a:srgbClr val="FFFFFF"/>
+                </a:solidFill>
+              </a:defRPr>
+            </a:lvl1pPr>
+          </a:lstStyle>
+          <a:p>
+            <a:pPr/>
+            <a:r>
+              <a:t>Zdroj: https://www.knihyantik.eu/pohlednice/7800-hana-hegerova.html</a:t>
+            </a:r>
+          </a:p>
+        </p:txBody>
+      </p:sp>
     </p:spTree>
   </p:cSld>
   <p:clrMapOvr>
@@ -5903,28 +5917,7 @@
       </p:grpSpPr>
       <p:sp>
         <p:nvSpPr>
-          <p:cNvPr id="207" name="Podtitul snímku"/>
-          <p:cNvSpPr txBox="1"/>
-          <p:nvPr>
-            <p:ph type="body" idx="21"/>
-          </p:nvPr>
-        </p:nvSpPr>
-        <p:spPr>
-          <a:prstGeom prst="rect">
-            <a:avLst/>
-          </a:prstGeom>
-        </p:spPr>
-        <p:txBody>
-          <a:bodyPr/>
-          <a:lstStyle/>
-          <a:p>
-            <a:pPr/>
-          </a:p>
-        </p:txBody>
-      </p:sp>
-      <p:sp>
-        <p:nvSpPr>
-          <p:cNvPr id="208" name="RENATA DRÖSSLER…"/>
+          <p:cNvPr id="204" name="RENATA DRÖSSLER…"/>
           <p:cNvSpPr txBox="1"/>
           <p:nvPr>
             <p:ph type="body" sz="half" idx="1"/>
@@ -5970,7 +5963,7 @@
       </p:sp>
       <p:sp>
         <p:nvSpPr>
-          <p:cNvPr id="209" name="DALŠÍ ČESKÉ ŠANSONIÉRKY"/>
+          <p:cNvPr id="205" name="DALŠÍ ČESKÉ ŠANSONIÉRKY"/>
           <p:cNvSpPr txBox="1"/>
           <p:nvPr>
             <p:ph type="title"/>
@@ -5978,8 +5971,8 @@
         </p:nvSpPr>
         <p:spPr>
           <a:xfrm>
-            <a:off x="1206500" y="1074605"/>
-            <a:ext cx="14969107" cy="3154947"/>
+            <a:off x="1849338" y="734945"/>
+            <a:ext cx="14969107" cy="2813955"/>
           </a:xfrm>
           <a:prstGeom prst="rect">
             <a:avLst/>
@@ -5988,8 +5981,8 @@
         <p:txBody>
           <a:bodyPr/>
           <a:lstStyle>
-            <a:lvl1pPr defTabSz="1901904">
-              <a:defRPr spc="-218" sz="10920" u="sng">
+            <a:lvl1pPr defTabSz="1706837">
+              <a:defRPr spc="-195" sz="9800" u="sng">
                 <a:solidFill>
                   <a:srgbClr val="FFFFFF"/>
                 </a:solidFill>

--- a/sanson.pptx
+++ b/sanson.pptx
@@ -1,27 +1,30 @@
 
 <file path=ppt/presentation.xml><?xml version="1.0" encoding="utf-8"?>
-<p:presentation xmlns:a="http://schemas.openxmlformats.org/drawingml/2006/main" xmlns:r="http://schemas.openxmlformats.org/officeDocument/2006/relationships" xmlns:p="http://schemas.openxmlformats.org/presentationml/2006/main" xmlns:m="http://schemas.openxmlformats.org/officeDocument/2006/math" xmlns:a14="http://schemas.microsoft.com/office/drawing/2010/main">
+<p:presentation xmlns:a="http://schemas.openxmlformats.org/drawingml/2006/main" xmlns:r="http://schemas.openxmlformats.org/officeDocument/2006/relationships" xmlns:mc="http://schemas.openxmlformats.org/markup-compatibility/2006" xmlns:mv="urn:schemas-microsoft-com:mac:vml" xmlns:p="http://schemas.openxmlformats.org/presentationml/2006/main" xmlns:c="http://schemas.openxmlformats.org/drawingml/2006/chart" xmlns:dgm="http://schemas.openxmlformats.org/drawingml/2006/diagram" xmlns:o="urn:schemas-microsoft-com:office:office" xmlns:v="urn:schemas-microsoft-com:vml" xmlns:pvml="urn:schemas-microsoft-com:office:powerpoint" xmlns:com="http://schemas.openxmlformats.org/drawingml/2006/compatibility" xmlns:p14="http://schemas.microsoft.com/office/powerpoint/2010/main" xmlns:p15="http://schemas.microsoft.com/office/powerpoint/2012/main" xmlns:ahyp="http://schemas.microsoft.com/office/drawing/2018/hyperlinkcolor" autoCompressPictures="0" strictFirstAndLastChars="0" saveSubsetFonts="1">
   <p:sldMasterIdLst>
-    <p:sldMasterId id="2147483648" r:id="rId5"/>
+    <p:sldMasterId id="2147483648" r:id="rId3"/>
   </p:sldMasterIdLst>
   <p:notesMasterIdLst>
-    <p:notesMasterId r:id="rId7"/>
+    <p:notesMasterId r:id="rId4"/>
   </p:notesMasterIdLst>
   <p:sldIdLst>
-    <p:sldId id="256" r:id="rId8"/>
-    <p:sldId id="257" r:id="rId9"/>
-    <p:sldId id="258" r:id="rId10"/>
-    <p:sldId id="259" r:id="rId11"/>
-    <p:sldId id="260" r:id="rId12"/>
-    <p:sldId id="261" r:id="rId13"/>
-    <p:sldId id="262" r:id="rId14"/>
-    <p:sldId id="263" r:id="rId15"/>
-    <p:sldId id="264" r:id="rId16"/>
+    <p:sldId id="256" r:id="rId5"/>
+    <p:sldId id="257" r:id="rId6"/>
+    <p:sldId id="258" r:id="rId7"/>
+    <p:sldId id="259" r:id="rId8"/>
+    <p:sldId id="260" r:id="rId9"/>
+    <p:sldId id="261" r:id="rId10"/>
+    <p:sldId id="262" r:id="rId11"/>
+    <p:sldId id="263" r:id="rId12"/>
+    <p:sldId id="264" r:id="rId13"/>
   </p:sldIdLst>
-  <p:sldSz cx="24384000" cy="13716000"/>
+  <p:sldSz cy="13716000" cx="24384000"/>
   <p:notesSz cx="6858000" cy="9144000"/>
+  <p:custDataLst>
+    <p:tags r:id="rId14"/>
+  </p:custDataLst>
   <p:defaultTextStyle>
-    <a:defPPr marL="0" marR="0" indent="0" algn="l" defTabSz="914400" rtl="0" fontAlgn="auto" latinLnBrk="1" hangingPunct="0">
+    <a:defPPr defTabSz="914400" hangingPunct="0" indent="0" latinLnBrk="1" lvl="0" marL="0" marR="0" rtl="0" algn="l" fontAlgn="auto">
       <a:lnSpc>
         <a:spcPct val="100000"/>
       </a:lnSpc>
@@ -36,7 +39,7 @@
       <a:buFontTx/>
       <a:buNone/>
       <a:tabLst/>
-      <a:defRPr b="0" baseline="0" cap="none" i="0" spc="0" strike="noStrike" sz="1800" u="none" kumimoji="0" normalizeH="0">
+      <a:defRPr b="0" i="0" kumimoji="0" normalizeH="0" spc="0" sz="1800" u="none" cap="none" strike="noStrike">
         <a:ln>
           <a:noFill/>
         </a:ln>
@@ -44,10 +47,9 @@
           <a:srgbClr val="000000"/>
         </a:solidFill>
         <a:effectLst/>
-        <a:uFillTx/>
       </a:defRPr>
     </a:defPPr>
-    <a:lvl1pPr marL="0" marR="0" indent="0" algn="l" defTabSz="2438338" rtl="0" fontAlgn="auto" latinLnBrk="0" hangingPunct="0">
+    <a:lvl1pPr defTabSz="2438338" hangingPunct="0" indent="0" latinLnBrk="0" lvl="0" marL="0" marR="0" rtl="0" algn="l" fontAlgn="auto">
       <a:lnSpc>
         <a:spcPct val="90000"/>
       </a:lnSpc>
@@ -62,7 +64,7 @@
       <a:buFontTx/>
       <a:buNone/>
       <a:tabLst/>
-      <a:defRPr b="0" baseline="0" cap="none" i="0" spc="0" strike="noStrike" sz="4800" u="none" kumimoji="0" normalizeH="0">
+      <a:defRPr b="0" i="0" kumimoji="0" normalizeH="0" spc="0" sz="4800" u="none" cap="none" strike="noStrike">
         <a:ln>
           <a:noFill/>
         </a:ln>
@@ -70,14 +72,13 @@
           <a:srgbClr val="000000"/>
         </a:solidFill>
         <a:effectLst/>
-        <a:uFillTx/>
         <a:latin typeface="+mn-lt"/>
         <a:ea typeface="+mn-ea"/>
         <a:cs typeface="+mn-cs"/>
         <a:sym typeface="Helvetica Neue"/>
       </a:defRPr>
     </a:lvl1pPr>
-    <a:lvl2pPr marL="0" marR="0" indent="457200" algn="l" defTabSz="2438338" rtl="0" fontAlgn="auto" latinLnBrk="0" hangingPunct="0">
+    <a:lvl2pPr defTabSz="2438338" hangingPunct="0" indent="457200" latinLnBrk="0" lvl="1" marL="0" marR="0" rtl="0" algn="l" fontAlgn="auto">
       <a:lnSpc>
         <a:spcPct val="90000"/>
       </a:lnSpc>
@@ -92,7 +93,7 @@
       <a:buFontTx/>
       <a:buNone/>
       <a:tabLst/>
-      <a:defRPr b="0" baseline="0" cap="none" i="0" spc="0" strike="noStrike" sz="4800" u="none" kumimoji="0" normalizeH="0">
+      <a:defRPr b="0" i="0" kumimoji="0" normalizeH="0" spc="0" sz="4800" u="none" cap="none" strike="noStrike">
         <a:ln>
           <a:noFill/>
         </a:ln>
@@ -100,14 +101,13 @@
           <a:srgbClr val="000000"/>
         </a:solidFill>
         <a:effectLst/>
-        <a:uFillTx/>
         <a:latin typeface="+mn-lt"/>
         <a:ea typeface="+mn-ea"/>
         <a:cs typeface="+mn-cs"/>
         <a:sym typeface="Helvetica Neue"/>
       </a:defRPr>
     </a:lvl2pPr>
-    <a:lvl3pPr marL="0" marR="0" indent="914400" algn="l" defTabSz="2438338" rtl="0" fontAlgn="auto" latinLnBrk="0" hangingPunct="0">
+    <a:lvl3pPr defTabSz="2438338" hangingPunct="0" indent="914400" latinLnBrk="0" lvl="2" marL="0" marR="0" rtl="0" algn="l" fontAlgn="auto">
       <a:lnSpc>
         <a:spcPct val="90000"/>
       </a:lnSpc>
@@ -122,7 +122,7 @@
       <a:buFontTx/>
       <a:buNone/>
       <a:tabLst/>
-      <a:defRPr b="0" baseline="0" cap="none" i="0" spc="0" strike="noStrike" sz="4800" u="none" kumimoji="0" normalizeH="0">
+      <a:defRPr b="0" i="0" kumimoji="0" normalizeH="0" spc="0" sz="4800" u="none" cap="none" strike="noStrike">
         <a:ln>
           <a:noFill/>
         </a:ln>
@@ -130,14 +130,13 @@
           <a:srgbClr val="000000"/>
         </a:solidFill>
         <a:effectLst/>
-        <a:uFillTx/>
         <a:latin typeface="+mn-lt"/>
         <a:ea typeface="+mn-ea"/>
         <a:cs typeface="+mn-cs"/>
         <a:sym typeface="Helvetica Neue"/>
       </a:defRPr>
     </a:lvl3pPr>
-    <a:lvl4pPr marL="0" marR="0" indent="1371600" algn="l" defTabSz="2438338" rtl="0" fontAlgn="auto" latinLnBrk="0" hangingPunct="0">
+    <a:lvl4pPr defTabSz="2438338" hangingPunct="0" indent="1371600" latinLnBrk="0" lvl="3" marL="0" marR="0" rtl="0" algn="l" fontAlgn="auto">
       <a:lnSpc>
         <a:spcPct val="90000"/>
       </a:lnSpc>
@@ -152,7 +151,7 @@
       <a:buFontTx/>
       <a:buNone/>
       <a:tabLst/>
-      <a:defRPr b="0" baseline="0" cap="none" i="0" spc="0" strike="noStrike" sz="4800" u="none" kumimoji="0" normalizeH="0">
+      <a:defRPr b="0" i="0" kumimoji="0" normalizeH="0" spc="0" sz="4800" u="none" cap="none" strike="noStrike">
         <a:ln>
           <a:noFill/>
         </a:ln>
@@ -160,14 +159,13 @@
           <a:srgbClr val="000000"/>
         </a:solidFill>
         <a:effectLst/>
-        <a:uFillTx/>
         <a:latin typeface="+mn-lt"/>
         <a:ea typeface="+mn-ea"/>
         <a:cs typeface="+mn-cs"/>
         <a:sym typeface="Helvetica Neue"/>
       </a:defRPr>
     </a:lvl4pPr>
-    <a:lvl5pPr marL="0" marR="0" indent="1828800" algn="l" defTabSz="2438338" rtl="0" fontAlgn="auto" latinLnBrk="0" hangingPunct="0">
+    <a:lvl5pPr defTabSz="2438338" hangingPunct="0" indent="1828800" latinLnBrk="0" lvl="4" marL="0" marR="0" rtl="0" algn="l" fontAlgn="auto">
       <a:lnSpc>
         <a:spcPct val="90000"/>
       </a:lnSpc>
@@ -182,7 +180,7 @@
       <a:buFontTx/>
       <a:buNone/>
       <a:tabLst/>
-      <a:defRPr b="0" baseline="0" cap="none" i="0" spc="0" strike="noStrike" sz="4800" u="none" kumimoji="0" normalizeH="0">
+      <a:defRPr b="0" i="0" kumimoji="0" normalizeH="0" spc="0" sz="4800" u="none" cap="none" strike="noStrike">
         <a:ln>
           <a:noFill/>
         </a:ln>
@@ -190,14 +188,13 @@
           <a:srgbClr val="000000"/>
         </a:solidFill>
         <a:effectLst/>
-        <a:uFillTx/>
         <a:latin typeface="+mn-lt"/>
         <a:ea typeface="+mn-ea"/>
         <a:cs typeface="+mn-cs"/>
         <a:sym typeface="Helvetica Neue"/>
       </a:defRPr>
     </a:lvl5pPr>
-    <a:lvl6pPr marL="0" marR="0" indent="2286000" algn="l" defTabSz="2438338" rtl="0" fontAlgn="auto" latinLnBrk="0" hangingPunct="0">
+    <a:lvl6pPr defTabSz="2438338" hangingPunct="0" indent="2286000" latinLnBrk="0" lvl="5" marL="0" marR="0" rtl="0" algn="l" fontAlgn="auto">
       <a:lnSpc>
         <a:spcPct val="90000"/>
       </a:lnSpc>
@@ -212,7 +209,7 @@
       <a:buFontTx/>
       <a:buNone/>
       <a:tabLst/>
-      <a:defRPr b="0" baseline="0" cap="none" i="0" spc="0" strike="noStrike" sz="4800" u="none" kumimoji="0" normalizeH="0">
+      <a:defRPr b="0" i="0" kumimoji="0" normalizeH="0" spc="0" sz="4800" u="none" cap="none" strike="noStrike">
         <a:ln>
           <a:noFill/>
         </a:ln>
@@ -220,14 +217,13 @@
           <a:srgbClr val="000000"/>
         </a:solidFill>
         <a:effectLst/>
-        <a:uFillTx/>
         <a:latin typeface="+mn-lt"/>
         <a:ea typeface="+mn-ea"/>
         <a:cs typeface="+mn-cs"/>
         <a:sym typeface="Helvetica Neue"/>
       </a:defRPr>
     </a:lvl6pPr>
-    <a:lvl7pPr marL="0" marR="0" indent="2743200" algn="l" defTabSz="2438338" rtl="0" fontAlgn="auto" latinLnBrk="0" hangingPunct="0">
+    <a:lvl7pPr defTabSz="2438338" hangingPunct="0" indent="2743200" latinLnBrk="0" lvl="6" marL="0" marR="0" rtl="0" algn="l" fontAlgn="auto">
       <a:lnSpc>
         <a:spcPct val="90000"/>
       </a:lnSpc>
@@ -242,7 +238,7 @@
       <a:buFontTx/>
       <a:buNone/>
       <a:tabLst/>
-      <a:defRPr b="0" baseline="0" cap="none" i="0" spc="0" strike="noStrike" sz="4800" u="none" kumimoji="0" normalizeH="0">
+      <a:defRPr b="0" i="0" kumimoji="0" normalizeH="0" spc="0" sz="4800" u="none" cap="none" strike="noStrike">
         <a:ln>
           <a:noFill/>
         </a:ln>
@@ -250,14 +246,13 @@
           <a:srgbClr val="000000"/>
         </a:solidFill>
         <a:effectLst/>
-        <a:uFillTx/>
         <a:latin typeface="+mn-lt"/>
         <a:ea typeface="+mn-ea"/>
         <a:cs typeface="+mn-cs"/>
         <a:sym typeface="Helvetica Neue"/>
       </a:defRPr>
     </a:lvl7pPr>
-    <a:lvl8pPr marL="0" marR="0" indent="3200400" algn="l" defTabSz="2438338" rtl="0" fontAlgn="auto" latinLnBrk="0" hangingPunct="0">
+    <a:lvl8pPr defTabSz="2438338" hangingPunct="0" indent="3200400" latinLnBrk="0" lvl="7" marL="0" marR="0" rtl="0" algn="l" fontAlgn="auto">
       <a:lnSpc>
         <a:spcPct val="90000"/>
       </a:lnSpc>
@@ -272,7 +267,7 @@
       <a:buFontTx/>
       <a:buNone/>
       <a:tabLst/>
-      <a:defRPr b="0" baseline="0" cap="none" i="0" spc="0" strike="noStrike" sz="4800" u="none" kumimoji="0" normalizeH="0">
+      <a:defRPr b="0" i="0" kumimoji="0" normalizeH="0" spc="0" sz="4800" u="none" cap="none" strike="noStrike">
         <a:ln>
           <a:noFill/>
         </a:ln>
@@ -280,14 +275,13 @@
           <a:srgbClr val="000000"/>
         </a:solidFill>
         <a:effectLst/>
-        <a:uFillTx/>
         <a:latin typeface="+mn-lt"/>
         <a:ea typeface="+mn-ea"/>
         <a:cs typeface="+mn-cs"/>
         <a:sym typeface="Helvetica Neue"/>
       </a:defRPr>
     </a:lvl8pPr>
-    <a:lvl9pPr marL="0" marR="0" indent="3657600" algn="l" defTabSz="2438338" rtl="0" fontAlgn="auto" latinLnBrk="0" hangingPunct="0">
+    <a:lvl9pPr defTabSz="2438338" hangingPunct="0" indent="3657600" latinLnBrk="0" lvl="8" marL="0" marR="0" rtl="0" algn="l" fontAlgn="auto">
       <a:lnSpc>
         <a:spcPct val="90000"/>
       </a:lnSpc>
@@ -302,7 +296,7 @@
       <a:buFontTx/>
       <a:buNone/>
       <a:tabLst/>
-      <a:defRPr b="0" baseline="0" cap="none" i="0" spc="0" strike="noStrike" sz="4800" u="none" kumimoji="0" normalizeH="0">
+      <a:defRPr b="0" i="0" kumimoji="0" normalizeH="0" spc="0" sz="4800" u="none" cap="none" strike="noStrike">
         <a:ln>
           <a:noFill/>
         </a:ln>
@@ -310,7 +304,6 @@
           <a:srgbClr val="000000"/>
         </a:solidFill>
         <a:effectLst/>
-        <a:uFillTx/>
         <a:latin typeface="+mn-lt"/>
         <a:ea typeface="+mn-ea"/>
         <a:cs typeface="+mn-cs"/>
@@ -321,8 +314,8 @@
 </p:presentation>
 </file>
 
-<file path=ppt/commentAuthors.xml><?xml version="1.0" encoding="utf-8"?>
-<p:cmAuthorLst xmlns:a="http://schemas.openxmlformats.org/drawingml/2006/main" xmlns:r="http://schemas.openxmlformats.org/officeDocument/2006/relationships" xmlns:p="http://schemas.openxmlformats.org/presentationml/2006/main" xmlns:m="http://schemas.openxmlformats.org/officeDocument/2006/math" xmlns:a14="http://schemas.microsoft.com/office/drawing/2010/main"/>
+<file path=ppt/presProps1.xml><?xml version="1.0" encoding="utf-8"?>
+<p:presentationPr xmlns:a="http://schemas.openxmlformats.org/drawingml/2006/main" xmlns:r="http://schemas.openxmlformats.org/officeDocument/2006/relationships" xmlns:mc="http://schemas.openxmlformats.org/markup-compatibility/2006" xmlns:mv="urn:schemas-microsoft-com:mac:vml" xmlns:p="http://schemas.openxmlformats.org/presentationml/2006/main" xmlns:c="http://schemas.openxmlformats.org/drawingml/2006/chart" xmlns:dgm="http://schemas.openxmlformats.org/drawingml/2006/diagram" xmlns:o="urn:schemas-microsoft-com:office:office" xmlns:v="urn:schemas-microsoft-com:vml" xmlns:pvml="urn:schemas-microsoft-com:office:powerpoint" xmlns:com="http://schemas.openxmlformats.org/drawingml/2006/compatibility" xmlns:p14="http://schemas.microsoft.com/office/powerpoint/2010/main" xmlns:p15="http://schemas.microsoft.com/office/powerpoint/2012/main" xmlns:ahyp="http://schemas.microsoft.com/office/drawing/2018/hyperlinkcolor"/>
 </file>
 
 <file path=ppt/notesMasters/notesMaster1.xml><?xml version="1.0" encoding="utf-8"?>
@@ -4284,22 +4277,16 @@
 </file>
 
 <file path=ppt/slides/slide2.xml><?xml version="1.0" encoding="utf-8"?>
-<p:sld xmlns:a="http://schemas.openxmlformats.org/drawingml/2006/main" xmlns:r="http://schemas.openxmlformats.org/officeDocument/2006/relationships" xmlns:p="http://schemas.openxmlformats.org/presentationml/2006/main" xmlns:m="http://schemas.openxmlformats.org/officeDocument/2006/math" xmlns:a14="http://schemas.microsoft.com/office/drawing/2010/main" showMasterSp="1" showMasterPhAnim="1">
+<p:sld xmlns:a="http://schemas.openxmlformats.org/drawingml/2006/main" xmlns:r="http://schemas.openxmlformats.org/officeDocument/2006/relationships" xmlns:mc="http://schemas.openxmlformats.org/markup-compatibility/2006" xmlns:mv="urn:schemas-microsoft-com:mac:vml" xmlns:p="http://schemas.openxmlformats.org/presentationml/2006/main" xmlns:c="http://schemas.openxmlformats.org/drawingml/2006/chart" xmlns:dgm="http://schemas.openxmlformats.org/drawingml/2006/diagram" xmlns:o="urn:schemas-microsoft-com:office:office" xmlns:v="urn:schemas-microsoft-com:vml" xmlns:pvml="urn:schemas-microsoft-com:office:powerpoint" xmlns:com="http://schemas.openxmlformats.org/drawingml/2006/compatibility" xmlns:p14="http://schemas.microsoft.com/office/powerpoint/2010/main" xmlns:p15="http://schemas.microsoft.com/office/powerpoint/2012/main" xmlns:ahyp="http://schemas.microsoft.com/office/drawing/2018/hyperlinkcolor">
   <p:cSld>
     <p:bg>
       <p:bgPr>
-        <a:blipFill rotWithShape="1">
-          <a:blip r:embed="rId2"/>
-          <a:srcRect l="0" t="0" r="0" b="0"/>
-          <a:stretch>
-            <a:fillRect/>
-          </a:stretch>
-        </a:blipFill>
+        <a:noFill/>
       </p:bgPr>
     </p:bg>
     <p:spTree>
       <p:nvGrpSpPr>
-        <p:cNvPr id="1" name=""/>
+        <p:cNvPr id="207" name="Shape 207"/>
         <p:cNvGrpSpPr/>
         <p:nvPr/>
       </p:nvGrpSpPr>
@@ -4313,89 +4300,147 @@
       </p:grpSpPr>
       <p:sp>
         <p:nvSpPr>
-          <p:cNvPr id="175" name="Původ: Francie (chanson = píseň)…"/>
+          <p:cNvPr id="208" name="Google Shape;208;p1"/>
           <p:cNvSpPr txBox="1"/>
           <p:nvPr>
-            <p:ph type="body" sz="half" idx="1"/>
+            <p:ph idx="1" type="body"/>
           </p:nvPr>
         </p:nvSpPr>
         <p:spPr>
           <a:xfrm>
             <a:off x="1584640" y="4194815"/>
-            <a:ext cx="15980503" cy="8256630"/>
+            <a:ext cx="15980400" cy="8256600"/>
           </a:xfrm>
           <a:prstGeom prst="rect">
             <a:avLst/>
           </a:prstGeom>
+          <a:noFill/>
+          <a:ln>
+            <a:noFill/>
+          </a:ln>
         </p:spPr>
         <p:txBody>
-          <a:bodyPr/>
+          <a:bodyPr anchorCtr="0" anchor="t" bIns="50800" lIns="50800" spcFirstLastPara="1" rIns="50800" wrap="square" tIns="50800">
+            <a:normAutofit/>
+          </a:bodyPr>
           <a:lstStyle/>
           <a:p>
-            <a:pPr marL="1219200" indent="-1219200" defTabSz="1950671">
+            <a:pPr indent="-1219200" lvl="0" marL="1219200" rtl="0" algn="l">
+              <a:lnSpc>
+                <a:spcPct val="90000"/>
+              </a:lnSpc>
+              <a:spcBef>
+                <a:spcPts val="0"/>
+              </a:spcBef>
+              <a:spcAft>
+                <a:spcPts val="0"/>
+              </a:spcAft>
+              <a:buClr>
+                <a:srgbClr val="FFFFFF"/>
+              </a:buClr>
+              <a:buSzPts val="11808"/>
+              <a:buFont typeface="Helvetica Neue"/>
+              <a:buChar char="•"/>
+            </a:pPr>
+            <a:r>
+              <a:rPr lang="en-US" sz="9600">
+                <a:solidFill>
+                  <a:srgbClr val="FFFFFF"/>
+                </a:solidFill>
+              </a:rPr>
+              <a:t>Původ: Francie (chanson = píseň)</a:t>
+            </a:r>
+            <a:endParaRPr/>
+          </a:p>
+          <a:p>
+            <a:pPr indent="-1219200" lvl="0" marL="1219200" rtl="0" algn="l">
+              <a:lnSpc>
+                <a:spcPct val="90000"/>
+              </a:lnSpc>
               <a:spcBef>
                 <a:spcPts val="3600"/>
               </a:spcBef>
-              <a:defRPr sz="9600">
+              <a:spcAft>
+                <a:spcPts val="0"/>
+              </a:spcAft>
+              <a:buClr>
+                <a:srgbClr val="FFFFFF"/>
+              </a:buClr>
+              <a:buSzPts val="11808"/>
+              <a:buFont typeface="Helvetica Neue"/>
+              <a:buChar char="•"/>
+            </a:pPr>
+            <a:r>
+              <a:rPr lang="en-US" sz="9600">
                 <a:solidFill>
                   <a:srgbClr val="FFFFFF"/>
                 </a:solidFill>
-              </a:defRPr>
-            </a:pPr>
-            <a:r>
-              <a:t>Původ: Francie (chanson = píseň)</a:t>
-            </a:r>
-          </a:p>
-          <a:p>
-            <a:pPr marL="1219200" indent="-1219200" defTabSz="1950671">
+              </a:rPr>
+              <a:t>Důraz na text a příběh</a:t>
+            </a:r>
+            <a:endParaRPr/>
+          </a:p>
+          <a:p>
+            <a:pPr indent="-1219200" lvl="0" marL="1219200" rtl="0" algn="l">
+              <a:lnSpc>
+                <a:spcPct val="90000"/>
+              </a:lnSpc>
               <a:spcBef>
                 <a:spcPts val="3600"/>
               </a:spcBef>
-              <a:defRPr sz="9600">
+              <a:spcAft>
+                <a:spcPts val="0"/>
+              </a:spcAft>
+              <a:buClr>
+                <a:srgbClr val="FFFFFF"/>
+              </a:buClr>
+              <a:buSzPts val="11808"/>
+              <a:buFont typeface="Helvetica Neue"/>
+              <a:buChar char="•"/>
+            </a:pPr>
+            <a:r>
+              <a:rPr lang="en-US" sz="9600">
                 <a:solidFill>
                   <a:srgbClr val="FFFFFF"/>
                 </a:solidFill>
-              </a:defRPr>
-            </a:pPr>
-            <a:r>
-              <a:t>Důraz na text a příběh</a:t>
-            </a:r>
-          </a:p>
-          <a:p>
-            <a:pPr marL="1219200" indent="-1219200" defTabSz="1950671">
+              </a:rPr>
+              <a:t>Interpret = vypravěč/herec</a:t>
+            </a:r>
+            <a:endParaRPr/>
+          </a:p>
+          <a:p>
+            <a:pPr indent="-1219200" lvl="0" marL="1219200" rtl="0" algn="l">
+              <a:lnSpc>
+                <a:spcPct val="90000"/>
+              </a:lnSpc>
               <a:spcBef>
                 <a:spcPts val="3600"/>
               </a:spcBef>
-              <a:defRPr sz="9600">
+              <a:spcAft>
+                <a:spcPts val="0"/>
+              </a:spcAft>
+              <a:buClr>
+                <a:srgbClr val="FFFFFF"/>
+              </a:buClr>
+              <a:buSzPts val="11808"/>
+              <a:buFont typeface="Helvetica Neue"/>
+              <a:buChar char="•"/>
+            </a:pPr>
+            <a:r>
+              <a:rPr lang="en-US" sz="9600">
                 <a:solidFill>
                   <a:srgbClr val="FFFFFF"/>
                 </a:solidFill>
-              </a:defRPr>
-            </a:pPr>
-            <a:r>
-              <a:t>Interpret = vypravěč/herec</a:t>
-            </a:r>
-          </a:p>
-          <a:p>
-            <a:pPr marL="1219200" indent="-1219200" defTabSz="1950671">
-              <a:spcBef>
-                <a:spcPts val="3600"/>
-              </a:spcBef>
-              <a:defRPr sz="9600">
-                <a:solidFill>
-                  <a:srgbClr val="FFFFFF"/>
-                </a:solidFill>
-              </a:defRPr>
-            </a:pPr>
-            <a:r>
+              </a:rPr>
               <a:t>Spojení hudby a poezie</a:t>
             </a:r>
+            <a:endParaRPr/>
           </a:p>
         </p:txBody>
       </p:sp>
       <p:sp>
         <p:nvSpPr>
-          <p:cNvPr id="176" name="CO JE TO ŠANSON?"/>
+          <p:cNvPr id="209" name="Google Shape;209;p1"/>
           <p:cNvSpPr txBox="1"/>
           <p:nvPr>
             <p:ph type="title"/>
@@ -4404,30 +4449,52 @@
         <p:spPr>
           <a:xfrm>
             <a:off x="1849338" y="1177206"/>
-            <a:ext cx="11309835" cy="2610086"/>
+            <a:ext cx="11309700" cy="2610000"/>
           </a:xfrm>
           <a:prstGeom prst="rect">
             <a:avLst/>
           </a:prstGeom>
+          <a:noFill/>
+          <a:ln>
+            <a:noFill/>
+          </a:ln>
         </p:spPr>
         <p:txBody>
-          <a:bodyPr/>
+          <a:bodyPr anchorCtr="0" anchor="t" bIns="50800" lIns="50800" spcFirstLastPara="1" rIns="50800" wrap="square" tIns="50800">
+            <a:normAutofit/>
+          </a:bodyPr>
           <a:lstStyle/>
           <a:p>
-            <a:pPr defTabSz="1633687">
-              <a:defRPr spc="-160" sz="8040" u="sng">
+            <a:pPr indent="0" lvl="0" marL="0" rtl="0" algn="l">
+              <a:lnSpc>
+                <a:spcPct val="80000"/>
+              </a:lnSpc>
+              <a:spcBef>
+                <a:spcPts val="0"/>
+              </a:spcBef>
+              <a:spcAft>
+                <a:spcPts val="0"/>
+              </a:spcAft>
+              <a:buClr>
+                <a:srgbClr val="FFFFFF"/>
+              </a:buClr>
+              <a:buSzPts val="9380"/>
+              <a:buFont typeface="Helvetica Neue"/>
+              <a:buNone/>
+            </a:pPr>
+            <a:r>
+              <a:rPr lang="en-US" sz="9380" u="sng">
                 <a:solidFill>
                   <a:srgbClr val="FFFFFF"/>
                 </a:solidFill>
-              </a:defRPr>
-            </a:pPr>
-            <a:r>
-              <a:rPr spc="-187" sz="9380"/>
-              <a:t>CO JE TO ŠANSON</a:t>
-            </a:r>
-            <a:r>
-              <a:t>?</a:t>
-            </a:r>
+              </a:rPr>
+              <a:t>CO JE TO ŠANSON?</a:t>
+            </a:r>
+            <a:endParaRPr u="sng">
+              <a:solidFill>
+                <a:srgbClr val="FFFFFF"/>
+              </a:solidFill>
+            </a:endParaRPr>
           </a:p>
         </p:txBody>
       </p:sp>
@@ -4436,27 +4503,20 @@
   <p:clrMapOvr>
     <a:masterClrMapping/>
   </p:clrMapOvr>
-  <p:transition xmlns:p14="http://schemas.microsoft.com/office/powerpoint/2010/main" spd="med" advClick="1"/>
 </p:sld>
 </file>
 
 <file path=ppt/slides/slide3.xml><?xml version="1.0" encoding="utf-8"?>
-<p:sld xmlns:a="http://schemas.openxmlformats.org/drawingml/2006/main" xmlns:r="http://schemas.openxmlformats.org/officeDocument/2006/relationships" xmlns:p="http://schemas.openxmlformats.org/presentationml/2006/main" xmlns:m="http://schemas.openxmlformats.org/officeDocument/2006/math" xmlns:a14="http://schemas.microsoft.com/office/drawing/2010/main" showMasterSp="1" showMasterPhAnim="1">
+<p:sld xmlns:a="http://schemas.openxmlformats.org/drawingml/2006/main" xmlns:r="http://schemas.openxmlformats.org/officeDocument/2006/relationships" xmlns:mc="http://schemas.openxmlformats.org/markup-compatibility/2006" xmlns:mv="urn:schemas-microsoft-com:mac:vml" xmlns:p="http://schemas.openxmlformats.org/presentationml/2006/main" xmlns:c="http://schemas.openxmlformats.org/drawingml/2006/chart" xmlns:dgm="http://schemas.openxmlformats.org/drawingml/2006/diagram" xmlns:o="urn:schemas-microsoft-com:office:office" xmlns:v="urn:schemas-microsoft-com:vml" xmlns:pvml="urn:schemas-microsoft-com:office:powerpoint" xmlns:com="http://schemas.openxmlformats.org/drawingml/2006/compatibility" xmlns:p14="http://schemas.microsoft.com/office/powerpoint/2010/main" xmlns:p15="http://schemas.microsoft.com/office/powerpoint/2012/main" xmlns:ahyp="http://schemas.microsoft.com/office/drawing/2018/hyperlinkcolor">
   <p:cSld>
     <p:bg>
       <p:bgPr>
-        <a:blipFill rotWithShape="1">
-          <a:blip r:embed="rId2"/>
-          <a:srcRect l="0" t="0" r="0" b="0"/>
-          <a:stretch>
-            <a:fillRect/>
-          </a:stretch>
-        </a:blipFill>
+        <a:noFill/>
       </p:bgPr>
     </p:bg>
     <p:spTree>
       <p:nvGrpSpPr>
-        <p:cNvPr id="1" name=""/>
+        <p:cNvPr id="210" name="Shape 210"/>
         <p:cNvGrpSpPr/>
         <p:nvPr/>
       </p:nvGrpSpPr>
@@ -4470,93 +4530,151 @@
       </p:grpSpPr>
       <p:sp>
         <p:nvSpPr>
-          <p:cNvPr id="178" name="Středověk: Trubadúři…"/>
+          <p:cNvPr id="211" name="Google Shape;211;p2"/>
           <p:cNvSpPr txBox="1"/>
           <p:nvPr>
-            <p:ph type="body" idx="1"/>
+            <p:ph idx="1" type="body"/>
           </p:nvPr>
         </p:nvSpPr>
         <p:spPr>
           <a:xfrm>
             <a:off x="1206500" y="4248504"/>
-            <a:ext cx="16906947" cy="8256630"/>
+            <a:ext cx="16906800" cy="8256600"/>
           </a:xfrm>
           <a:prstGeom prst="rect">
             <a:avLst/>
           </a:prstGeom>
+          <a:noFill/>
+          <a:ln>
+            <a:noFill/>
+          </a:ln>
         </p:spPr>
         <p:txBody>
-          <a:bodyPr/>
+          <a:bodyPr anchorCtr="0" anchor="t" bIns="50800" lIns="50800" spcFirstLastPara="1" rIns="50800" wrap="square" tIns="50800">
+            <a:normAutofit lnSpcReduction="20000"/>
+          </a:bodyPr>
           <a:lstStyle/>
           <a:p>
-            <a:pPr marL="1219200" indent="-1219200" defTabSz="1950671">
+            <a:pPr indent="-1219200" lvl="0" marL="1219200" rtl="0" algn="l">
+              <a:lnSpc>
+                <a:spcPct val="90000"/>
+              </a:lnSpc>
+              <a:spcBef>
+                <a:spcPts val="0"/>
+              </a:spcBef>
+              <a:spcAft>
+                <a:spcPts val="0"/>
+              </a:spcAft>
+              <a:buClr>
+                <a:srgbClr val="FFFFFF"/>
+              </a:buClr>
+              <a:buSzPts val="11808"/>
+              <a:buFont typeface="Helvetica Neue"/>
+              <a:buChar char="•"/>
+            </a:pPr>
+            <a:r>
+              <a:rPr lang="en-US" sz="9600">
+                <a:solidFill>
+                  <a:srgbClr val="FFFFFF"/>
+                </a:solidFill>
+              </a:rPr>
+              <a:t>Středověk: Trubadúři</a:t>
+            </a:r>
+            <a:endParaRPr/>
+          </a:p>
+          <a:p>
+            <a:pPr indent="-1219200" lvl="0" marL="1219200" rtl="0" algn="l">
+              <a:lnSpc>
+                <a:spcPct val="90000"/>
+              </a:lnSpc>
               <a:spcBef>
                 <a:spcPts val="3600"/>
               </a:spcBef>
-              <a:defRPr sz="9600">
+              <a:spcAft>
+                <a:spcPts val="0"/>
+              </a:spcAft>
+              <a:buClr>
+                <a:srgbClr val="FFFFFF"/>
+              </a:buClr>
+              <a:buSzPts val="11808"/>
+              <a:buFont typeface="Helvetica Neue"/>
+              <a:buChar char="•"/>
+            </a:pPr>
+            <a:r>
+              <a:rPr lang="en-US" sz="9600">
                 <a:solidFill>
                   <a:srgbClr val="FFFFFF"/>
                 </a:solidFill>
-              </a:defRPr>
-            </a:pPr>
-            <a:r>
-              <a:t>Středověk: Trubadúři</a:t>
-            </a:r>
-          </a:p>
-          <a:p>
-            <a:pPr marL="1219200" indent="-1219200" defTabSz="1950671">
+              </a:rPr>
+              <a:t>19. století: pařížské kabarety</a:t>
+            </a:r>
+            <a:endParaRPr/>
+          </a:p>
+          <a:p>
+            <a:pPr indent="-1219200" lvl="0" marL="1219200" rtl="0" algn="l">
+              <a:lnSpc>
+                <a:spcPct val="90000"/>
+              </a:lnSpc>
               <a:spcBef>
                 <a:spcPts val="3600"/>
               </a:spcBef>
-              <a:defRPr sz="9600">
+              <a:spcAft>
+                <a:spcPts val="0"/>
+              </a:spcAft>
+              <a:buClr>
+                <a:srgbClr val="FFFFFF"/>
+              </a:buClr>
+              <a:buSzPts val="11808"/>
+              <a:buFont typeface="Helvetica Neue"/>
+              <a:buChar char="•"/>
+            </a:pPr>
+            <a:r>
+              <a:rPr lang="en-US" sz="9600">
                 <a:solidFill>
                   <a:srgbClr val="FFFFFF"/>
                 </a:solidFill>
-              </a:defRPr>
-            </a:pPr>
-            <a:r>
-              <a:t>19. století: pařížské kabarety</a:t>
-            </a:r>
-          </a:p>
-          <a:p>
-            <a:pPr marL="1219200" indent="-1219200" defTabSz="1950671">
+              </a:rPr>
+              <a:t>Rozkvět: polovina 20. století </a:t>
+            </a:r>
+            <a:endParaRPr/>
+          </a:p>
+          <a:p>
+            <a:pPr indent="-1219200" lvl="0" marL="1219200" rtl="0" algn="l">
+              <a:lnSpc>
+                <a:spcPct val="90000"/>
+              </a:lnSpc>
               <a:spcBef>
                 <a:spcPts val="3600"/>
               </a:spcBef>
-              <a:defRPr sz="9600">
+              <a:spcAft>
+                <a:spcPts val="0"/>
+              </a:spcAft>
+              <a:buClr>
+                <a:srgbClr val="FFFFFF"/>
+              </a:buClr>
+              <a:buSzPts val="11808"/>
+              <a:buFont typeface="Helvetica Neue"/>
+              <a:buChar char="•"/>
+            </a:pPr>
+            <a:r>
+              <a:rPr lang="en-US" sz="9600">
                 <a:solidFill>
                   <a:srgbClr val="FFFFFF"/>
                 </a:solidFill>
-              </a:defRPr>
-            </a:pPr>
-            <a:r>
-              <a:t>Rozkvět: polovina 20. století </a:t>
-            </a:r>
-          </a:p>
-          <a:p>
-            <a:pPr marL="1219200" indent="-1219200" defTabSz="1950671">
-              <a:spcBef>
-                <a:spcPts val="3600"/>
-              </a:spcBef>
-              <a:defRPr sz="5120">
-                <a:solidFill>
-                  <a:srgbClr val="FFFFFF"/>
-                </a:solidFill>
-              </a:defRPr>
-            </a:pPr>
-            <a:r>
-              <a:rPr sz="9600"/>
-              <a:t>Původně ,,píseň ulice</a:t>
-            </a:r>
-            <a:r>
-              <a:t>”</a:t>
-            </a:r>
+              </a:rPr>
+              <a:t>Původně ,,píseň ulice’’</a:t>
+            </a:r>
+            <a:endParaRPr>
+              <a:solidFill>
+                <a:srgbClr val="FFFFFF"/>
+              </a:solidFill>
+            </a:endParaRPr>
           </a:p>
         </p:txBody>
       </p:sp>
       <p:sp>
         <p:nvSpPr>
-          <p:cNvPr id="179" name="HISTORIE A PŮVOD"/>
+          <p:cNvPr id="212" name="Google Shape;212;p2"/>
           <p:cNvSpPr txBox="1"/>
           <p:nvPr>
             <p:ph type="title"/>
@@ -4565,28 +4683,48 @@
         <p:spPr>
           <a:xfrm>
             <a:off x="1206500" y="1079500"/>
-            <a:ext cx="11466991" cy="1682819"/>
+            <a:ext cx="11466900" cy="1682700"/>
           </a:xfrm>
           <a:prstGeom prst="rect">
             <a:avLst/>
           </a:prstGeom>
+          <a:noFill/>
+          <a:ln>
+            <a:noFill/>
+          </a:ln>
         </p:spPr>
         <p:txBody>
-          <a:bodyPr/>
-          <a:lstStyle>
-            <a:lvl1pPr defTabSz="1682453">
-              <a:defRPr spc="-193" sz="9660" u="sng">
+          <a:bodyPr anchorCtr="0" anchor="t" bIns="50800" lIns="50800" spcFirstLastPara="1" rIns="50800" wrap="square" tIns="50800">
+            <a:normAutofit/>
+          </a:bodyPr>
+          <a:lstStyle/>
+          <a:p>
+            <a:pPr indent="0" lvl="0" marL="0" marR="0" rtl="0" algn="l">
+              <a:lnSpc>
+                <a:spcPct val="80000"/>
+              </a:lnSpc>
+              <a:spcBef>
+                <a:spcPts val="0"/>
+              </a:spcBef>
+              <a:spcAft>
+                <a:spcPts val="0"/>
+              </a:spcAft>
+              <a:buClr>
+                <a:srgbClr val="FFFFFF"/>
+              </a:buClr>
+              <a:buSzPts val="9660"/>
+              <a:buFont typeface="Helvetica Neue"/>
+              <a:buNone/>
+            </a:pPr>
+            <a:r>
+              <a:rPr lang="en-US" sz="9660" u="sng">
                 <a:solidFill>
                   <a:srgbClr val="FFFFFF"/>
                 </a:solidFill>
-              </a:defRPr>
-            </a:lvl1pPr>
-          </a:lstStyle>
-          <a:p>
-            <a:pPr/>
-            <a:r>
+              </a:rPr>
               <a:t>HISTORIE A PŮVOD</a:t>
             </a:r>
+            <a:endParaRPr/>
           </a:p>
         </p:txBody>
       </p:sp>
@@ -4595,7 +4733,6 @@
   <p:clrMapOvr>
     <a:masterClrMapping/>
   </p:clrMapOvr>
-  <p:transition xmlns:p14="http://schemas.microsoft.com/office/powerpoint/2010/main" spd="med" advClick="1"/>
 </p:sld>
 </file>
 
@@ -4910,22 +5047,16 @@
 </file>
 
 <file path=ppt/slides/slide6.xml><?xml version="1.0" encoding="utf-8"?>
-<p:sld xmlns:a="http://schemas.openxmlformats.org/drawingml/2006/main" xmlns:r="http://schemas.openxmlformats.org/officeDocument/2006/relationships" xmlns:p="http://schemas.openxmlformats.org/presentationml/2006/main" xmlns:m="http://schemas.openxmlformats.org/officeDocument/2006/math" xmlns:a14="http://schemas.microsoft.com/office/drawing/2010/main" showMasterSp="1" showMasterPhAnim="1">
+<p:sld xmlns:a="http://schemas.openxmlformats.org/drawingml/2006/main" xmlns:r="http://schemas.openxmlformats.org/officeDocument/2006/relationships" xmlns:mc="http://schemas.openxmlformats.org/markup-compatibility/2006" xmlns:mv="urn:schemas-microsoft-com:mac:vml" xmlns:p="http://schemas.openxmlformats.org/presentationml/2006/main" xmlns:c="http://schemas.openxmlformats.org/drawingml/2006/chart" xmlns:dgm="http://schemas.openxmlformats.org/drawingml/2006/diagram" xmlns:o="urn:schemas-microsoft-com:office:office" xmlns:v="urn:schemas-microsoft-com:vml" xmlns:pvml="urn:schemas-microsoft-com:office:powerpoint" xmlns:com="http://schemas.openxmlformats.org/drawingml/2006/compatibility" xmlns:p14="http://schemas.microsoft.com/office/powerpoint/2010/main" xmlns:p15="http://schemas.microsoft.com/office/powerpoint/2012/main" xmlns:ahyp="http://schemas.microsoft.com/office/drawing/2018/hyperlinkcolor">
   <p:cSld>
     <p:bg>
       <p:bgPr>
-        <a:blipFill rotWithShape="1">
-          <a:blip r:embed="rId2"/>
-          <a:srcRect l="0" t="0" r="0" b="0"/>
-          <a:stretch>
-            <a:fillRect/>
-          </a:stretch>
-        </a:blipFill>
+        <a:noFill/>
       </p:bgPr>
     </p:bg>
     <p:spTree>
       <p:nvGrpSpPr>
-        <p:cNvPr id="1" name=""/>
+        <p:cNvPr id="213" name="Shape 213"/>
         <p:cNvGrpSpPr/>
         <p:nvPr/>
       </p:nvGrpSpPr>
@@ -4939,89 +5070,147 @@
       </p:grpSpPr>
       <p:sp>
         <p:nvSpPr>
-          <p:cNvPr id="187" name="Ikona žánru, přezdívka vrabčák…"/>
+          <p:cNvPr id="214" name="Google Shape;214;p3"/>
           <p:cNvSpPr txBox="1"/>
           <p:nvPr>
-            <p:ph type="body" sz="half" idx="1"/>
+            <p:ph idx="1" type="body"/>
           </p:nvPr>
         </p:nvSpPr>
         <p:spPr>
           <a:xfrm>
             <a:off x="1206499" y="4248504"/>
-            <a:ext cx="14864989" cy="8256630"/>
+            <a:ext cx="14865000" cy="8256600"/>
           </a:xfrm>
           <a:prstGeom prst="rect">
             <a:avLst/>
           </a:prstGeom>
+          <a:noFill/>
+          <a:ln>
+            <a:noFill/>
+          </a:ln>
         </p:spPr>
         <p:txBody>
-          <a:bodyPr/>
+          <a:bodyPr anchorCtr="0" anchor="t" bIns="50800" lIns="50800" spcFirstLastPara="1" rIns="50800" wrap="square" tIns="50800">
+            <a:normAutofit/>
+          </a:bodyPr>
           <a:lstStyle/>
           <a:p>
-            <a:pPr marL="914400" indent="-914400" defTabSz="1463003">
+            <a:pPr indent="-914400" lvl="0" marL="914400" rtl="0" algn="l">
+              <a:lnSpc>
+                <a:spcPct val="90000"/>
+              </a:lnSpc>
+              <a:spcBef>
+                <a:spcPts val="0"/>
+              </a:spcBef>
+              <a:spcAft>
+                <a:spcPts val="0"/>
+              </a:spcAft>
+              <a:buClr>
+                <a:srgbClr val="FFFFFF"/>
+              </a:buClr>
+              <a:buSzPts val="8856"/>
+              <a:buFont typeface="Helvetica Neue"/>
+              <a:buChar char="•"/>
+            </a:pPr>
+            <a:r>
+              <a:rPr lang="en-US" sz="7200">
+                <a:solidFill>
+                  <a:srgbClr val="FFFFFF"/>
+                </a:solidFill>
+              </a:rPr>
+              <a:t>Ikona žánru, přezdívka vrabčák</a:t>
+            </a:r>
+            <a:endParaRPr/>
+          </a:p>
+          <a:p>
+            <a:pPr indent="-914400" lvl="0" marL="914400" rtl="0" algn="l">
+              <a:lnSpc>
+                <a:spcPct val="90000"/>
+              </a:lnSpc>
               <a:spcBef>
                 <a:spcPts val="2700"/>
               </a:spcBef>
-              <a:defRPr sz="7200">
+              <a:spcAft>
+                <a:spcPts val="0"/>
+              </a:spcAft>
+              <a:buClr>
+                <a:srgbClr val="FFFFFF"/>
+              </a:buClr>
+              <a:buSzPts val="8856"/>
+              <a:buFont typeface="Helvetica Neue"/>
+              <a:buChar char="•"/>
+            </a:pPr>
+            <a:r>
+              <a:rPr lang="en-US" sz="7200">
                 <a:solidFill>
                   <a:srgbClr val="FFFFFF"/>
                 </a:solidFill>
-              </a:defRPr>
-            </a:pPr>
-            <a:r>
-              <a:t>Ikona žánru, přezdívka vrabčák</a:t>
-            </a:r>
-          </a:p>
-          <a:p>
-            <a:pPr marL="914400" indent="-914400" defTabSz="1463003">
+              </a:rPr>
+              <a:t>Symbol francouzské kultury</a:t>
+            </a:r>
+            <a:endParaRPr/>
+          </a:p>
+          <a:p>
+            <a:pPr indent="-914400" lvl="0" marL="914400" rtl="0" algn="l">
+              <a:lnSpc>
+                <a:spcPct val="90000"/>
+              </a:lnSpc>
               <a:spcBef>
                 <a:spcPts val="2700"/>
               </a:spcBef>
-              <a:defRPr sz="7200">
+              <a:spcAft>
+                <a:spcPts val="0"/>
+              </a:spcAft>
+              <a:buClr>
+                <a:srgbClr val="FFFFFF"/>
+              </a:buClr>
+              <a:buSzPts val="8856"/>
+              <a:buFont typeface="Helvetica Neue"/>
+              <a:buChar char="•"/>
+            </a:pPr>
+            <a:r>
+              <a:rPr lang="en-US" sz="7200">
                 <a:solidFill>
                   <a:srgbClr val="FFFFFF"/>
                 </a:solidFill>
-              </a:defRPr>
-            </a:pPr>
-            <a:r>
-              <a:t>Symbol francouzské kultury</a:t>
-            </a:r>
-          </a:p>
-          <a:p>
-            <a:pPr marL="914400" indent="-914400" defTabSz="1463003">
+              </a:rPr>
+              <a:t>Drsný osud (ulice, chudoba)</a:t>
+            </a:r>
+            <a:endParaRPr/>
+          </a:p>
+          <a:p>
+            <a:pPr indent="-914400" lvl="0" marL="914400" rtl="0" algn="l">
+              <a:lnSpc>
+                <a:spcPct val="90000"/>
+              </a:lnSpc>
               <a:spcBef>
                 <a:spcPts val="2700"/>
               </a:spcBef>
-              <a:defRPr sz="7200">
+              <a:spcAft>
+                <a:spcPts val="0"/>
+              </a:spcAft>
+              <a:buClr>
+                <a:srgbClr val="FFFFFF"/>
+              </a:buClr>
+              <a:buSzPts val="8856"/>
+              <a:buFont typeface="Helvetica Neue"/>
+              <a:buChar char="•"/>
+            </a:pPr>
+            <a:r>
+              <a:rPr lang="en-US" sz="7200">
                 <a:solidFill>
                   <a:srgbClr val="FFFFFF"/>
                 </a:solidFill>
-              </a:defRPr>
-            </a:pPr>
-            <a:r>
-              <a:t>Drsný osud (ulice, chudoba)</a:t>
-            </a:r>
-          </a:p>
-          <a:p>
-            <a:pPr marL="914400" indent="-914400" defTabSz="1463003">
-              <a:spcBef>
-                <a:spcPts val="2700"/>
-              </a:spcBef>
-              <a:defRPr sz="7200">
-                <a:solidFill>
-                  <a:srgbClr val="FFFFFF"/>
-                </a:solidFill>
-              </a:defRPr>
-            </a:pPr>
-            <a:r>
+              </a:rPr>
               <a:t>Nejslavnější hity: Non, je ne regrette rien (Ničeho nelituj), La Vie en rose (Život v růžovém), Padam…</a:t>
             </a:r>
+            <a:endParaRPr/>
           </a:p>
         </p:txBody>
       </p:sp>
       <p:sp>
         <p:nvSpPr>
-          <p:cNvPr id="188" name="EDITH PIAF (1915-1963)"/>
+          <p:cNvPr id="215" name="Google Shape;215;p3"/>
           <p:cNvSpPr txBox="1"/>
           <p:nvPr>
             <p:ph type="title"/>
@@ -5030,47 +5219,66 @@
         <p:spPr>
           <a:xfrm>
             <a:off x="1130871" y="1155128"/>
-            <a:ext cx="14236619" cy="2089271"/>
+            <a:ext cx="14236500" cy="2089200"/>
           </a:xfrm>
           <a:prstGeom prst="rect">
             <a:avLst/>
           </a:prstGeom>
+          <a:noFill/>
+          <a:ln>
+            <a:noFill/>
+          </a:ln>
         </p:spPr>
         <p:txBody>
-          <a:bodyPr/>
-          <a:lstStyle>
-            <a:lvl1pPr defTabSz="1779987">
-              <a:defRPr spc="-204" sz="10220" u="sng">
+          <a:bodyPr anchorCtr="0" anchor="t" bIns="50800" lIns="50800" spcFirstLastPara="1" rIns="50800" wrap="square" tIns="50800">
+            <a:normAutofit fontScale="90000"/>
+          </a:bodyPr>
+          <a:lstStyle/>
+          <a:p>
+            <a:pPr indent="0" lvl="0" marL="0" marR="0" rtl="0" algn="l">
+              <a:lnSpc>
+                <a:spcPct val="80000"/>
+              </a:lnSpc>
+              <a:spcBef>
+                <a:spcPts val="0"/>
+              </a:spcBef>
+              <a:spcAft>
+                <a:spcPts val="0"/>
+              </a:spcAft>
+              <a:buClr>
+                <a:srgbClr val="FFFFFF"/>
+              </a:buClr>
+              <a:buSzPct val="100000"/>
+              <a:buFont typeface="Helvetica Neue"/>
+              <a:buNone/>
+            </a:pPr>
+            <a:r>
+              <a:rPr lang="en-US" sz="10220" u="sng">
                 <a:solidFill>
                   <a:srgbClr val="FFFFFF"/>
                 </a:solidFill>
-              </a:defRPr>
-            </a:lvl1pPr>
-          </a:lstStyle>
-          <a:p>
-            <a:pPr/>
-            <a:r>
-              <a:t>EDITH PIAF (1915-1963)</a:t>
-            </a:r>
+              </a:rPr>
+              <a:t>EDITH PIAF </a:t>
+            </a:r>
+            <a:r>
+              <a:rPr lang="en-US" sz="10220">
+                <a:solidFill>
+                  <a:srgbClr val="FFFFFF"/>
+                </a:solidFill>
+              </a:rPr>
+              <a:t>(1915-1963)</a:t>
+            </a:r>
+            <a:endParaRPr/>
           </a:p>
         </p:txBody>
       </p:sp>
       <p:pic>
         <p:nvPicPr>
-          <p:cNvPr id="189" name="Unknown (2).jpg" descr="Unknown (2).jpg"/>
-          <p:cNvPicPr>
-            <a:picLocks noChangeAspect="1"/>
-          </p:cNvPicPr>
+          <p:cNvPr descr="Unknown (2).jpg" id="216" name="Google Shape;216;p3"/>
+          <p:cNvPicPr preferRelativeResize="0"/>
           <p:nvPr/>
         </p:nvPicPr>
-        <p:blipFill>
-          <a:blip r:embed="rId3">
-            <a:extLst/>
-          </a:blip>
-          <a:stretch>
-            <a:fillRect/>
-          </a:stretch>
-        </p:blipFill>
+        <p:blipFill/>
         <p:spPr>
           <a:xfrm>
             <a:off x="15644196" y="2027074"/>
@@ -5079,52 +5287,67 @@
           <a:prstGeom prst="rect">
             <a:avLst/>
           </a:prstGeom>
-          <a:ln w="12700">
-            <a:miter lim="400000"/>
+          <a:noFill/>
+          <a:ln>
+            <a:noFill/>
           </a:ln>
         </p:spPr>
       </p:pic>
       <p:sp>
         <p:nvSpPr>
-          <p:cNvPr id="190" name="Zdroj: https://cz.pinterest.com/pin/52987733113835278/"/>
+          <p:cNvPr id="217" name="Google Shape;217;p3"/>
           <p:cNvSpPr txBox="1"/>
           <p:nvPr/>
         </p:nvSpPr>
         <p:spPr>
           <a:xfrm>
             <a:off x="14982358" y="12190978"/>
-            <a:ext cx="9607683" cy="1461649"/>
+            <a:ext cx="9607800" cy="1461600"/>
           </a:xfrm>
           <a:prstGeom prst="rect">
             <a:avLst/>
           </a:prstGeom>
-          <a:ln w="12700">
-            <a:miter lim="400000"/>
+          <a:noFill/>
+          <a:ln>
+            <a:noFill/>
           </a:ln>
-          <a:extLst>
-            <a:ext uri="{C572A759-6A51-4108-AA02-DFA0A04FC94B}">
-              <ma14:wrappingTextBoxFlag xmlns:ma14="http://schemas.microsoft.com/office/mac/drawingml/2011/main" val="1"/>
-            </a:ext>
-          </a:extLst>
         </p:spPr>
         <p:txBody>
-          <a:bodyPr lIns="50800" tIns="50800" rIns="50800" bIns="50800" anchor="ctr">
+          <a:bodyPr anchorCtr="0" anchor="ctr" bIns="50800" lIns="50800" spcFirstLastPara="1" rIns="50800" wrap="square" tIns="50800">
             <a:spAutoFit/>
           </a:bodyPr>
-          <a:lstStyle>
-            <a:lvl1pPr>
-              <a:defRPr>
+          <a:lstStyle/>
+          <a:p>
+            <a:pPr indent="0" lvl="0" marL="0" marR="0" rtl="0" algn="l">
+              <a:lnSpc>
+                <a:spcPct val="90000"/>
+              </a:lnSpc>
+              <a:spcBef>
+                <a:spcPts val="0"/>
+              </a:spcBef>
+              <a:spcAft>
+                <a:spcPts val="0"/>
+              </a:spcAft>
+              <a:buClr>
+                <a:srgbClr val="FFFFFF"/>
+              </a:buClr>
+              <a:buSzPts val="4800"/>
+              <a:buFont typeface="Helvetica Neue"/>
+              <a:buNone/>
+            </a:pPr>
+            <a:r>
+              <a:rPr b="0" i="0" lang="en-US" sz="4800" u="none" cap="none" strike="noStrike">
                 <a:solidFill>
                   <a:srgbClr val="FFFFFF"/>
                 </a:solidFill>
-              </a:defRPr>
-            </a:lvl1pPr>
-          </a:lstStyle>
-          <a:p>
-            <a:pPr/>
-            <a:r>
+                <a:latin typeface="Helvetica Neue"/>
+                <a:ea typeface="Helvetica Neue"/>
+                <a:cs typeface="Helvetica Neue"/>
+                <a:sym typeface="Helvetica Neue"/>
+              </a:rPr>
               <a:t>Zdroj: https://cz.pinterest.com/pin/52987733113835278/</a:t>
             </a:r>
+            <a:endParaRPr/>
           </a:p>
         </p:txBody>
       </p:sp>
@@ -5133,27 +5356,20 @@
   <p:clrMapOvr>
     <a:masterClrMapping/>
   </p:clrMapOvr>
-  <p:transition xmlns:p14="http://schemas.microsoft.com/office/powerpoint/2010/main" spd="med" advClick="1"/>
 </p:sld>
 </file>
 
 <file path=ppt/slides/slide7.xml><?xml version="1.0" encoding="utf-8"?>
-<p:sld xmlns:a="http://schemas.openxmlformats.org/drawingml/2006/main" xmlns:r="http://schemas.openxmlformats.org/officeDocument/2006/relationships" xmlns:p="http://schemas.openxmlformats.org/presentationml/2006/main" xmlns:m="http://schemas.openxmlformats.org/officeDocument/2006/math" xmlns:a14="http://schemas.microsoft.com/office/drawing/2010/main" showMasterSp="1" showMasterPhAnim="1">
+<p:sld xmlns:a="http://schemas.openxmlformats.org/drawingml/2006/main" xmlns:r="http://schemas.openxmlformats.org/officeDocument/2006/relationships" xmlns:mc="http://schemas.openxmlformats.org/markup-compatibility/2006" xmlns:mv="urn:schemas-microsoft-com:mac:vml" xmlns:p="http://schemas.openxmlformats.org/presentationml/2006/main" xmlns:c="http://schemas.openxmlformats.org/drawingml/2006/chart" xmlns:dgm="http://schemas.openxmlformats.org/drawingml/2006/diagram" xmlns:o="urn:schemas-microsoft-com:office:office" xmlns:v="urn:schemas-microsoft-com:vml" xmlns:pvml="urn:schemas-microsoft-com:office:powerpoint" xmlns:com="http://schemas.openxmlformats.org/drawingml/2006/compatibility" xmlns:p14="http://schemas.microsoft.com/office/powerpoint/2010/main" xmlns:p15="http://schemas.microsoft.com/office/powerpoint/2012/main" xmlns:ahyp="http://schemas.microsoft.com/office/drawing/2018/hyperlinkcolor">
   <p:cSld>
     <p:bg>
       <p:bgPr>
-        <a:blipFill rotWithShape="1">
-          <a:blip r:embed="rId2"/>
-          <a:srcRect l="0" t="0" r="0" b="0"/>
-          <a:stretch>
-            <a:fillRect/>
-          </a:stretch>
-        </a:blipFill>
+        <a:noFill/>
       </p:bgPr>
     </p:bg>
     <p:spTree>
       <p:nvGrpSpPr>
-        <p:cNvPr id="1" name=""/>
+        <p:cNvPr id="218" name="Shape 218"/>
         <p:cNvGrpSpPr/>
         <p:nvPr/>
       </p:nvGrpSpPr>
@@ -5167,74 +5383,119 @@
       </p:grpSpPr>
       <p:sp>
         <p:nvSpPr>
-          <p:cNvPr id="192" name="Charles Aznavour - La Bohème…"/>
+          <p:cNvPr id="219" name="Google Shape;219;p4"/>
           <p:cNvSpPr txBox="1"/>
           <p:nvPr>
-            <p:ph type="body" sz="half" idx="1"/>
+            <p:ph idx="1" type="body"/>
           </p:nvPr>
         </p:nvSpPr>
         <p:spPr>
           <a:xfrm>
             <a:off x="1206500" y="3870364"/>
-            <a:ext cx="15885967" cy="8256630"/>
+            <a:ext cx="15885900" cy="8256600"/>
           </a:xfrm>
           <a:prstGeom prst="rect">
             <a:avLst/>
           </a:prstGeom>
+          <a:noFill/>
+          <a:ln>
+            <a:noFill/>
+          </a:ln>
         </p:spPr>
         <p:txBody>
-          <a:bodyPr/>
+          <a:bodyPr anchorCtr="0" anchor="t" bIns="50800" lIns="50800" spcFirstLastPara="1" rIns="50800" wrap="square" tIns="50800">
+            <a:normAutofit/>
+          </a:bodyPr>
           <a:lstStyle/>
           <a:p>
-            <a:pPr marL="1203960" indent="-1203960" defTabSz="1926287">
+            <a:pPr indent="-1203960" lvl="0" marL="1203960" rtl="0" algn="l">
+              <a:lnSpc>
+                <a:spcPct val="90000"/>
+              </a:lnSpc>
+              <a:spcBef>
+                <a:spcPts val="0"/>
+              </a:spcBef>
+              <a:spcAft>
+                <a:spcPts val="0"/>
+              </a:spcAft>
+              <a:buClr>
+                <a:srgbClr val="FFFFFF"/>
+              </a:buClr>
+              <a:buSzPts val="11660"/>
+              <a:buFont typeface="Helvetica Neue"/>
+              <a:buChar char="•"/>
+            </a:pPr>
+            <a:r>
+              <a:rPr lang="en-US" sz="9480">
+                <a:solidFill>
+                  <a:srgbClr val="FFFFFF"/>
+                </a:solidFill>
+              </a:rPr>
+              <a:t>Charles Aznavour - La Bohème</a:t>
+            </a:r>
+            <a:endParaRPr/>
+          </a:p>
+          <a:p>
+            <a:pPr indent="-1203960" lvl="0" marL="1203960" rtl="0" algn="l">
+              <a:lnSpc>
+                <a:spcPct val="90000"/>
+              </a:lnSpc>
               <a:spcBef>
                 <a:spcPts val="3500"/>
               </a:spcBef>
-              <a:defRPr sz="9480">
+              <a:spcAft>
+                <a:spcPts val="0"/>
+              </a:spcAft>
+              <a:buClr>
+                <a:srgbClr val="FFFFFF"/>
+              </a:buClr>
+              <a:buSzPts val="11660"/>
+              <a:buFont typeface="Helvetica Neue"/>
+              <a:buChar char="•"/>
+            </a:pPr>
+            <a:r>
+              <a:rPr lang="en-US" sz="9480">
                 <a:solidFill>
                   <a:srgbClr val="FFFFFF"/>
                 </a:solidFill>
-              </a:defRPr>
-            </a:pPr>
-            <a:r>
-              <a:t>Charles Aznavour - La Bohème</a:t>
-            </a:r>
-          </a:p>
-          <a:p>
-            <a:pPr marL="1203960" indent="-1203960" defTabSz="1926287">
+              </a:rPr>
+              <a:t>Jacques Brel - Ne me quitte pas (Neopouštěj mě)</a:t>
+            </a:r>
+            <a:endParaRPr/>
+          </a:p>
+          <a:p>
+            <a:pPr indent="-1203960" lvl="0" marL="1203960" rtl="0" algn="l">
+              <a:lnSpc>
+                <a:spcPct val="90000"/>
+              </a:lnSpc>
               <a:spcBef>
                 <a:spcPts val="3500"/>
               </a:spcBef>
-              <a:defRPr sz="9480">
+              <a:spcAft>
+                <a:spcPts val="0"/>
+              </a:spcAft>
+              <a:buClr>
+                <a:srgbClr val="FFFFFF"/>
+              </a:buClr>
+              <a:buSzPts val="11660"/>
+              <a:buFont typeface="Helvetica Neue"/>
+              <a:buChar char="•"/>
+            </a:pPr>
+            <a:r>
+              <a:rPr lang="en-US" sz="9480">
                 <a:solidFill>
                   <a:srgbClr val="FFFFFF"/>
                 </a:solidFill>
-              </a:defRPr>
-            </a:pPr>
-            <a:r>
-              <a:t>Jacques Brel - Ne me quitte pas (Neopouštěj mě)</a:t>
-            </a:r>
-          </a:p>
-          <a:p>
-            <a:pPr marL="1203960" indent="-1203960" defTabSz="1926287">
-              <a:spcBef>
-                <a:spcPts val="3500"/>
-              </a:spcBef>
-              <a:defRPr sz="9480">
-                <a:solidFill>
-                  <a:srgbClr val="FFFFFF"/>
-                </a:solidFill>
-              </a:defRPr>
-            </a:pPr>
-            <a:r>
+              </a:rPr>
               <a:t>Gilbert Bècaud - Nathalie</a:t>
             </a:r>
+            <a:endParaRPr/>
           </a:p>
         </p:txBody>
       </p:sp>
       <p:sp>
         <p:nvSpPr>
-          <p:cNvPr id="193" name="DALŠÍ SVĚTOVÍ ŠANSONIÉŘI"/>
+          <p:cNvPr id="220" name="Google Shape;220;p4"/>
           <p:cNvSpPr txBox="1"/>
           <p:nvPr>
             <p:ph type="title"/>
@@ -5242,64 +5503,67 @@
         </p:nvSpPr>
         <p:spPr>
           <a:xfrm>
-            <a:off x="1698082" y="444923"/>
-            <a:ext cx="14300545" cy="2694464"/>
+            <a:off x="1698075" y="646124"/>
+            <a:ext cx="14300700" cy="2493300"/>
           </a:xfrm>
           <a:prstGeom prst="rect">
             <a:avLst/>
           </a:prstGeom>
+          <a:noFill/>
+          <a:ln>
+            <a:noFill/>
+          </a:ln>
         </p:spPr>
         <p:txBody>
-          <a:bodyPr/>
-          <a:lstStyle>
-            <a:lvl1pPr defTabSz="1901904">
-              <a:defRPr spc="-187" sz="9360">
+          <a:bodyPr anchorCtr="0" anchor="t" bIns="50800" lIns="50800" spcFirstLastPara="1" rIns="50800" wrap="square" tIns="50800">
+            <a:normAutofit/>
+          </a:bodyPr>
+          <a:lstStyle/>
+          <a:p>
+            <a:pPr indent="0" lvl="0" marL="0" marR="0" rtl="0" algn="l">
+              <a:lnSpc>
+                <a:spcPct val="80000"/>
+              </a:lnSpc>
+              <a:spcBef>
+                <a:spcPts val="0"/>
+              </a:spcBef>
+              <a:spcAft>
+                <a:spcPts val="0"/>
+              </a:spcAft>
+              <a:buClr>
+                <a:srgbClr val="FFFFFF"/>
+              </a:buClr>
+              <a:buSzPts val="9360"/>
+              <a:buFont typeface="Helvetica Neue"/>
+              <a:buNone/>
+            </a:pPr>
+            <a:r>
+              <a:rPr lang="en-US" sz="9360" u="sng">
                 <a:solidFill>
                   <a:srgbClr val="FFFFFF"/>
                 </a:solidFill>
-              </a:defRPr>
-            </a:lvl1pPr>
-          </a:lstStyle>
-          <a:p>
-            <a:pPr/>
-            <a:r>
+              </a:rPr>
               <a:t>DALŠÍ SVĚTOVÍ ŠANSONIÉŘI</a:t>
             </a:r>
+            <a:endParaRPr u="sng"/>
           </a:p>
         </p:txBody>
       </p:sp>
       <p:sp>
         <p:nvSpPr>
-          <p:cNvPr id="194" name="Kresba"/>
+          <p:cNvPr id="221" name="Google Shape;221;p4"/>
           <p:cNvSpPr/>
           <p:nvPr/>
         </p:nvSpPr>
         <p:spPr>
           <a:xfrm>
             <a:off x="15474596" y="-6935866"/>
-            <a:ext cx="558555" cy="791087"/>
+            <a:ext cx="558550" cy="791109"/>
           </a:xfrm>
           <a:custGeom>
-            <a:avLst/>
-            <a:gdLst/>
-            <a:ahLst/>
-            <a:cxnLst>
-              <a:cxn ang="0">
-                <a:pos x="wd2" y="hd2"/>
-              </a:cxn>
-              <a:cxn ang="5400000">
-                <a:pos x="wd2" y="hd2"/>
-              </a:cxn>
-              <a:cxn ang="10800000">
-                <a:pos x="wd2" y="hd2"/>
-              </a:cxn>
-              <a:cxn ang="16200000">
-                <a:pos x="wd2" y="hd2"/>
-              </a:cxn>
-            </a:cxnLst>
-            <a:rect l="0" t="0" r="r" b="b"/>
+            <a:rect b="b" l="l" r="r" t="t"/>
             <a:pathLst>
-              <a:path w="21270" h="21518" fill="norm" stroke="1" extrusionOk="0">
+              <a:path extrusionOk="0" h="21518" w="21270">
                 <a:moveTo>
                   <a:pt x="6150" y="21518"/>
                 </a:moveTo>
@@ -5330,28 +5594,45 @@
           <a:solidFill>
             <a:srgbClr val="FCD02F"/>
           </a:solidFill>
-          <a:ln w="12700">
-            <a:miter lim="400000"/>
+          <a:ln>
+            <a:noFill/>
           </a:ln>
         </p:spPr>
         <p:txBody>
-          <a:bodyPr lIns="0" tIns="0" rIns="0" bIns="0"/>
+          <a:bodyPr anchorCtr="0" anchor="t" bIns="0" lIns="0" spcFirstLastPara="1" rIns="0" wrap="square" tIns="0">
+            <a:noAutofit/>
+          </a:bodyPr>
           <a:lstStyle/>
           <a:p>
-            <a:pPr defTabSz="457200">
+            <a:pPr indent="0" lvl="0" marL="0" marR="0" rtl="0" algn="l">
               <a:lnSpc>
                 <a:spcPct val="100000"/>
               </a:lnSpc>
               <a:spcBef>
                 <a:spcPts val="0"/>
               </a:spcBef>
-              <a:defRPr sz="1200">
-                <a:latin typeface="Helvetica"/>
-                <a:ea typeface="Helvetica"/>
-                <a:cs typeface="Helvetica"/>
-                <a:sym typeface="Helvetica"/>
-              </a:defRPr>
+              <a:spcAft>
+                <a:spcPts val="0"/>
+              </a:spcAft>
+              <a:buClr>
+                <a:srgbClr val="000000"/>
+              </a:buClr>
+              <a:buSzPts val="1200"/>
+              <a:buFont typeface="Helvetica Neue"/>
+              <a:buNone/>
             </a:pPr>
+            <a:r>
+              <a:t/>
+            </a:r>
+            <a:endParaRPr b="0" i="0" sz="1200" u="none" cap="none" strike="noStrike">
+              <a:solidFill>
+                <a:srgbClr val="000000"/>
+              </a:solidFill>
+              <a:latin typeface="Helvetica Neue"/>
+              <a:ea typeface="Helvetica Neue"/>
+              <a:cs typeface="Helvetica Neue"/>
+              <a:sym typeface="Helvetica Neue"/>
+            </a:endParaRPr>
           </a:p>
         </p:txBody>
       </p:sp>
@@ -5360,27 +5641,20 @@
   <p:clrMapOvr>
     <a:masterClrMapping/>
   </p:clrMapOvr>
-  <p:transition xmlns:p14="http://schemas.microsoft.com/office/powerpoint/2010/main" spd="med" advClick="1"/>
 </p:sld>
 </file>
 
 <file path=ppt/slides/slide8.xml><?xml version="1.0" encoding="utf-8"?>
-<p:sld xmlns:a="http://schemas.openxmlformats.org/drawingml/2006/main" xmlns:r="http://schemas.openxmlformats.org/officeDocument/2006/relationships" xmlns:p="http://schemas.openxmlformats.org/presentationml/2006/main" xmlns:m="http://schemas.openxmlformats.org/officeDocument/2006/math" xmlns:a14="http://schemas.microsoft.com/office/drawing/2010/main" showMasterSp="1" showMasterPhAnim="1">
+<p:sld xmlns:a="http://schemas.openxmlformats.org/drawingml/2006/main" xmlns:r="http://schemas.openxmlformats.org/officeDocument/2006/relationships" xmlns:mc="http://schemas.openxmlformats.org/markup-compatibility/2006" xmlns:mv="urn:schemas-microsoft-com:mac:vml" xmlns:p="http://schemas.openxmlformats.org/presentationml/2006/main" xmlns:c="http://schemas.openxmlformats.org/drawingml/2006/chart" xmlns:dgm="http://schemas.openxmlformats.org/drawingml/2006/diagram" xmlns:o="urn:schemas-microsoft-com:office:office" xmlns:v="urn:schemas-microsoft-com:vml" xmlns:pvml="urn:schemas-microsoft-com:office:powerpoint" xmlns:com="http://schemas.openxmlformats.org/drawingml/2006/compatibility" xmlns:p14="http://schemas.microsoft.com/office/powerpoint/2010/main" xmlns:p15="http://schemas.microsoft.com/office/powerpoint/2012/main" xmlns:ahyp="http://schemas.microsoft.com/office/drawing/2018/hyperlinkcolor">
   <p:cSld>
     <p:bg>
       <p:bgPr>
-        <a:blipFill rotWithShape="1">
-          <a:blip r:embed="rId2"/>
-          <a:srcRect l="0" t="0" r="0" b="0"/>
-          <a:stretch>
-            <a:fillRect/>
-          </a:stretch>
-        </a:blipFill>
+        <a:noFill/>
       </p:bgPr>
     </p:bg>
     <p:spTree>
       <p:nvGrpSpPr>
-        <p:cNvPr id="1" name=""/>
+        <p:cNvPr id="222" name="Shape 222"/>
         <p:cNvGrpSpPr/>
         <p:nvPr/>
       </p:nvGrpSpPr>
@@ -5394,89 +5668,147 @@
       </p:grpSpPr>
       <p:sp>
         <p:nvSpPr>
-          <p:cNvPr id="196" name="Královna československého šansonu…"/>
+          <p:cNvPr id="223" name="Google Shape;223;p5"/>
           <p:cNvSpPr txBox="1"/>
           <p:nvPr>
-            <p:ph type="body" idx="1"/>
+            <p:ph idx="1" type="body"/>
           </p:nvPr>
         </p:nvSpPr>
         <p:spPr>
           <a:xfrm>
             <a:off x="1660268" y="4360498"/>
-            <a:ext cx="15146301" cy="9074112"/>
+            <a:ext cx="15146400" cy="9074100"/>
           </a:xfrm>
           <a:prstGeom prst="rect">
             <a:avLst/>
           </a:prstGeom>
+          <a:noFill/>
+          <a:ln>
+            <a:noFill/>
+          </a:ln>
         </p:spPr>
         <p:txBody>
-          <a:bodyPr/>
+          <a:bodyPr anchorCtr="0" anchor="t" bIns="50800" lIns="50800" spcFirstLastPara="1" rIns="50800" wrap="square" tIns="50800">
+            <a:normAutofit/>
+          </a:bodyPr>
           <a:lstStyle/>
           <a:p>
-            <a:pPr marL="958596" indent="-958596" defTabSz="1658070">
+            <a:pPr indent="-958596" lvl="0" marL="958596" rtl="0" algn="l">
+              <a:lnSpc>
+                <a:spcPct val="90000"/>
+              </a:lnSpc>
+              <a:spcBef>
+                <a:spcPts val="0"/>
+              </a:spcBef>
+              <a:spcAft>
+                <a:spcPts val="0"/>
+              </a:spcAft>
+              <a:buClr>
+                <a:srgbClr val="FFFFFF"/>
+              </a:buClr>
+              <a:buSzPts val="9284"/>
+              <a:buFont typeface="Helvetica Neue"/>
+              <a:buChar char="•"/>
+            </a:pPr>
+            <a:r>
+              <a:rPr lang="en-US" sz="7548">
+                <a:solidFill>
+                  <a:srgbClr val="FFFFFF"/>
+                </a:solidFill>
+              </a:rPr>
+              <a:t>Královna československého šansonu</a:t>
+            </a:r>
+            <a:endParaRPr/>
+          </a:p>
+          <a:p>
+            <a:pPr indent="-958596" lvl="0" marL="958596" rtl="0" algn="l">
+              <a:lnSpc>
+                <a:spcPct val="90000"/>
+              </a:lnSpc>
               <a:spcBef>
                 <a:spcPts val="3000"/>
               </a:spcBef>
-              <a:defRPr sz="7548">
+              <a:spcAft>
+                <a:spcPts val="0"/>
+              </a:spcAft>
+              <a:buClr>
+                <a:srgbClr val="FFFFFF"/>
+              </a:buClr>
+              <a:buSzPts val="9284"/>
+              <a:buFont typeface="Helvetica Neue"/>
+              <a:buChar char="•"/>
+            </a:pPr>
+            <a:r>
+              <a:rPr lang="en-US" sz="7548">
                 <a:solidFill>
                   <a:srgbClr val="FFFFFF"/>
                 </a:solidFill>
-              </a:defRPr>
-            </a:pPr>
-            <a:r>
-              <a:t>Královna československého šansonu</a:t>
-            </a:r>
-          </a:p>
-          <a:p>
-            <a:pPr marL="958596" indent="-958596" defTabSz="1658070">
+              </a:rPr>
+              <a:t>Původně herečka - každou píseň prožívala jako divadelní roli</a:t>
+            </a:r>
+            <a:endParaRPr/>
+          </a:p>
+          <a:p>
+            <a:pPr indent="-958596" lvl="0" marL="958596" rtl="0" algn="l">
+              <a:lnSpc>
+                <a:spcPct val="90000"/>
+              </a:lnSpc>
               <a:spcBef>
                 <a:spcPts val="3000"/>
               </a:spcBef>
-              <a:defRPr sz="7548">
+              <a:spcAft>
+                <a:spcPts val="0"/>
+              </a:spcAft>
+              <a:buClr>
+                <a:srgbClr val="FFFFFF"/>
+              </a:buClr>
+              <a:buSzPts val="9284"/>
+              <a:buFont typeface="Helvetica Neue"/>
+              <a:buChar char="•"/>
+            </a:pPr>
+            <a:r>
+              <a:rPr lang="en-US" sz="7548">
                 <a:solidFill>
                   <a:srgbClr val="FFFFFF"/>
                 </a:solidFill>
-              </a:defRPr>
-            </a:pPr>
-            <a:r>
-              <a:t>Původně herečka - každou píseň prožívala jako divadelní roli</a:t>
-            </a:r>
-          </a:p>
-          <a:p>
-            <a:pPr marL="958596" indent="-958596" defTabSz="1658070">
+              </a:rPr>
+              <a:t>Vystupovala v pařížské Olympii</a:t>
+            </a:r>
+            <a:endParaRPr/>
+          </a:p>
+          <a:p>
+            <a:pPr indent="-958596" lvl="0" marL="958596" rtl="0" algn="l">
+              <a:lnSpc>
+                <a:spcPct val="90000"/>
+              </a:lnSpc>
               <a:spcBef>
                 <a:spcPts val="3000"/>
               </a:spcBef>
-              <a:defRPr sz="7548">
+              <a:spcAft>
+                <a:spcPts val="0"/>
+              </a:spcAft>
+              <a:buClr>
+                <a:srgbClr val="FFFFFF"/>
+              </a:buClr>
+              <a:buSzPts val="9284"/>
+              <a:buFont typeface="Helvetica Neue"/>
+              <a:buChar char="•"/>
+            </a:pPr>
+            <a:r>
+              <a:rPr lang="en-US" sz="7548">
                 <a:solidFill>
                   <a:srgbClr val="FFFFFF"/>
                 </a:solidFill>
-              </a:defRPr>
-            </a:pPr>
-            <a:r>
-              <a:t>Vystupovala v pařížské Olympii</a:t>
-            </a:r>
-          </a:p>
-          <a:p>
-            <a:pPr marL="958596" indent="-958596" defTabSz="1658070">
-              <a:spcBef>
-                <a:spcPts val="3000"/>
-              </a:spcBef>
-              <a:defRPr sz="7548">
-                <a:solidFill>
-                  <a:srgbClr val="FFFFFF"/>
-                </a:solidFill>
-              </a:defRPr>
-            </a:pPr>
-            <a:r>
+              </a:rPr>
               <a:t>Největší hity: Čerešně, Potměšilý host, Levandulová</a:t>
             </a:r>
+            <a:endParaRPr/>
           </a:p>
         </p:txBody>
       </p:sp>
       <p:sp>
         <p:nvSpPr>
-          <p:cNvPr id="197" name="HANA HEGEROVÁ (1931-2021)"/>
+          <p:cNvPr id="224" name="Google Shape;224;p5"/>
           <p:cNvSpPr txBox="1"/>
           <p:nvPr>
             <p:ph type="title"/>
@@ -5484,81 +5816,101 @@
         </p:nvSpPr>
         <p:spPr>
           <a:xfrm>
-            <a:off x="2265292" y="701359"/>
-            <a:ext cx="13257893" cy="2607336"/>
+            <a:off x="2265300" y="1023700"/>
+            <a:ext cx="13257900" cy="2285100"/>
           </a:xfrm>
           <a:prstGeom prst="rect">
             <a:avLst/>
           </a:prstGeom>
+          <a:noFill/>
+          <a:ln>
+            <a:noFill/>
+          </a:ln>
         </p:spPr>
         <p:txBody>
-          <a:bodyPr/>
+          <a:bodyPr anchorCtr="0" anchor="t" bIns="50800" lIns="50800" spcFirstLastPara="1" rIns="50800" wrap="square" tIns="50800">
+            <a:normAutofit/>
+          </a:bodyPr>
           <a:lstStyle/>
           <a:p>
-            <a:pPr defTabSz="1804370">
-              <a:defRPr spc="-125" sz="6290">
+            <a:pPr indent="0" lvl="0" marL="0" rtl="0" algn="l">
+              <a:lnSpc>
+                <a:spcPct val="80000"/>
+              </a:lnSpc>
+              <a:spcBef>
+                <a:spcPts val="0"/>
+              </a:spcBef>
+              <a:spcAft>
+                <a:spcPts val="0"/>
+              </a:spcAft>
+              <a:buClr>
+                <a:srgbClr val="FFFFFF"/>
+              </a:buClr>
+              <a:buSzPts val="8214"/>
+              <a:buFont typeface="Helvetica Neue"/>
+              <a:buNone/>
+            </a:pPr>
+            <a:r>
+              <a:rPr lang="en-US" sz="8214">
                 <a:solidFill>
                   <a:srgbClr val="FFFFFF"/>
                 </a:solidFill>
-              </a:defRPr>
-            </a:pPr>
-            <a:r>
-              <a:rPr spc="-164" sz="8214"/>
+              </a:rPr>
               <a:t> </a:t>
             </a:r>
             <a:r>
-              <a:rPr spc="-177" sz="8880"/>
-              <a:t>HANA HEGEROVÁ (1931-2021)</a:t>
-            </a:r>
+              <a:rPr lang="en-US" sz="8880" u="sng">
+                <a:solidFill>
+                  <a:srgbClr val="FFFFFF"/>
+                </a:solidFill>
+              </a:rPr>
+              <a:t>HANA HEGEROVÁ</a:t>
+            </a:r>
+            <a:r>
+              <a:rPr lang="en-US" sz="8880">
+                <a:solidFill>
+                  <a:srgbClr val="FFFFFF"/>
+                </a:solidFill>
+              </a:rPr>
+              <a:t> (1931-2021)</a:t>
+            </a:r>
+            <a:endParaRPr>
+              <a:solidFill>
+                <a:srgbClr val="FFFFFF"/>
+              </a:solidFill>
+            </a:endParaRPr>
           </a:p>
         </p:txBody>
       </p:sp>
       <p:grpSp>
         <p:nvGrpSpPr>
-          <p:cNvPr id="200" name="Kresba"/>
+          <p:cNvPr id="225" name="Google Shape;225;p5"/>
           <p:cNvGrpSpPr/>
           <p:nvPr/>
         </p:nvGrpSpPr>
         <p:grpSpPr>
           <a:xfrm>
-            <a:off x="17322453" y="14804192"/>
-            <a:ext cx="4012633" cy="7002025"/>
-            <a:chOff x="-1621740" y="-207977"/>
-            <a:chExt cx="4012631" cy="7002023"/>
+            <a:off x="17322453" y="14804191"/>
+            <a:ext cx="4012616" cy="7002009"/>
+            <a:chOff x="-1621741" y="-207978"/>
+            <a:chExt cx="4012616" cy="7002009"/>
           </a:xfrm>
         </p:grpSpPr>
         <p:sp>
           <p:nvSpPr>
-            <p:cNvPr id="198" name="Tvar"/>
+            <p:cNvPr id="226" name="Google Shape;226;p5"/>
             <p:cNvSpPr/>
             <p:nvPr/>
           </p:nvSpPr>
           <p:spPr>
             <a:xfrm>
               <a:off x="-156787" y="0"/>
-              <a:ext cx="2547679" cy="6794046"/>
+              <a:ext cx="2547663" cy="6794031"/>
             </a:xfrm>
             <a:custGeom>
-              <a:avLst/>
-              <a:gdLst/>
-              <a:ahLst/>
-              <a:cxnLst>
-                <a:cxn ang="0">
-                  <a:pos x="wd2" y="hd2"/>
-                </a:cxn>
-                <a:cxn ang="5400000">
-                  <a:pos x="wd2" y="hd2"/>
-                </a:cxn>
-                <a:cxn ang="10800000">
-                  <a:pos x="wd2" y="hd2"/>
-                </a:cxn>
-                <a:cxn ang="16200000">
-                  <a:pos x="wd2" y="hd2"/>
-                </a:cxn>
-              </a:cxnLst>
-              <a:rect l="0" t="0" r="r" b="b"/>
+              <a:rect b="b" l="l" r="r" t="t"/>
               <a:pathLst>
-                <a:path w="21454" h="21580" fill="norm" stroke="1" extrusionOk="0">
+                <a:path extrusionOk="0" h="21580" w="21454">
                   <a:moveTo>
                     <a:pt x="1326" y="0"/>
                   </a:moveTo>
@@ -5629,67 +5981,63 @@
             <a:solidFill>
               <a:srgbClr val="FCD02F"/>
             </a:solidFill>
-            <a:ln w="12700" cap="flat">
+            <a:ln>
               <a:noFill/>
-              <a:miter lim="400000"/>
             </a:ln>
-            <a:effectLst/>
           </p:spPr>
           <p:txBody>
-            <a:bodyPr wrap="square" lIns="0" tIns="0" rIns="0" bIns="0" numCol="1" anchor="t">
+            <a:bodyPr anchorCtr="0" anchor="t" bIns="0" lIns="0" spcFirstLastPara="1" rIns="0" wrap="square" tIns="0">
               <a:noAutofit/>
             </a:bodyPr>
             <a:lstStyle/>
             <a:p>
-              <a:pPr defTabSz="457200">
+              <a:pPr indent="0" lvl="0" marL="0" marR="0" rtl="0" algn="l">
                 <a:lnSpc>
                   <a:spcPct val="100000"/>
                 </a:lnSpc>
                 <a:spcBef>
                   <a:spcPts val="0"/>
                 </a:spcBef>
-                <a:defRPr sz="1200">
-                  <a:latin typeface="Helvetica"/>
-                  <a:ea typeface="Helvetica"/>
-                  <a:cs typeface="Helvetica"/>
-                  <a:sym typeface="Helvetica"/>
-                </a:defRPr>
+                <a:spcAft>
+                  <a:spcPts val="0"/>
+                </a:spcAft>
+                <a:buClr>
+                  <a:srgbClr val="000000"/>
+                </a:buClr>
+                <a:buSzPts val="1200"/>
+                <a:buFont typeface="Helvetica Neue"/>
+                <a:buNone/>
               </a:pPr>
+              <a:r>
+                <a:t/>
+              </a:r>
+              <a:endParaRPr b="0" i="0" sz="1200" u="none" cap="none" strike="noStrike">
+                <a:solidFill>
+                  <a:srgbClr val="000000"/>
+                </a:solidFill>
+                <a:latin typeface="Helvetica Neue"/>
+                <a:ea typeface="Helvetica Neue"/>
+                <a:cs typeface="Helvetica Neue"/>
+                <a:sym typeface="Helvetica Neue"/>
+              </a:endParaRPr>
             </a:p>
           </p:txBody>
         </p:sp>
         <p:sp>
           <p:nvSpPr>
-            <p:cNvPr id="199" name="Tvar"/>
+            <p:cNvPr id="227" name="Google Shape;227;p5"/>
             <p:cNvSpPr/>
             <p:nvPr/>
           </p:nvSpPr>
           <p:spPr>
             <a:xfrm>
               <a:off x="-1621741" y="-207978"/>
-              <a:ext cx="2277820" cy="6188898"/>
+              <a:ext cx="2277808" cy="6188886"/>
             </a:xfrm>
             <a:custGeom>
-              <a:avLst/>
-              <a:gdLst/>
-              <a:ahLst/>
-              <a:cxnLst>
-                <a:cxn ang="0">
-                  <a:pos x="wd2" y="hd2"/>
-                </a:cxn>
-                <a:cxn ang="5400000">
-                  <a:pos x="wd2" y="hd2"/>
-                </a:cxn>
-                <a:cxn ang="10800000">
-                  <a:pos x="wd2" y="hd2"/>
-                </a:cxn>
-                <a:cxn ang="16200000">
-                  <a:pos x="wd2" y="hd2"/>
-                </a:cxn>
-              </a:cxnLst>
-              <a:rect l="0" t="0" r="r" b="b"/>
+              <a:rect b="b" l="l" r="r" t="t"/>
               <a:pathLst>
-                <a:path w="21506" h="21600" fill="norm" stroke="1" extrusionOk="0">
+                <a:path extrusionOk="0" h="21600" w="21506">
                   <a:moveTo>
                     <a:pt x="4428" y="0"/>
                   </a:moveTo>
@@ -5775,52 +6123,56 @@
             <a:solidFill>
               <a:srgbClr val="FCD02F"/>
             </a:solidFill>
-            <a:ln w="12700" cap="flat">
+            <a:ln>
               <a:noFill/>
-              <a:miter lim="400000"/>
             </a:ln>
-            <a:effectLst/>
           </p:spPr>
           <p:txBody>
-            <a:bodyPr wrap="square" lIns="0" tIns="0" rIns="0" bIns="0" numCol="1" anchor="t">
+            <a:bodyPr anchorCtr="0" anchor="t" bIns="0" lIns="0" spcFirstLastPara="1" rIns="0" wrap="square" tIns="0">
               <a:noAutofit/>
             </a:bodyPr>
             <a:lstStyle/>
             <a:p>
-              <a:pPr defTabSz="457200">
+              <a:pPr indent="0" lvl="0" marL="0" marR="0" rtl="0" algn="l">
                 <a:lnSpc>
                   <a:spcPct val="100000"/>
                 </a:lnSpc>
                 <a:spcBef>
                   <a:spcPts val="0"/>
                 </a:spcBef>
-                <a:defRPr sz="1200">
-                  <a:latin typeface="Helvetica"/>
-                  <a:ea typeface="Helvetica"/>
-                  <a:cs typeface="Helvetica"/>
-                  <a:sym typeface="Helvetica"/>
-                </a:defRPr>
+                <a:spcAft>
+                  <a:spcPts val="0"/>
+                </a:spcAft>
+                <a:buClr>
+                  <a:srgbClr val="000000"/>
+                </a:buClr>
+                <a:buSzPts val="1200"/>
+                <a:buFont typeface="Helvetica Neue"/>
+                <a:buNone/>
               </a:pPr>
+              <a:r>
+                <a:t/>
+              </a:r>
+              <a:endParaRPr b="0" i="0" sz="1200" u="none" cap="none" strike="noStrike">
+                <a:solidFill>
+                  <a:srgbClr val="000000"/>
+                </a:solidFill>
+                <a:latin typeface="Helvetica Neue"/>
+                <a:ea typeface="Helvetica Neue"/>
+                <a:cs typeface="Helvetica Neue"/>
+                <a:sym typeface="Helvetica Neue"/>
+              </a:endParaRPr>
             </a:p>
           </p:txBody>
         </p:sp>
       </p:grpSp>
       <p:pic>
         <p:nvPicPr>
-          <p:cNvPr id="201" name="IMG_0004.jpeg" descr="IMG_0004.jpeg"/>
-          <p:cNvPicPr>
-            <a:picLocks noChangeAspect="1"/>
-          </p:cNvPicPr>
+          <p:cNvPr descr="IMG_0004.jpeg" id="228" name="Google Shape;228;p5"/>
+          <p:cNvPicPr preferRelativeResize="0"/>
           <p:nvPr/>
         </p:nvPicPr>
-        <p:blipFill>
-          <a:blip r:embed="rId3">
-            <a:extLst/>
-          </a:blip>
-          <a:stretch>
-            <a:fillRect/>
-          </a:stretch>
-        </p:blipFill>
+        <p:blipFill/>
         <p:spPr>
           <a:xfrm>
             <a:off x="17028698" y="1023695"/>
@@ -5829,52 +6181,67 @@
           <a:prstGeom prst="rect">
             <a:avLst/>
           </a:prstGeom>
-          <a:ln w="12700">
-            <a:miter lim="400000"/>
+          <a:noFill/>
+          <a:ln>
+            <a:noFill/>
           </a:ln>
         </p:spPr>
       </p:pic>
       <p:sp>
         <p:nvSpPr>
-          <p:cNvPr id="202" name="Zdroj: https://www.knihyantik.eu/pohlednice/7800-hana-hegerova.html"/>
+          <p:cNvPr id="229" name="Google Shape;229;p5"/>
           <p:cNvSpPr txBox="1"/>
           <p:nvPr/>
         </p:nvSpPr>
         <p:spPr>
           <a:xfrm>
             <a:off x="16952328" y="11329353"/>
-            <a:ext cx="7021725" cy="1655716"/>
+            <a:ext cx="7021800" cy="1655700"/>
           </a:xfrm>
           <a:prstGeom prst="rect">
             <a:avLst/>
           </a:prstGeom>
-          <a:ln w="12700">
-            <a:miter lim="400000"/>
+          <a:noFill/>
+          <a:ln>
+            <a:noFill/>
           </a:ln>
-          <a:extLst>
-            <a:ext uri="{C572A759-6A51-4108-AA02-DFA0A04FC94B}">
-              <ma14:wrappingTextBoxFlag xmlns:ma14="http://schemas.microsoft.com/office/mac/drawingml/2011/main" val="1"/>
-            </a:ext>
-          </a:extLst>
         </p:spPr>
         <p:txBody>
-          <a:bodyPr lIns="50800" tIns="50800" rIns="50800" bIns="50800" anchor="ctr">
+          <a:bodyPr anchorCtr="0" anchor="ctr" bIns="50800" lIns="50800" spcFirstLastPara="1" rIns="50800" wrap="square" tIns="50800">
             <a:spAutoFit/>
           </a:bodyPr>
-          <a:lstStyle>
-            <a:lvl1pPr>
-              <a:defRPr sz="3700">
+          <a:lstStyle/>
+          <a:p>
+            <a:pPr indent="0" lvl="0" marL="0" marR="0" rtl="0" algn="l">
+              <a:lnSpc>
+                <a:spcPct val="90000"/>
+              </a:lnSpc>
+              <a:spcBef>
+                <a:spcPts val="0"/>
+              </a:spcBef>
+              <a:spcAft>
+                <a:spcPts val="0"/>
+              </a:spcAft>
+              <a:buClr>
+                <a:srgbClr val="FFFFFF"/>
+              </a:buClr>
+              <a:buSzPts val="3700"/>
+              <a:buFont typeface="Helvetica Neue"/>
+              <a:buNone/>
+            </a:pPr>
+            <a:r>
+              <a:rPr b="0" i="0" lang="en-US" sz="3700" u="none" cap="none" strike="noStrike">
                 <a:solidFill>
                   <a:srgbClr val="FFFFFF"/>
                 </a:solidFill>
-              </a:defRPr>
-            </a:lvl1pPr>
-          </a:lstStyle>
-          <a:p>
-            <a:pPr/>
-            <a:r>
+                <a:latin typeface="Helvetica Neue"/>
+                <a:ea typeface="Helvetica Neue"/>
+                <a:cs typeface="Helvetica Neue"/>
+                <a:sym typeface="Helvetica Neue"/>
+              </a:rPr>
               <a:t>Zdroj: https://www.knihyantik.eu/pohlednice/7800-hana-hegerova.html</a:t>
             </a:r>
+            <a:endParaRPr/>
           </a:p>
         </p:txBody>
       </p:sp>
@@ -5883,7 +6250,6 @@
   <p:clrMapOvr>
     <a:masterClrMapping/>
   </p:clrMapOvr>
-  <p:transition xmlns:p14="http://schemas.microsoft.com/office/powerpoint/2010/main" spd="med" advClick="1"/>
 </p:sld>
 </file>
 
@@ -6004,6 +6370,43 @@
   </p:clrMapOvr>
   <p:transition xmlns:p14="http://schemas.microsoft.com/office/powerpoint/2010/main" spd="med" advClick="1"/>
 </p:sld>
+</file>
+
+<file path=ppt/tags/tag1.xml><?xml version="1.0" encoding="utf-8"?>
+<p:tagLst xmlns:a="http://schemas.openxmlformats.org/drawingml/2006/main" xmlns:r="http://schemas.openxmlformats.org/officeDocument/2006/relationships" xmlns:p="http://schemas.openxmlformats.org/presentationml/2006/main" xmlns:mc="http://schemas.openxmlformats.org/markup-compatibility/2006" xmlns:mv="urn:schemas-microsoft-com:mac:vml">
+  <p:tag name="may_ignore_ucw" val="true"/>
+  <p:tag name="ppt/slides/slide8.xml" val="3441803656"/>
+  <p:tag name="ppt/slides/slide7.xml" val="645326356"/>
+  <p:tag name="ppt/slides/slide6.xml" val="2761421490"/>
+  <p:tag name="ppt/slides/slide3.xml" val="3876699595"/>
+  <p:tag name="ppt/slides/slide2.xml" val="1335470735"/>
+  <p:tag name="ppt/slideMasters/slideMaster1.xml" val="993988278"/>
+  <p:tag name="ppt/theme/theme1.xml" val="1606611273"/>
+  <p:tag name="ppt/slideLayouts/slideLayout1.xml" val="183574218"/>
+  <p:tag name="ppt/slideLayouts/slideLayout2.xml" val="2410349811"/>
+  <p:tag name="ppt/slideLayouts/slideLayout3.xml" val="2819036732"/>
+  <p:tag name="ppt/slideLayouts/slideLayout4.xml" val="4191198422"/>
+  <p:tag name="ppt/slideLayouts/slideLayout5.xml" val="2061197200"/>
+  <p:tag name="ppt/slideLayouts/slideLayout6.xml" val="2681423591"/>
+  <p:tag name="ppt/slideLayouts/slideLayout7.xml" val="1071068475"/>
+  <p:tag name="ppt/slideLayouts/slideLayout8.xml" val="3501843056"/>
+  <p:tag name="ppt/slideLayouts/slideLayout9.xml" val="1781070663"/>
+  <p:tag name="ppt/slideLayouts/slideLayout10.xml" val="3782361291"/>
+  <p:tag name="ppt/slideLayouts/slideLayout11.xml" val="269552953"/>
+  <p:tag name="ppt/slideLayouts/slideLayout12.xml" val="330098455"/>
+  <p:tag name="ppt/slideLayouts/slideLayout13.xml" val="1028835482"/>
+  <p:tag name="ppt/slideLayouts/slideLayout14.xml" val="2694783899"/>
+  <p:tag name="ppt/slideLayouts/slideLayout15.xml" val="1770238362"/>
+  <p:tag name="ppt/slideLayouts/slideLayout16.xml" val="3831023791"/>
+  <p:tag name="ppt/slideLayouts/slideLayout17.xml" val="2565451982"/>
+  <p:tag name="ppt/notesMasters/notesMaster1.xml" val="2676244616"/>
+  <p:tag name="ppt/theme/theme2.xml" val="1606611273"/>
+  <p:tag name="ppt/slides/slide1.xml" val="1618667220"/>
+  <p:tag name="ppt/slides/slide4.xml" val="1056797828"/>
+  <p:tag name="ppt/slides/slide5.xml" val="3728599855"/>
+  <p:tag name="ppt/slides/slide9.xml" val="4206103576"/>
+  <p:tag name="ppt/media/image1.jpeg" val="2950082152"/>
+</p:tagLst>
 </file>
 
 <file path=ppt/theme/theme1.xml><?xml version="1.0" encoding="utf-8"?>

--- a/sanson.pptx
+++ b/sanson.pptx
@@ -1,30 +1,27 @@
 
 <file path=ppt/presentation.xml><?xml version="1.0" encoding="utf-8"?>
-<p:presentation xmlns:a="http://schemas.openxmlformats.org/drawingml/2006/main" xmlns:r="http://schemas.openxmlformats.org/officeDocument/2006/relationships" xmlns:mc="http://schemas.openxmlformats.org/markup-compatibility/2006" xmlns:mv="urn:schemas-microsoft-com:mac:vml" xmlns:p="http://schemas.openxmlformats.org/presentationml/2006/main" xmlns:c="http://schemas.openxmlformats.org/drawingml/2006/chart" xmlns:dgm="http://schemas.openxmlformats.org/drawingml/2006/diagram" xmlns:o="urn:schemas-microsoft-com:office:office" xmlns:v="urn:schemas-microsoft-com:vml" xmlns:pvml="urn:schemas-microsoft-com:office:powerpoint" xmlns:com="http://schemas.openxmlformats.org/drawingml/2006/compatibility" xmlns:p14="http://schemas.microsoft.com/office/powerpoint/2010/main" xmlns:p15="http://schemas.microsoft.com/office/powerpoint/2012/main" xmlns:ahyp="http://schemas.microsoft.com/office/drawing/2018/hyperlinkcolor" autoCompressPictures="0" strictFirstAndLastChars="0" saveSubsetFonts="1">
+<p:presentation xmlns:a="http://schemas.openxmlformats.org/drawingml/2006/main" xmlns:r="http://schemas.openxmlformats.org/officeDocument/2006/relationships" xmlns:p="http://schemas.openxmlformats.org/presentationml/2006/main" xmlns:m="http://schemas.openxmlformats.org/officeDocument/2006/math" xmlns:a14="http://schemas.microsoft.com/office/drawing/2010/main">
   <p:sldMasterIdLst>
-    <p:sldMasterId id="2147483648" r:id="rId3"/>
+    <p:sldMasterId id="2147483648" r:id="rId5"/>
   </p:sldMasterIdLst>
   <p:notesMasterIdLst>
-    <p:notesMasterId r:id="rId4"/>
+    <p:notesMasterId r:id="rId7"/>
   </p:notesMasterIdLst>
   <p:sldIdLst>
-    <p:sldId id="256" r:id="rId5"/>
-    <p:sldId id="257" r:id="rId6"/>
-    <p:sldId id="258" r:id="rId7"/>
-    <p:sldId id="259" r:id="rId8"/>
-    <p:sldId id="260" r:id="rId9"/>
-    <p:sldId id="261" r:id="rId10"/>
-    <p:sldId id="262" r:id="rId11"/>
-    <p:sldId id="263" r:id="rId12"/>
-    <p:sldId id="264" r:id="rId13"/>
+    <p:sldId id="256" r:id="rId8"/>
+    <p:sldId id="257" r:id="rId9"/>
+    <p:sldId id="258" r:id="rId10"/>
+    <p:sldId id="259" r:id="rId11"/>
+    <p:sldId id="260" r:id="rId12"/>
+    <p:sldId id="261" r:id="rId13"/>
+    <p:sldId id="262" r:id="rId14"/>
+    <p:sldId id="263" r:id="rId15"/>
+    <p:sldId id="264" r:id="rId16"/>
   </p:sldIdLst>
-  <p:sldSz cy="13716000" cx="24384000"/>
+  <p:sldSz cx="24384000" cy="13716000"/>
   <p:notesSz cx="6858000" cy="9144000"/>
-  <p:custDataLst>
-    <p:tags r:id="rId14"/>
-  </p:custDataLst>
   <p:defaultTextStyle>
-    <a:defPPr defTabSz="914400" hangingPunct="0" indent="0" latinLnBrk="1" lvl="0" marL="0" marR="0" rtl="0" algn="l" fontAlgn="auto">
+    <a:defPPr marL="0" marR="0" indent="0" algn="l" defTabSz="914400" rtl="0" fontAlgn="auto" latinLnBrk="1" hangingPunct="0">
       <a:lnSpc>
         <a:spcPct val="100000"/>
       </a:lnSpc>
@@ -39,7 +36,7 @@
       <a:buFontTx/>
       <a:buNone/>
       <a:tabLst/>
-      <a:defRPr b="0" i="0" kumimoji="0" normalizeH="0" spc="0" sz="1800" u="none" cap="none" strike="noStrike">
+      <a:defRPr b="0" baseline="0" cap="none" i="0" spc="0" strike="noStrike" sz="1800" u="none" kumimoji="0" normalizeH="0">
         <a:ln>
           <a:noFill/>
         </a:ln>
@@ -47,9 +44,10 @@
           <a:srgbClr val="000000"/>
         </a:solidFill>
         <a:effectLst/>
+        <a:uFillTx/>
       </a:defRPr>
     </a:defPPr>
-    <a:lvl1pPr defTabSz="2438338" hangingPunct="0" indent="0" latinLnBrk="0" lvl="0" marL="0" marR="0" rtl="0" algn="l" fontAlgn="auto">
+    <a:lvl1pPr marL="0" marR="0" indent="0" algn="l" defTabSz="2438338" rtl="0" fontAlgn="auto" latinLnBrk="0" hangingPunct="0">
       <a:lnSpc>
         <a:spcPct val="90000"/>
       </a:lnSpc>
@@ -64,7 +62,7 @@
       <a:buFontTx/>
       <a:buNone/>
       <a:tabLst/>
-      <a:defRPr b="0" i="0" kumimoji="0" normalizeH="0" spc="0" sz="4800" u="none" cap="none" strike="noStrike">
+      <a:defRPr b="0" baseline="0" cap="none" i="0" spc="0" strike="noStrike" sz="4800" u="none" kumimoji="0" normalizeH="0">
         <a:ln>
           <a:noFill/>
         </a:ln>
@@ -72,13 +70,14 @@
           <a:srgbClr val="000000"/>
         </a:solidFill>
         <a:effectLst/>
+        <a:uFillTx/>
         <a:latin typeface="+mn-lt"/>
         <a:ea typeface="+mn-ea"/>
         <a:cs typeface="+mn-cs"/>
         <a:sym typeface="Helvetica Neue"/>
       </a:defRPr>
     </a:lvl1pPr>
-    <a:lvl2pPr defTabSz="2438338" hangingPunct="0" indent="457200" latinLnBrk="0" lvl="1" marL="0" marR="0" rtl="0" algn="l" fontAlgn="auto">
+    <a:lvl2pPr marL="0" marR="0" indent="457200" algn="l" defTabSz="2438338" rtl="0" fontAlgn="auto" latinLnBrk="0" hangingPunct="0">
       <a:lnSpc>
         <a:spcPct val="90000"/>
       </a:lnSpc>
@@ -93,7 +92,7 @@
       <a:buFontTx/>
       <a:buNone/>
       <a:tabLst/>
-      <a:defRPr b="0" i="0" kumimoji="0" normalizeH="0" spc="0" sz="4800" u="none" cap="none" strike="noStrike">
+      <a:defRPr b="0" baseline="0" cap="none" i="0" spc="0" strike="noStrike" sz="4800" u="none" kumimoji="0" normalizeH="0">
         <a:ln>
           <a:noFill/>
         </a:ln>
@@ -101,13 +100,14 @@
           <a:srgbClr val="000000"/>
         </a:solidFill>
         <a:effectLst/>
+        <a:uFillTx/>
         <a:latin typeface="+mn-lt"/>
         <a:ea typeface="+mn-ea"/>
         <a:cs typeface="+mn-cs"/>
         <a:sym typeface="Helvetica Neue"/>
       </a:defRPr>
     </a:lvl2pPr>
-    <a:lvl3pPr defTabSz="2438338" hangingPunct="0" indent="914400" latinLnBrk="0" lvl="2" marL="0" marR="0" rtl="0" algn="l" fontAlgn="auto">
+    <a:lvl3pPr marL="0" marR="0" indent="914400" algn="l" defTabSz="2438338" rtl="0" fontAlgn="auto" latinLnBrk="0" hangingPunct="0">
       <a:lnSpc>
         <a:spcPct val="90000"/>
       </a:lnSpc>
@@ -122,7 +122,7 @@
       <a:buFontTx/>
       <a:buNone/>
       <a:tabLst/>
-      <a:defRPr b="0" i="0" kumimoji="0" normalizeH="0" spc="0" sz="4800" u="none" cap="none" strike="noStrike">
+      <a:defRPr b="0" baseline="0" cap="none" i="0" spc="0" strike="noStrike" sz="4800" u="none" kumimoji="0" normalizeH="0">
         <a:ln>
           <a:noFill/>
         </a:ln>
@@ -130,13 +130,14 @@
           <a:srgbClr val="000000"/>
         </a:solidFill>
         <a:effectLst/>
+        <a:uFillTx/>
         <a:latin typeface="+mn-lt"/>
         <a:ea typeface="+mn-ea"/>
         <a:cs typeface="+mn-cs"/>
         <a:sym typeface="Helvetica Neue"/>
       </a:defRPr>
     </a:lvl3pPr>
-    <a:lvl4pPr defTabSz="2438338" hangingPunct="0" indent="1371600" latinLnBrk="0" lvl="3" marL="0" marR="0" rtl="0" algn="l" fontAlgn="auto">
+    <a:lvl4pPr marL="0" marR="0" indent="1371600" algn="l" defTabSz="2438338" rtl="0" fontAlgn="auto" latinLnBrk="0" hangingPunct="0">
       <a:lnSpc>
         <a:spcPct val="90000"/>
       </a:lnSpc>
@@ -151,7 +152,7 @@
       <a:buFontTx/>
       <a:buNone/>
       <a:tabLst/>
-      <a:defRPr b="0" i="0" kumimoji="0" normalizeH="0" spc="0" sz="4800" u="none" cap="none" strike="noStrike">
+      <a:defRPr b="0" baseline="0" cap="none" i="0" spc="0" strike="noStrike" sz="4800" u="none" kumimoji="0" normalizeH="0">
         <a:ln>
           <a:noFill/>
         </a:ln>
@@ -159,13 +160,14 @@
           <a:srgbClr val="000000"/>
         </a:solidFill>
         <a:effectLst/>
+        <a:uFillTx/>
         <a:latin typeface="+mn-lt"/>
         <a:ea typeface="+mn-ea"/>
         <a:cs typeface="+mn-cs"/>
         <a:sym typeface="Helvetica Neue"/>
       </a:defRPr>
     </a:lvl4pPr>
-    <a:lvl5pPr defTabSz="2438338" hangingPunct="0" indent="1828800" latinLnBrk="0" lvl="4" marL="0" marR="0" rtl="0" algn="l" fontAlgn="auto">
+    <a:lvl5pPr marL="0" marR="0" indent="1828800" algn="l" defTabSz="2438338" rtl="0" fontAlgn="auto" latinLnBrk="0" hangingPunct="0">
       <a:lnSpc>
         <a:spcPct val="90000"/>
       </a:lnSpc>
@@ -180,7 +182,7 @@
       <a:buFontTx/>
       <a:buNone/>
       <a:tabLst/>
-      <a:defRPr b="0" i="0" kumimoji="0" normalizeH="0" spc="0" sz="4800" u="none" cap="none" strike="noStrike">
+      <a:defRPr b="0" baseline="0" cap="none" i="0" spc="0" strike="noStrike" sz="4800" u="none" kumimoji="0" normalizeH="0">
         <a:ln>
           <a:noFill/>
         </a:ln>
@@ -188,13 +190,14 @@
           <a:srgbClr val="000000"/>
         </a:solidFill>
         <a:effectLst/>
+        <a:uFillTx/>
         <a:latin typeface="+mn-lt"/>
         <a:ea typeface="+mn-ea"/>
         <a:cs typeface="+mn-cs"/>
         <a:sym typeface="Helvetica Neue"/>
       </a:defRPr>
     </a:lvl5pPr>
-    <a:lvl6pPr defTabSz="2438338" hangingPunct="0" indent="2286000" latinLnBrk="0" lvl="5" marL="0" marR="0" rtl="0" algn="l" fontAlgn="auto">
+    <a:lvl6pPr marL="0" marR="0" indent="2286000" algn="l" defTabSz="2438338" rtl="0" fontAlgn="auto" latinLnBrk="0" hangingPunct="0">
       <a:lnSpc>
         <a:spcPct val="90000"/>
       </a:lnSpc>
@@ -209,7 +212,7 @@
       <a:buFontTx/>
       <a:buNone/>
       <a:tabLst/>
-      <a:defRPr b="0" i="0" kumimoji="0" normalizeH="0" spc="0" sz="4800" u="none" cap="none" strike="noStrike">
+      <a:defRPr b="0" baseline="0" cap="none" i="0" spc="0" strike="noStrike" sz="4800" u="none" kumimoji="0" normalizeH="0">
         <a:ln>
           <a:noFill/>
         </a:ln>
@@ -217,13 +220,14 @@
           <a:srgbClr val="000000"/>
         </a:solidFill>
         <a:effectLst/>
+        <a:uFillTx/>
         <a:latin typeface="+mn-lt"/>
         <a:ea typeface="+mn-ea"/>
         <a:cs typeface="+mn-cs"/>
         <a:sym typeface="Helvetica Neue"/>
       </a:defRPr>
     </a:lvl6pPr>
-    <a:lvl7pPr defTabSz="2438338" hangingPunct="0" indent="2743200" latinLnBrk="0" lvl="6" marL="0" marR="0" rtl="0" algn="l" fontAlgn="auto">
+    <a:lvl7pPr marL="0" marR="0" indent="2743200" algn="l" defTabSz="2438338" rtl="0" fontAlgn="auto" latinLnBrk="0" hangingPunct="0">
       <a:lnSpc>
         <a:spcPct val="90000"/>
       </a:lnSpc>
@@ -238,7 +242,7 @@
       <a:buFontTx/>
       <a:buNone/>
       <a:tabLst/>
-      <a:defRPr b="0" i="0" kumimoji="0" normalizeH="0" spc="0" sz="4800" u="none" cap="none" strike="noStrike">
+      <a:defRPr b="0" baseline="0" cap="none" i="0" spc="0" strike="noStrike" sz="4800" u="none" kumimoji="0" normalizeH="0">
         <a:ln>
           <a:noFill/>
         </a:ln>
@@ -246,13 +250,14 @@
           <a:srgbClr val="000000"/>
         </a:solidFill>
         <a:effectLst/>
+        <a:uFillTx/>
         <a:latin typeface="+mn-lt"/>
         <a:ea typeface="+mn-ea"/>
         <a:cs typeface="+mn-cs"/>
         <a:sym typeface="Helvetica Neue"/>
       </a:defRPr>
     </a:lvl7pPr>
-    <a:lvl8pPr defTabSz="2438338" hangingPunct="0" indent="3200400" latinLnBrk="0" lvl="7" marL="0" marR="0" rtl="0" algn="l" fontAlgn="auto">
+    <a:lvl8pPr marL="0" marR="0" indent="3200400" algn="l" defTabSz="2438338" rtl="0" fontAlgn="auto" latinLnBrk="0" hangingPunct="0">
       <a:lnSpc>
         <a:spcPct val="90000"/>
       </a:lnSpc>
@@ -267,7 +272,7 @@
       <a:buFontTx/>
       <a:buNone/>
       <a:tabLst/>
-      <a:defRPr b="0" i="0" kumimoji="0" normalizeH="0" spc="0" sz="4800" u="none" cap="none" strike="noStrike">
+      <a:defRPr b="0" baseline="0" cap="none" i="0" spc="0" strike="noStrike" sz="4800" u="none" kumimoji="0" normalizeH="0">
         <a:ln>
           <a:noFill/>
         </a:ln>
@@ -275,13 +280,14 @@
           <a:srgbClr val="000000"/>
         </a:solidFill>
         <a:effectLst/>
+        <a:uFillTx/>
         <a:latin typeface="+mn-lt"/>
         <a:ea typeface="+mn-ea"/>
         <a:cs typeface="+mn-cs"/>
         <a:sym typeface="Helvetica Neue"/>
       </a:defRPr>
     </a:lvl8pPr>
-    <a:lvl9pPr defTabSz="2438338" hangingPunct="0" indent="3657600" latinLnBrk="0" lvl="8" marL="0" marR="0" rtl="0" algn="l" fontAlgn="auto">
+    <a:lvl9pPr marL="0" marR="0" indent="3657600" algn="l" defTabSz="2438338" rtl="0" fontAlgn="auto" latinLnBrk="0" hangingPunct="0">
       <a:lnSpc>
         <a:spcPct val="90000"/>
       </a:lnSpc>
@@ -296,7 +302,7 @@
       <a:buFontTx/>
       <a:buNone/>
       <a:tabLst/>
-      <a:defRPr b="0" i="0" kumimoji="0" normalizeH="0" spc="0" sz="4800" u="none" cap="none" strike="noStrike">
+      <a:defRPr b="0" baseline="0" cap="none" i="0" spc="0" strike="noStrike" sz="4800" u="none" kumimoji="0" normalizeH="0">
         <a:ln>
           <a:noFill/>
         </a:ln>
@@ -304,6 +310,7 @@
           <a:srgbClr val="000000"/>
         </a:solidFill>
         <a:effectLst/>
+        <a:uFillTx/>
         <a:latin typeface="+mn-lt"/>
         <a:ea typeface="+mn-ea"/>
         <a:cs typeface="+mn-cs"/>
@@ -314,8 +321,8 @@
 </p:presentation>
 </file>
 
-<file path=ppt/presProps1.xml><?xml version="1.0" encoding="utf-8"?>
-<p:presentationPr xmlns:a="http://schemas.openxmlformats.org/drawingml/2006/main" xmlns:r="http://schemas.openxmlformats.org/officeDocument/2006/relationships" xmlns:mc="http://schemas.openxmlformats.org/markup-compatibility/2006" xmlns:mv="urn:schemas-microsoft-com:mac:vml" xmlns:p="http://schemas.openxmlformats.org/presentationml/2006/main" xmlns:c="http://schemas.openxmlformats.org/drawingml/2006/chart" xmlns:dgm="http://schemas.openxmlformats.org/drawingml/2006/diagram" xmlns:o="urn:schemas-microsoft-com:office:office" xmlns:v="urn:schemas-microsoft-com:vml" xmlns:pvml="urn:schemas-microsoft-com:office:powerpoint" xmlns:com="http://schemas.openxmlformats.org/drawingml/2006/compatibility" xmlns:p14="http://schemas.microsoft.com/office/powerpoint/2010/main" xmlns:p15="http://schemas.microsoft.com/office/powerpoint/2012/main" xmlns:ahyp="http://schemas.microsoft.com/office/drawing/2018/hyperlinkcolor"/>
+<file path=ppt/commentAuthors.xml><?xml version="1.0" encoding="utf-8"?>
+<p:cmAuthorLst xmlns:a="http://schemas.openxmlformats.org/drawingml/2006/main" xmlns:r="http://schemas.openxmlformats.org/officeDocument/2006/relationships" xmlns:p="http://schemas.openxmlformats.org/presentationml/2006/main" xmlns:m="http://schemas.openxmlformats.org/officeDocument/2006/math" xmlns:a14="http://schemas.microsoft.com/office/drawing/2010/main"/>
 </file>
 
 <file path=ppt/notesMasters/notesMaster1.xml><?xml version="1.0" encoding="utf-8"?>
@@ -4277,16 +4284,22 @@
 </file>
 
 <file path=ppt/slides/slide2.xml><?xml version="1.0" encoding="utf-8"?>
-<p:sld xmlns:a="http://schemas.openxmlformats.org/drawingml/2006/main" xmlns:r="http://schemas.openxmlformats.org/officeDocument/2006/relationships" xmlns:mc="http://schemas.openxmlformats.org/markup-compatibility/2006" xmlns:mv="urn:schemas-microsoft-com:mac:vml" xmlns:p="http://schemas.openxmlformats.org/presentationml/2006/main" xmlns:c="http://schemas.openxmlformats.org/drawingml/2006/chart" xmlns:dgm="http://schemas.openxmlformats.org/drawingml/2006/diagram" xmlns:o="urn:schemas-microsoft-com:office:office" xmlns:v="urn:schemas-microsoft-com:vml" xmlns:pvml="urn:schemas-microsoft-com:office:powerpoint" xmlns:com="http://schemas.openxmlformats.org/drawingml/2006/compatibility" xmlns:p14="http://schemas.microsoft.com/office/powerpoint/2010/main" xmlns:p15="http://schemas.microsoft.com/office/powerpoint/2012/main" xmlns:ahyp="http://schemas.microsoft.com/office/drawing/2018/hyperlinkcolor">
+<p:sld xmlns:a="http://schemas.openxmlformats.org/drawingml/2006/main" xmlns:r="http://schemas.openxmlformats.org/officeDocument/2006/relationships" xmlns:p="http://schemas.openxmlformats.org/presentationml/2006/main" xmlns:m="http://schemas.openxmlformats.org/officeDocument/2006/math" xmlns:a14="http://schemas.microsoft.com/office/drawing/2010/main" showMasterSp="1" showMasterPhAnim="1">
   <p:cSld>
     <p:bg>
       <p:bgPr>
-        <a:noFill/>
+        <a:blipFill rotWithShape="1">
+          <a:blip r:embed="rId2"/>
+          <a:srcRect l="0" t="0" r="0" b="0"/>
+          <a:stretch>
+            <a:fillRect/>
+          </a:stretch>
+        </a:blipFill>
       </p:bgPr>
     </p:bg>
     <p:spTree>
       <p:nvGrpSpPr>
-        <p:cNvPr id="207" name="Shape 207"/>
+        <p:cNvPr id="1" name=""/>
         <p:cNvGrpSpPr/>
         <p:nvPr/>
       </p:nvGrpSpPr>
@@ -4300,147 +4313,89 @@
       </p:grpSpPr>
       <p:sp>
         <p:nvSpPr>
-          <p:cNvPr id="208" name="Google Shape;208;p1"/>
+          <p:cNvPr id="175" name="Původ: Francie (chanson = píseň)…"/>
           <p:cNvSpPr txBox="1"/>
           <p:nvPr>
-            <p:ph idx="1" type="body"/>
+            <p:ph type="body" sz="half" idx="1"/>
           </p:nvPr>
         </p:nvSpPr>
         <p:spPr>
           <a:xfrm>
             <a:off x="1584640" y="4194815"/>
-            <a:ext cx="15980400" cy="8256600"/>
+            <a:ext cx="15980503" cy="8256630"/>
           </a:xfrm>
           <a:prstGeom prst="rect">
             <a:avLst/>
           </a:prstGeom>
-          <a:noFill/>
-          <a:ln>
-            <a:noFill/>
-          </a:ln>
-        </p:spPr>
-        <p:txBody>
-          <a:bodyPr anchorCtr="0" anchor="t" bIns="50800" lIns="50800" spcFirstLastPara="1" rIns="50800" wrap="square" tIns="50800">
-            <a:normAutofit/>
-          </a:bodyPr>
+        </p:spPr>
+        <p:txBody>
+          <a:bodyPr/>
           <a:lstStyle/>
           <a:p>
-            <a:pPr indent="-1219200" lvl="0" marL="1219200" rtl="0" algn="l">
-              <a:lnSpc>
-                <a:spcPct val="90000"/>
-              </a:lnSpc>
+            <a:pPr marL="1219200" indent="-1219200" defTabSz="1950671">
               <a:spcBef>
-                <a:spcPts val="0"/>
+                <a:spcPts val="3600"/>
               </a:spcBef>
-              <a:spcAft>
-                <a:spcPts val="0"/>
-              </a:spcAft>
-              <a:buClr>
-                <a:srgbClr val="FFFFFF"/>
-              </a:buClr>
-              <a:buSzPts val="11808"/>
-              <a:buFont typeface="Helvetica Neue"/>
-              <a:buChar char="•"/>
-            </a:pPr>
-            <a:r>
-              <a:rPr lang="en-US" sz="9600">
+              <a:defRPr sz="9600">
                 <a:solidFill>
                   <a:srgbClr val="FFFFFF"/>
                 </a:solidFill>
-              </a:rPr>
+              </a:defRPr>
+            </a:pPr>
+            <a:r>
               <a:t>Původ: Francie (chanson = píseň)</a:t>
             </a:r>
-            <a:endParaRPr/>
-          </a:p>
-          <a:p>
-            <a:pPr indent="-1219200" lvl="0" marL="1219200" rtl="0" algn="l">
-              <a:lnSpc>
-                <a:spcPct val="90000"/>
-              </a:lnSpc>
+          </a:p>
+          <a:p>
+            <a:pPr marL="1219200" indent="-1219200" defTabSz="1950671">
               <a:spcBef>
                 <a:spcPts val="3600"/>
               </a:spcBef>
-              <a:spcAft>
-                <a:spcPts val="0"/>
-              </a:spcAft>
-              <a:buClr>
-                <a:srgbClr val="FFFFFF"/>
-              </a:buClr>
-              <a:buSzPts val="11808"/>
-              <a:buFont typeface="Helvetica Neue"/>
-              <a:buChar char="•"/>
-            </a:pPr>
-            <a:r>
-              <a:rPr lang="en-US" sz="9600">
+              <a:defRPr sz="9600">
                 <a:solidFill>
                   <a:srgbClr val="FFFFFF"/>
                 </a:solidFill>
-              </a:rPr>
+              </a:defRPr>
+            </a:pPr>
+            <a:r>
               <a:t>Důraz na text a příběh</a:t>
             </a:r>
-            <a:endParaRPr/>
-          </a:p>
-          <a:p>
-            <a:pPr indent="-1219200" lvl="0" marL="1219200" rtl="0" algn="l">
-              <a:lnSpc>
-                <a:spcPct val="90000"/>
-              </a:lnSpc>
+          </a:p>
+          <a:p>
+            <a:pPr marL="1219200" indent="-1219200" defTabSz="1950671">
               <a:spcBef>
                 <a:spcPts val="3600"/>
               </a:spcBef>
-              <a:spcAft>
-                <a:spcPts val="0"/>
-              </a:spcAft>
-              <a:buClr>
-                <a:srgbClr val="FFFFFF"/>
-              </a:buClr>
-              <a:buSzPts val="11808"/>
-              <a:buFont typeface="Helvetica Neue"/>
-              <a:buChar char="•"/>
-            </a:pPr>
-            <a:r>
-              <a:rPr lang="en-US" sz="9600">
+              <a:defRPr sz="9600">
                 <a:solidFill>
                   <a:srgbClr val="FFFFFF"/>
                 </a:solidFill>
-              </a:rPr>
+              </a:defRPr>
+            </a:pPr>
+            <a:r>
               <a:t>Interpret = vypravěč/herec</a:t>
             </a:r>
-            <a:endParaRPr/>
-          </a:p>
-          <a:p>
-            <a:pPr indent="-1219200" lvl="0" marL="1219200" rtl="0" algn="l">
-              <a:lnSpc>
-                <a:spcPct val="90000"/>
-              </a:lnSpc>
+          </a:p>
+          <a:p>
+            <a:pPr marL="1219200" indent="-1219200" defTabSz="1950671">
               <a:spcBef>
                 <a:spcPts val="3600"/>
               </a:spcBef>
-              <a:spcAft>
-                <a:spcPts val="0"/>
-              </a:spcAft>
-              <a:buClr>
-                <a:srgbClr val="FFFFFF"/>
-              </a:buClr>
-              <a:buSzPts val="11808"/>
-              <a:buFont typeface="Helvetica Neue"/>
-              <a:buChar char="•"/>
-            </a:pPr>
-            <a:r>
-              <a:rPr lang="en-US" sz="9600">
+              <a:defRPr sz="9600">
                 <a:solidFill>
                   <a:srgbClr val="FFFFFF"/>
                 </a:solidFill>
-              </a:rPr>
+              </a:defRPr>
+            </a:pPr>
+            <a:r>
               <a:t>Spojení hudby a poezie</a:t>
             </a:r>
-            <a:endParaRPr/>
-          </a:p>
-        </p:txBody>
-      </p:sp>
-      <p:sp>
-        <p:nvSpPr>
-          <p:cNvPr id="209" name="Google Shape;209;p1"/>
+          </a:p>
+        </p:txBody>
+      </p:sp>
+      <p:sp>
+        <p:nvSpPr>
+          <p:cNvPr id="176" name="CO JE TO ŠANSON?"/>
           <p:cNvSpPr txBox="1"/>
           <p:nvPr>
             <p:ph type="title"/>
@@ -4449,52 +4404,30 @@
         <p:spPr>
           <a:xfrm>
             <a:off x="1849338" y="1177206"/>
-            <a:ext cx="11309700" cy="2610000"/>
+            <a:ext cx="11309835" cy="2610086"/>
           </a:xfrm>
           <a:prstGeom prst="rect">
             <a:avLst/>
           </a:prstGeom>
-          <a:noFill/>
-          <a:ln>
-            <a:noFill/>
-          </a:ln>
-        </p:spPr>
-        <p:txBody>
-          <a:bodyPr anchorCtr="0" anchor="t" bIns="50800" lIns="50800" spcFirstLastPara="1" rIns="50800" wrap="square" tIns="50800">
-            <a:normAutofit/>
-          </a:bodyPr>
+        </p:spPr>
+        <p:txBody>
+          <a:bodyPr/>
           <a:lstStyle/>
           <a:p>
-            <a:pPr indent="0" lvl="0" marL="0" rtl="0" algn="l">
-              <a:lnSpc>
-                <a:spcPct val="80000"/>
-              </a:lnSpc>
-              <a:spcBef>
-                <a:spcPts val="0"/>
-              </a:spcBef>
-              <a:spcAft>
-                <a:spcPts val="0"/>
-              </a:spcAft>
-              <a:buClr>
-                <a:srgbClr val="FFFFFF"/>
-              </a:buClr>
-              <a:buSzPts val="9380"/>
-              <a:buFont typeface="Helvetica Neue"/>
-              <a:buNone/>
-            </a:pPr>
-            <a:r>
-              <a:rPr lang="en-US" sz="9380" u="sng">
+            <a:pPr defTabSz="1633687">
+              <a:defRPr spc="-160" sz="8040" u="sng">
                 <a:solidFill>
                   <a:srgbClr val="FFFFFF"/>
                 </a:solidFill>
-              </a:rPr>
-              <a:t>CO JE TO ŠANSON?</a:t>
-            </a:r>
-            <a:endParaRPr u="sng">
-              <a:solidFill>
-                <a:srgbClr val="FFFFFF"/>
-              </a:solidFill>
-            </a:endParaRPr>
+              </a:defRPr>
+            </a:pPr>
+            <a:r>
+              <a:rPr spc="-187" sz="9380"/>
+              <a:t>CO JE TO ŠANSON</a:t>
+            </a:r>
+            <a:r>
+              <a:t>?</a:t>
+            </a:r>
           </a:p>
         </p:txBody>
       </p:sp>
@@ -4503,20 +4436,27 @@
   <p:clrMapOvr>
     <a:masterClrMapping/>
   </p:clrMapOvr>
+  <p:transition xmlns:p14="http://schemas.microsoft.com/office/powerpoint/2010/main" spd="med" advClick="1"/>
 </p:sld>
 </file>
 
 <file path=ppt/slides/slide3.xml><?xml version="1.0" encoding="utf-8"?>
-<p:sld xmlns:a="http://schemas.openxmlformats.org/drawingml/2006/main" xmlns:r="http://schemas.openxmlformats.org/officeDocument/2006/relationships" xmlns:mc="http://schemas.openxmlformats.org/markup-compatibility/2006" xmlns:mv="urn:schemas-microsoft-com:mac:vml" xmlns:p="http://schemas.openxmlformats.org/presentationml/2006/main" xmlns:c="http://schemas.openxmlformats.org/drawingml/2006/chart" xmlns:dgm="http://schemas.openxmlformats.org/drawingml/2006/diagram" xmlns:o="urn:schemas-microsoft-com:office:office" xmlns:v="urn:schemas-microsoft-com:vml" xmlns:pvml="urn:schemas-microsoft-com:office:powerpoint" xmlns:com="http://schemas.openxmlformats.org/drawingml/2006/compatibility" xmlns:p14="http://schemas.microsoft.com/office/powerpoint/2010/main" xmlns:p15="http://schemas.microsoft.com/office/powerpoint/2012/main" xmlns:ahyp="http://schemas.microsoft.com/office/drawing/2018/hyperlinkcolor">
+<p:sld xmlns:a="http://schemas.openxmlformats.org/drawingml/2006/main" xmlns:r="http://schemas.openxmlformats.org/officeDocument/2006/relationships" xmlns:p="http://schemas.openxmlformats.org/presentationml/2006/main" xmlns:m="http://schemas.openxmlformats.org/officeDocument/2006/math" xmlns:a14="http://schemas.microsoft.com/office/drawing/2010/main" showMasterSp="1" showMasterPhAnim="1">
   <p:cSld>
     <p:bg>
       <p:bgPr>
-        <a:noFill/>
+        <a:blipFill rotWithShape="1">
+          <a:blip r:embed="rId2"/>
+          <a:srcRect l="0" t="0" r="0" b="0"/>
+          <a:stretch>
+            <a:fillRect/>
+          </a:stretch>
+        </a:blipFill>
       </p:bgPr>
     </p:bg>
     <p:spTree>
       <p:nvGrpSpPr>
-        <p:cNvPr id="210" name="Shape 210"/>
+        <p:cNvPr id="1" name=""/>
         <p:cNvGrpSpPr/>
         <p:nvPr/>
       </p:nvGrpSpPr>
@@ -4530,151 +4470,93 @@
       </p:grpSpPr>
       <p:sp>
         <p:nvSpPr>
-          <p:cNvPr id="211" name="Google Shape;211;p2"/>
+          <p:cNvPr id="178" name="Středověk: Trubadúři…"/>
           <p:cNvSpPr txBox="1"/>
           <p:nvPr>
-            <p:ph idx="1" type="body"/>
+            <p:ph type="body" idx="1"/>
           </p:nvPr>
         </p:nvSpPr>
         <p:spPr>
           <a:xfrm>
             <a:off x="1206500" y="4248504"/>
-            <a:ext cx="16906800" cy="8256600"/>
+            <a:ext cx="16906947" cy="8256630"/>
           </a:xfrm>
           <a:prstGeom prst="rect">
             <a:avLst/>
           </a:prstGeom>
-          <a:noFill/>
-          <a:ln>
-            <a:noFill/>
-          </a:ln>
-        </p:spPr>
-        <p:txBody>
-          <a:bodyPr anchorCtr="0" anchor="t" bIns="50800" lIns="50800" spcFirstLastPara="1" rIns="50800" wrap="square" tIns="50800">
-            <a:normAutofit lnSpcReduction="20000"/>
-          </a:bodyPr>
+        </p:spPr>
+        <p:txBody>
+          <a:bodyPr/>
           <a:lstStyle/>
           <a:p>
-            <a:pPr indent="-1219200" lvl="0" marL="1219200" rtl="0" algn="l">
-              <a:lnSpc>
-                <a:spcPct val="90000"/>
-              </a:lnSpc>
+            <a:pPr marL="1219200" indent="-1219200" defTabSz="1950671">
               <a:spcBef>
-                <a:spcPts val="0"/>
+                <a:spcPts val="3600"/>
               </a:spcBef>
-              <a:spcAft>
-                <a:spcPts val="0"/>
-              </a:spcAft>
-              <a:buClr>
-                <a:srgbClr val="FFFFFF"/>
-              </a:buClr>
-              <a:buSzPts val="11808"/>
-              <a:buFont typeface="Helvetica Neue"/>
-              <a:buChar char="•"/>
-            </a:pPr>
-            <a:r>
-              <a:rPr lang="en-US" sz="9600">
+              <a:defRPr sz="9600">
                 <a:solidFill>
                   <a:srgbClr val="FFFFFF"/>
                 </a:solidFill>
-              </a:rPr>
+              </a:defRPr>
+            </a:pPr>
+            <a:r>
               <a:t>Středověk: Trubadúři</a:t>
             </a:r>
-            <a:endParaRPr/>
-          </a:p>
-          <a:p>
-            <a:pPr indent="-1219200" lvl="0" marL="1219200" rtl="0" algn="l">
-              <a:lnSpc>
-                <a:spcPct val="90000"/>
-              </a:lnSpc>
+          </a:p>
+          <a:p>
+            <a:pPr marL="1219200" indent="-1219200" defTabSz="1950671">
               <a:spcBef>
                 <a:spcPts val="3600"/>
               </a:spcBef>
-              <a:spcAft>
-                <a:spcPts val="0"/>
-              </a:spcAft>
-              <a:buClr>
-                <a:srgbClr val="FFFFFF"/>
-              </a:buClr>
-              <a:buSzPts val="11808"/>
-              <a:buFont typeface="Helvetica Neue"/>
-              <a:buChar char="•"/>
-            </a:pPr>
-            <a:r>
-              <a:rPr lang="en-US" sz="9600">
+              <a:defRPr sz="9600">
                 <a:solidFill>
                   <a:srgbClr val="FFFFFF"/>
                 </a:solidFill>
-              </a:rPr>
+              </a:defRPr>
+            </a:pPr>
+            <a:r>
               <a:t>19. století: pařížské kabarety</a:t>
             </a:r>
-            <a:endParaRPr/>
-          </a:p>
-          <a:p>
-            <a:pPr indent="-1219200" lvl="0" marL="1219200" rtl="0" algn="l">
-              <a:lnSpc>
-                <a:spcPct val="90000"/>
-              </a:lnSpc>
+          </a:p>
+          <a:p>
+            <a:pPr marL="1219200" indent="-1219200" defTabSz="1950671">
               <a:spcBef>
                 <a:spcPts val="3600"/>
               </a:spcBef>
-              <a:spcAft>
-                <a:spcPts val="0"/>
-              </a:spcAft>
-              <a:buClr>
-                <a:srgbClr val="FFFFFF"/>
-              </a:buClr>
-              <a:buSzPts val="11808"/>
-              <a:buFont typeface="Helvetica Neue"/>
-              <a:buChar char="•"/>
-            </a:pPr>
-            <a:r>
-              <a:rPr lang="en-US" sz="9600">
+              <a:defRPr sz="9600">
                 <a:solidFill>
                   <a:srgbClr val="FFFFFF"/>
                 </a:solidFill>
-              </a:rPr>
+              </a:defRPr>
+            </a:pPr>
+            <a:r>
               <a:t>Rozkvět: polovina 20. století </a:t>
             </a:r>
-            <a:endParaRPr/>
-          </a:p>
-          <a:p>
-            <a:pPr indent="-1219200" lvl="0" marL="1219200" rtl="0" algn="l">
-              <a:lnSpc>
-                <a:spcPct val="90000"/>
-              </a:lnSpc>
+          </a:p>
+          <a:p>
+            <a:pPr marL="1219200" indent="-1219200" defTabSz="1950671">
               <a:spcBef>
                 <a:spcPts val="3600"/>
               </a:spcBef>
-              <a:spcAft>
-                <a:spcPts val="0"/>
-              </a:spcAft>
-              <a:buClr>
-                <a:srgbClr val="FFFFFF"/>
-              </a:buClr>
-              <a:buSzPts val="11808"/>
-              <a:buFont typeface="Helvetica Neue"/>
-              <a:buChar char="•"/>
-            </a:pPr>
-            <a:r>
-              <a:rPr lang="en-US" sz="9600">
+              <a:defRPr sz="5120">
                 <a:solidFill>
                   <a:srgbClr val="FFFFFF"/>
                 </a:solidFill>
-              </a:rPr>
-              <a:t>Původně ,,píseň ulice’’</a:t>
-            </a:r>
-            <a:endParaRPr>
-              <a:solidFill>
-                <a:srgbClr val="FFFFFF"/>
-              </a:solidFill>
-            </a:endParaRPr>
-          </a:p>
-        </p:txBody>
-      </p:sp>
-      <p:sp>
-        <p:nvSpPr>
-          <p:cNvPr id="212" name="Google Shape;212;p2"/>
+              </a:defRPr>
+            </a:pPr>
+            <a:r>
+              <a:rPr sz="9600"/>
+              <a:t>Původně ,,píseň ulice</a:t>
+            </a:r>
+            <a:r>
+              <a:t>”</a:t>
+            </a:r>
+          </a:p>
+        </p:txBody>
+      </p:sp>
+      <p:sp>
+        <p:nvSpPr>
+          <p:cNvPr id="179" name="HISTORIE A PŮVOD"/>
           <p:cNvSpPr txBox="1"/>
           <p:nvPr>
             <p:ph type="title"/>
@@ -4683,48 +4565,28 @@
         <p:spPr>
           <a:xfrm>
             <a:off x="1206500" y="1079500"/>
-            <a:ext cx="11466900" cy="1682700"/>
+            <a:ext cx="11466991" cy="1682819"/>
           </a:xfrm>
           <a:prstGeom prst="rect">
             <a:avLst/>
           </a:prstGeom>
-          <a:noFill/>
-          <a:ln>
-            <a:noFill/>
-          </a:ln>
-        </p:spPr>
-        <p:txBody>
-          <a:bodyPr anchorCtr="0" anchor="t" bIns="50800" lIns="50800" spcFirstLastPara="1" rIns="50800" wrap="square" tIns="50800">
-            <a:normAutofit/>
-          </a:bodyPr>
-          <a:lstStyle/>
-          <a:p>
-            <a:pPr indent="0" lvl="0" marL="0" marR="0" rtl="0" algn="l">
-              <a:lnSpc>
-                <a:spcPct val="80000"/>
-              </a:lnSpc>
-              <a:spcBef>
-                <a:spcPts val="0"/>
-              </a:spcBef>
-              <a:spcAft>
-                <a:spcPts val="0"/>
-              </a:spcAft>
-              <a:buClr>
-                <a:srgbClr val="FFFFFF"/>
-              </a:buClr>
-              <a:buSzPts val="9660"/>
-              <a:buFont typeface="Helvetica Neue"/>
-              <a:buNone/>
-            </a:pPr>
-            <a:r>
-              <a:rPr lang="en-US" sz="9660" u="sng">
+        </p:spPr>
+        <p:txBody>
+          <a:bodyPr/>
+          <a:lstStyle>
+            <a:lvl1pPr defTabSz="1682453">
+              <a:defRPr spc="-193" sz="9660" u="sng">
                 <a:solidFill>
                   <a:srgbClr val="FFFFFF"/>
                 </a:solidFill>
-              </a:rPr>
+              </a:defRPr>
+            </a:lvl1pPr>
+          </a:lstStyle>
+          <a:p>
+            <a:pPr/>
+            <a:r>
               <a:t>HISTORIE A PŮVOD</a:t>
             </a:r>
-            <a:endParaRPr/>
           </a:p>
         </p:txBody>
       </p:sp>
@@ -4733,6 +4595,7 @@
   <p:clrMapOvr>
     <a:masterClrMapping/>
   </p:clrMapOvr>
+  <p:transition xmlns:p14="http://schemas.microsoft.com/office/powerpoint/2010/main" spd="med" advClick="1"/>
 </p:sld>
 </file>
 
@@ -5047,16 +4910,22 @@
 </file>
 
 <file path=ppt/slides/slide6.xml><?xml version="1.0" encoding="utf-8"?>
-<p:sld xmlns:a="http://schemas.openxmlformats.org/drawingml/2006/main" xmlns:r="http://schemas.openxmlformats.org/officeDocument/2006/relationships" xmlns:mc="http://schemas.openxmlformats.org/markup-compatibility/2006" xmlns:mv="urn:schemas-microsoft-com:mac:vml" xmlns:p="http://schemas.openxmlformats.org/presentationml/2006/main" xmlns:c="http://schemas.openxmlformats.org/drawingml/2006/chart" xmlns:dgm="http://schemas.openxmlformats.org/drawingml/2006/diagram" xmlns:o="urn:schemas-microsoft-com:office:office" xmlns:v="urn:schemas-microsoft-com:vml" xmlns:pvml="urn:schemas-microsoft-com:office:powerpoint" xmlns:com="http://schemas.openxmlformats.org/drawingml/2006/compatibility" xmlns:p14="http://schemas.microsoft.com/office/powerpoint/2010/main" xmlns:p15="http://schemas.microsoft.com/office/powerpoint/2012/main" xmlns:ahyp="http://schemas.microsoft.com/office/drawing/2018/hyperlinkcolor">
+<p:sld xmlns:a="http://schemas.openxmlformats.org/drawingml/2006/main" xmlns:r="http://schemas.openxmlformats.org/officeDocument/2006/relationships" xmlns:p="http://schemas.openxmlformats.org/presentationml/2006/main" xmlns:m="http://schemas.openxmlformats.org/officeDocument/2006/math" xmlns:a14="http://schemas.microsoft.com/office/drawing/2010/main" showMasterSp="1" showMasterPhAnim="1">
   <p:cSld>
     <p:bg>
       <p:bgPr>
-        <a:noFill/>
+        <a:blipFill rotWithShape="1">
+          <a:blip r:embed="rId2"/>
+          <a:srcRect l="0" t="0" r="0" b="0"/>
+          <a:stretch>
+            <a:fillRect/>
+          </a:stretch>
+        </a:blipFill>
       </p:bgPr>
     </p:bg>
     <p:spTree>
       <p:nvGrpSpPr>
-        <p:cNvPr id="213" name="Shape 213"/>
+        <p:cNvPr id="1" name=""/>
         <p:cNvGrpSpPr/>
         <p:nvPr/>
       </p:nvGrpSpPr>
@@ -5070,147 +4939,89 @@
       </p:grpSpPr>
       <p:sp>
         <p:nvSpPr>
-          <p:cNvPr id="214" name="Google Shape;214;p3"/>
+          <p:cNvPr id="187" name="Ikona žánru, přezdívka vrabčák…"/>
           <p:cNvSpPr txBox="1"/>
           <p:nvPr>
-            <p:ph idx="1" type="body"/>
+            <p:ph type="body" sz="half" idx="1"/>
           </p:nvPr>
         </p:nvSpPr>
         <p:spPr>
           <a:xfrm>
             <a:off x="1206499" y="4248504"/>
-            <a:ext cx="14865000" cy="8256600"/>
+            <a:ext cx="14864989" cy="8256630"/>
           </a:xfrm>
           <a:prstGeom prst="rect">
             <a:avLst/>
           </a:prstGeom>
-          <a:noFill/>
-          <a:ln>
-            <a:noFill/>
-          </a:ln>
-        </p:spPr>
-        <p:txBody>
-          <a:bodyPr anchorCtr="0" anchor="t" bIns="50800" lIns="50800" spcFirstLastPara="1" rIns="50800" wrap="square" tIns="50800">
-            <a:normAutofit/>
-          </a:bodyPr>
+        </p:spPr>
+        <p:txBody>
+          <a:bodyPr/>
           <a:lstStyle/>
           <a:p>
-            <a:pPr indent="-914400" lvl="0" marL="914400" rtl="0" algn="l">
-              <a:lnSpc>
-                <a:spcPct val="90000"/>
-              </a:lnSpc>
+            <a:pPr marL="914400" indent="-914400" defTabSz="1463003">
               <a:spcBef>
-                <a:spcPts val="0"/>
+                <a:spcPts val="2700"/>
               </a:spcBef>
-              <a:spcAft>
-                <a:spcPts val="0"/>
-              </a:spcAft>
-              <a:buClr>
-                <a:srgbClr val="FFFFFF"/>
-              </a:buClr>
-              <a:buSzPts val="8856"/>
-              <a:buFont typeface="Helvetica Neue"/>
-              <a:buChar char="•"/>
-            </a:pPr>
-            <a:r>
-              <a:rPr lang="en-US" sz="7200">
+              <a:defRPr sz="7200">
                 <a:solidFill>
                   <a:srgbClr val="FFFFFF"/>
                 </a:solidFill>
-              </a:rPr>
+              </a:defRPr>
+            </a:pPr>
+            <a:r>
               <a:t>Ikona žánru, přezdívka vrabčák</a:t>
             </a:r>
-            <a:endParaRPr/>
-          </a:p>
-          <a:p>
-            <a:pPr indent="-914400" lvl="0" marL="914400" rtl="0" algn="l">
-              <a:lnSpc>
-                <a:spcPct val="90000"/>
-              </a:lnSpc>
+          </a:p>
+          <a:p>
+            <a:pPr marL="914400" indent="-914400" defTabSz="1463003">
               <a:spcBef>
                 <a:spcPts val="2700"/>
               </a:spcBef>
-              <a:spcAft>
-                <a:spcPts val="0"/>
-              </a:spcAft>
-              <a:buClr>
-                <a:srgbClr val="FFFFFF"/>
-              </a:buClr>
-              <a:buSzPts val="8856"/>
-              <a:buFont typeface="Helvetica Neue"/>
-              <a:buChar char="•"/>
-            </a:pPr>
-            <a:r>
-              <a:rPr lang="en-US" sz="7200">
+              <a:defRPr sz="7200">
                 <a:solidFill>
                   <a:srgbClr val="FFFFFF"/>
                 </a:solidFill>
-              </a:rPr>
+              </a:defRPr>
+            </a:pPr>
+            <a:r>
               <a:t>Symbol francouzské kultury</a:t>
             </a:r>
-            <a:endParaRPr/>
-          </a:p>
-          <a:p>
-            <a:pPr indent="-914400" lvl="0" marL="914400" rtl="0" algn="l">
-              <a:lnSpc>
-                <a:spcPct val="90000"/>
-              </a:lnSpc>
+          </a:p>
+          <a:p>
+            <a:pPr marL="914400" indent="-914400" defTabSz="1463003">
               <a:spcBef>
                 <a:spcPts val="2700"/>
               </a:spcBef>
-              <a:spcAft>
-                <a:spcPts val="0"/>
-              </a:spcAft>
-              <a:buClr>
-                <a:srgbClr val="FFFFFF"/>
-              </a:buClr>
-              <a:buSzPts val="8856"/>
-              <a:buFont typeface="Helvetica Neue"/>
-              <a:buChar char="•"/>
-            </a:pPr>
-            <a:r>
-              <a:rPr lang="en-US" sz="7200">
+              <a:defRPr sz="7200">
                 <a:solidFill>
                   <a:srgbClr val="FFFFFF"/>
                 </a:solidFill>
-              </a:rPr>
+              </a:defRPr>
+            </a:pPr>
+            <a:r>
               <a:t>Drsný osud (ulice, chudoba)</a:t>
             </a:r>
-            <a:endParaRPr/>
-          </a:p>
-          <a:p>
-            <a:pPr indent="-914400" lvl="0" marL="914400" rtl="0" algn="l">
-              <a:lnSpc>
-                <a:spcPct val="90000"/>
-              </a:lnSpc>
+          </a:p>
+          <a:p>
+            <a:pPr marL="914400" indent="-914400" defTabSz="1463003">
               <a:spcBef>
                 <a:spcPts val="2700"/>
               </a:spcBef>
-              <a:spcAft>
-                <a:spcPts val="0"/>
-              </a:spcAft>
-              <a:buClr>
-                <a:srgbClr val="FFFFFF"/>
-              </a:buClr>
-              <a:buSzPts val="8856"/>
-              <a:buFont typeface="Helvetica Neue"/>
-              <a:buChar char="•"/>
-            </a:pPr>
-            <a:r>
-              <a:rPr lang="en-US" sz="7200">
+              <a:defRPr sz="7200">
                 <a:solidFill>
                   <a:srgbClr val="FFFFFF"/>
                 </a:solidFill>
-              </a:rPr>
+              </a:defRPr>
+            </a:pPr>
+            <a:r>
               <a:t>Nejslavnější hity: Non, je ne regrette rien (Ničeho nelituj), La Vie en rose (Život v růžovém), Padam…</a:t>
             </a:r>
-            <a:endParaRPr/>
-          </a:p>
-        </p:txBody>
-      </p:sp>
-      <p:sp>
-        <p:nvSpPr>
-          <p:cNvPr id="215" name="Google Shape;215;p3"/>
+          </a:p>
+        </p:txBody>
+      </p:sp>
+      <p:sp>
+        <p:nvSpPr>
+          <p:cNvPr id="188" name="EDITH PIAF (1915-1963)"/>
           <p:cNvSpPr txBox="1"/>
           <p:nvPr>
             <p:ph type="title"/>
@@ -5219,66 +5030,47 @@
         <p:spPr>
           <a:xfrm>
             <a:off x="1130871" y="1155128"/>
-            <a:ext cx="14236500" cy="2089200"/>
+            <a:ext cx="14236619" cy="2089271"/>
           </a:xfrm>
           <a:prstGeom prst="rect">
             <a:avLst/>
           </a:prstGeom>
-          <a:noFill/>
-          <a:ln>
-            <a:noFill/>
-          </a:ln>
-        </p:spPr>
-        <p:txBody>
-          <a:bodyPr anchorCtr="0" anchor="t" bIns="50800" lIns="50800" spcFirstLastPara="1" rIns="50800" wrap="square" tIns="50800">
-            <a:normAutofit fontScale="90000"/>
-          </a:bodyPr>
-          <a:lstStyle/>
-          <a:p>
-            <a:pPr indent="0" lvl="0" marL="0" marR="0" rtl="0" algn="l">
-              <a:lnSpc>
-                <a:spcPct val="80000"/>
-              </a:lnSpc>
-              <a:spcBef>
-                <a:spcPts val="0"/>
-              </a:spcBef>
-              <a:spcAft>
-                <a:spcPts val="0"/>
-              </a:spcAft>
-              <a:buClr>
-                <a:srgbClr val="FFFFFF"/>
-              </a:buClr>
-              <a:buSzPct val="100000"/>
-              <a:buFont typeface="Helvetica Neue"/>
-              <a:buNone/>
-            </a:pPr>
-            <a:r>
-              <a:rPr lang="en-US" sz="10220" u="sng">
+        </p:spPr>
+        <p:txBody>
+          <a:bodyPr/>
+          <a:lstStyle>
+            <a:lvl1pPr defTabSz="1779987">
+              <a:defRPr spc="-204" sz="10220" u="sng">
                 <a:solidFill>
                   <a:srgbClr val="FFFFFF"/>
                 </a:solidFill>
-              </a:rPr>
-              <a:t>EDITH PIAF </a:t>
-            </a:r>
-            <a:r>
-              <a:rPr lang="en-US" sz="10220">
-                <a:solidFill>
-                  <a:srgbClr val="FFFFFF"/>
-                </a:solidFill>
-              </a:rPr>
-              <a:t>(1915-1963)</a:t>
-            </a:r>
-            <a:endParaRPr/>
+              </a:defRPr>
+            </a:lvl1pPr>
+          </a:lstStyle>
+          <a:p>
+            <a:pPr/>
+            <a:r>
+              <a:t>EDITH PIAF (1915-1963)</a:t>
+            </a:r>
           </a:p>
         </p:txBody>
       </p:sp>
       <p:pic>
         <p:nvPicPr>
-          <p:cNvPr descr="Unknown (2).jpg" id="216" name="Google Shape;216;p3"/>
-          <p:cNvPicPr preferRelativeResize="0"/>
+          <p:cNvPr id="189" name="Unknown (2).jpg" descr="Unknown (2).jpg"/>
+          <p:cNvPicPr>
+            <a:picLocks noChangeAspect="1"/>
+          </p:cNvPicPr>
           <p:nvPr/>
         </p:nvPicPr>
-        <p:blipFill/>
+        <p:blipFill>
+          <a:blip r:embed="rId3">
+            <a:extLst/>
+          </a:blip>
+          <a:stretch>
+            <a:fillRect/>
+          </a:stretch>
+        </p:blipFill>
         <p:spPr>
           <a:xfrm>
             <a:off x="15644196" y="2027074"/>
@@ -5287,67 +5079,52 @@
           <a:prstGeom prst="rect">
             <a:avLst/>
           </a:prstGeom>
-          <a:noFill/>
-          <a:ln>
-            <a:noFill/>
+          <a:ln w="12700">
+            <a:miter lim="400000"/>
           </a:ln>
         </p:spPr>
       </p:pic>
       <p:sp>
         <p:nvSpPr>
-          <p:cNvPr id="217" name="Google Shape;217;p3"/>
+          <p:cNvPr id="190" name="Zdroj: https://cz.pinterest.com/pin/52987733113835278/"/>
           <p:cNvSpPr txBox="1"/>
           <p:nvPr/>
         </p:nvSpPr>
         <p:spPr>
           <a:xfrm>
             <a:off x="14982358" y="12190978"/>
-            <a:ext cx="9607800" cy="1461600"/>
+            <a:ext cx="9607683" cy="1461649"/>
           </a:xfrm>
           <a:prstGeom prst="rect">
             <a:avLst/>
           </a:prstGeom>
-          <a:noFill/>
-          <a:ln>
-            <a:noFill/>
+          <a:ln w="12700">
+            <a:miter lim="400000"/>
           </a:ln>
-        </p:spPr>
-        <p:txBody>
-          <a:bodyPr anchorCtr="0" anchor="ctr" bIns="50800" lIns="50800" spcFirstLastPara="1" rIns="50800" wrap="square" tIns="50800">
+          <a:extLst>
+            <a:ext uri="{C572A759-6A51-4108-AA02-DFA0A04FC94B}">
+              <ma14:wrappingTextBoxFlag xmlns:ma14="http://schemas.microsoft.com/office/mac/drawingml/2011/main" val="1"/>
+            </a:ext>
+          </a:extLst>
+        </p:spPr>
+        <p:txBody>
+          <a:bodyPr lIns="50800" tIns="50800" rIns="50800" bIns="50800" anchor="ctr">
             <a:spAutoFit/>
           </a:bodyPr>
-          <a:lstStyle/>
-          <a:p>
-            <a:pPr indent="0" lvl="0" marL="0" marR="0" rtl="0" algn="l">
-              <a:lnSpc>
-                <a:spcPct val="90000"/>
-              </a:lnSpc>
-              <a:spcBef>
-                <a:spcPts val="0"/>
-              </a:spcBef>
-              <a:spcAft>
-                <a:spcPts val="0"/>
-              </a:spcAft>
-              <a:buClr>
-                <a:srgbClr val="FFFFFF"/>
-              </a:buClr>
-              <a:buSzPts val="4800"/>
-              <a:buFont typeface="Helvetica Neue"/>
-              <a:buNone/>
-            </a:pPr>
-            <a:r>
-              <a:rPr b="0" i="0" lang="en-US" sz="4800" u="none" cap="none" strike="noStrike">
+          <a:lstStyle>
+            <a:lvl1pPr>
+              <a:defRPr>
                 <a:solidFill>
                   <a:srgbClr val="FFFFFF"/>
                 </a:solidFill>
-                <a:latin typeface="Helvetica Neue"/>
-                <a:ea typeface="Helvetica Neue"/>
-                <a:cs typeface="Helvetica Neue"/>
-                <a:sym typeface="Helvetica Neue"/>
-              </a:rPr>
+              </a:defRPr>
+            </a:lvl1pPr>
+          </a:lstStyle>
+          <a:p>
+            <a:pPr/>
+            <a:r>
               <a:t>Zdroj: https://cz.pinterest.com/pin/52987733113835278/</a:t>
             </a:r>
-            <a:endParaRPr/>
           </a:p>
         </p:txBody>
       </p:sp>
@@ -5356,20 +5133,27 @@
   <p:clrMapOvr>
     <a:masterClrMapping/>
   </p:clrMapOvr>
+  <p:transition xmlns:p14="http://schemas.microsoft.com/office/powerpoint/2010/main" spd="med" advClick="1"/>
 </p:sld>
 </file>
 
 <file path=ppt/slides/slide7.xml><?xml version="1.0" encoding="utf-8"?>
-<p:sld xmlns:a="http://schemas.openxmlformats.org/drawingml/2006/main" xmlns:r="http://schemas.openxmlformats.org/officeDocument/2006/relationships" xmlns:mc="http://schemas.openxmlformats.org/markup-compatibility/2006" xmlns:mv="urn:schemas-microsoft-com:mac:vml" xmlns:p="http://schemas.openxmlformats.org/presentationml/2006/main" xmlns:c="http://schemas.openxmlformats.org/drawingml/2006/chart" xmlns:dgm="http://schemas.openxmlformats.org/drawingml/2006/diagram" xmlns:o="urn:schemas-microsoft-com:office:office" xmlns:v="urn:schemas-microsoft-com:vml" xmlns:pvml="urn:schemas-microsoft-com:office:powerpoint" xmlns:com="http://schemas.openxmlformats.org/drawingml/2006/compatibility" xmlns:p14="http://schemas.microsoft.com/office/powerpoint/2010/main" xmlns:p15="http://schemas.microsoft.com/office/powerpoint/2012/main" xmlns:ahyp="http://schemas.microsoft.com/office/drawing/2018/hyperlinkcolor">
+<p:sld xmlns:a="http://schemas.openxmlformats.org/drawingml/2006/main" xmlns:r="http://schemas.openxmlformats.org/officeDocument/2006/relationships" xmlns:p="http://schemas.openxmlformats.org/presentationml/2006/main" xmlns:m="http://schemas.openxmlformats.org/officeDocument/2006/math" xmlns:a14="http://schemas.microsoft.com/office/drawing/2010/main" showMasterSp="1" showMasterPhAnim="1">
   <p:cSld>
     <p:bg>
       <p:bgPr>
-        <a:noFill/>
+        <a:blipFill rotWithShape="1">
+          <a:blip r:embed="rId2"/>
+          <a:srcRect l="0" t="0" r="0" b="0"/>
+          <a:stretch>
+            <a:fillRect/>
+          </a:stretch>
+        </a:blipFill>
       </p:bgPr>
     </p:bg>
     <p:spTree>
       <p:nvGrpSpPr>
-        <p:cNvPr id="218" name="Shape 218"/>
+        <p:cNvPr id="1" name=""/>
         <p:cNvGrpSpPr/>
         <p:nvPr/>
       </p:nvGrpSpPr>
@@ -5383,119 +5167,74 @@
       </p:grpSpPr>
       <p:sp>
         <p:nvSpPr>
-          <p:cNvPr id="219" name="Google Shape;219;p4"/>
+          <p:cNvPr id="192" name="Charles Aznavour - La Bohème…"/>
           <p:cNvSpPr txBox="1"/>
           <p:nvPr>
-            <p:ph idx="1" type="body"/>
+            <p:ph type="body" sz="half" idx="1"/>
           </p:nvPr>
         </p:nvSpPr>
         <p:spPr>
           <a:xfrm>
             <a:off x="1206500" y="3870364"/>
-            <a:ext cx="15885900" cy="8256600"/>
+            <a:ext cx="15885967" cy="8256630"/>
           </a:xfrm>
           <a:prstGeom prst="rect">
             <a:avLst/>
           </a:prstGeom>
-          <a:noFill/>
-          <a:ln>
-            <a:noFill/>
-          </a:ln>
-        </p:spPr>
-        <p:txBody>
-          <a:bodyPr anchorCtr="0" anchor="t" bIns="50800" lIns="50800" spcFirstLastPara="1" rIns="50800" wrap="square" tIns="50800">
-            <a:normAutofit/>
-          </a:bodyPr>
+        </p:spPr>
+        <p:txBody>
+          <a:bodyPr/>
           <a:lstStyle/>
           <a:p>
-            <a:pPr indent="-1203960" lvl="0" marL="1203960" rtl="0" algn="l">
-              <a:lnSpc>
-                <a:spcPct val="90000"/>
-              </a:lnSpc>
+            <a:pPr marL="1203960" indent="-1203960" defTabSz="1926287">
               <a:spcBef>
-                <a:spcPts val="0"/>
+                <a:spcPts val="3500"/>
               </a:spcBef>
-              <a:spcAft>
-                <a:spcPts val="0"/>
-              </a:spcAft>
-              <a:buClr>
-                <a:srgbClr val="FFFFFF"/>
-              </a:buClr>
-              <a:buSzPts val="11660"/>
-              <a:buFont typeface="Helvetica Neue"/>
-              <a:buChar char="•"/>
-            </a:pPr>
-            <a:r>
-              <a:rPr lang="en-US" sz="9480">
+              <a:defRPr sz="9480">
                 <a:solidFill>
                   <a:srgbClr val="FFFFFF"/>
                 </a:solidFill>
-              </a:rPr>
+              </a:defRPr>
+            </a:pPr>
+            <a:r>
               <a:t>Charles Aznavour - La Bohème</a:t>
             </a:r>
-            <a:endParaRPr/>
-          </a:p>
-          <a:p>
-            <a:pPr indent="-1203960" lvl="0" marL="1203960" rtl="0" algn="l">
-              <a:lnSpc>
-                <a:spcPct val="90000"/>
-              </a:lnSpc>
+          </a:p>
+          <a:p>
+            <a:pPr marL="1203960" indent="-1203960" defTabSz="1926287">
               <a:spcBef>
                 <a:spcPts val="3500"/>
               </a:spcBef>
-              <a:spcAft>
-                <a:spcPts val="0"/>
-              </a:spcAft>
-              <a:buClr>
-                <a:srgbClr val="FFFFFF"/>
-              </a:buClr>
-              <a:buSzPts val="11660"/>
-              <a:buFont typeface="Helvetica Neue"/>
-              <a:buChar char="•"/>
-            </a:pPr>
-            <a:r>
-              <a:rPr lang="en-US" sz="9480">
+              <a:defRPr sz="9480">
                 <a:solidFill>
                   <a:srgbClr val="FFFFFF"/>
                 </a:solidFill>
-              </a:rPr>
+              </a:defRPr>
+            </a:pPr>
+            <a:r>
               <a:t>Jacques Brel - Ne me quitte pas (Neopouštěj mě)</a:t>
             </a:r>
-            <a:endParaRPr/>
-          </a:p>
-          <a:p>
-            <a:pPr indent="-1203960" lvl="0" marL="1203960" rtl="0" algn="l">
-              <a:lnSpc>
-                <a:spcPct val="90000"/>
-              </a:lnSpc>
+          </a:p>
+          <a:p>
+            <a:pPr marL="1203960" indent="-1203960" defTabSz="1926287">
               <a:spcBef>
                 <a:spcPts val="3500"/>
               </a:spcBef>
-              <a:spcAft>
-                <a:spcPts val="0"/>
-              </a:spcAft>
-              <a:buClr>
-                <a:srgbClr val="FFFFFF"/>
-              </a:buClr>
-              <a:buSzPts val="11660"/>
-              <a:buFont typeface="Helvetica Neue"/>
-              <a:buChar char="•"/>
-            </a:pPr>
-            <a:r>
-              <a:rPr lang="en-US" sz="9480">
+              <a:defRPr sz="9480">
                 <a:solidFill>
                   <a:srgbClr val="FFFFFF"/>
                 </a:solidFill>
-              </a:rPr>
+              </a:defRPr>
+            </a:pPr>
+            <a:r>
               <a:t>Gilbert Bècaud - Nathalie</a:t>
             </a:r>
-            <a:endParaRPr/>
-          </a:p>
-        </p:txBody>
-      </p:sp>
-      <p:sp>
-        <p:nvSpPr>
-          <p:cNvPr id="220" name="Google Shape;220;p4"/>
+          </a:p>
+        </p:txBody>
+      </p:sp>
+      <p:sp>
+        <p:nvSpPr>
+          <p:cNvPr id="193" name="DALŠÍ SVĚTOVÍ ŠANSONIÉŘI"/>
           <p:cNvSpPr txBox="1"/>
           <p:nvPr>
             <p:ph type="title"/>
@@ -5503,67 +5242,64 @@
         </p:nvSpPr>
         <p:spPr>
           <a:xfrm>
-            <a:off x="1698075" y="646124"/>
-            <a:ext cx="14300700" cy="2493300"/>
+            <a:off x="1698082" y="444923"/>
+            <a:ext cx="14300545" cy="2694464"/>
           </a:xfrm>
           <a:prstGeom prst="rect">
             <a:avLst/>
           </a:prstGeom>
-          <a:noFill/>
-          <a:ln>
-            <a:noFill/>
-          </a:ln>
-        </p:spPr>
-        <p:txBody>
-          <a:bodyPr anchorCtr="0" anchor="t" bIns="50800" lIns="50800" spcFirstLastPara="1" rIns="50800" wrap="square" tIns="50800">
-            <a:normAutofit/>
-          </a:bodyPr>
-          <a:lstStyle/>
-          <a:p>
-            <a:pPr indent="0" lvl="0" marL="0" marR="0" rtl="0" algn="l">
-              <a:lnSpc>
-                <a:spcPct val="80000"/>
-              </a:lnSpc>
-              <a:spcBef>
-                <a:spcPts val="0"/>
-              </a:spcBef>
-              <a:spcAft>
-                <a:spcPts val="0"/>
-              </a:spcAft>
-              <a:buClr>
-                <a:srgbClr val="FFFFFF"/>
-              </a:buClr>
-              <a:buSzPts val="9360"/>
-              <a:buFont typeface="Helvetica Neue"/>
-              <a:buNone/>
-            </a:pPr>
-            <a:r>
-              <a:rPr lang="en-US" sz="9360" u="sng">
+        </p:spPr>
+        <p:txBody>
+          <a:bodyPr/>
+          <a:lstStyle>
+            <a:lvl1pPr defTabSz="1901904">
+              <a:defRPr spc="-187" sz="9360">
                 <a:solidFill>
                   <a:srgbClr val="FFFFFF"/>
                 </a:solidFill>
-              </a:rPr>
+              </a:defRPr>
+            </a:lvl1pPr>
+          </a:lstStyle>
+          <a:p>
+            <a:pPr/>
+            <a:r>
               <a:t>DALŠÍ SVĚTOVÍ ŠANSONIÉŘI</a:t>
             </a:r>
-            <a:endParaRPr u="sng"/>
-          </a:p>
-        </p:txBody>
-      </p:sp>
-      <p:sp>
-        <p:nvSpPr>
-          <p:cNvPr id="221" name="Google Shape;221;p4"/>
+          </a:p>
+        </p:txBody>
+      </p:sp>
+      <p:sp>
+        <p:nvSpPr>
+          <p:cNvPr id="194" name="Kresba"/>
           <p:cNvSpPr/>
           <p:nvPr/>
         </p:nvSpPr>
         <p:spPr>
           <a:xfrm>
             <a:off x="15474596" y="-6935866"/>
-            <a:ext cx="558550" cy="791109"/>
+            <a:ext cx="558555" cy="791087"/>
           </a:xfrm>
           <a:custGeom>
-            <a:rect b="b" l="l" r="r" t="t"/>
+            <a:avLst/>
+            <a:gdLst/>
+            <a:ahLst/>
+            <a:cxnLst>
+              <a:cxn ang="0">
+                <a:pos x="wd2" y="hd2"/>
+              </a:cxn>
+              <a:cxn ang="5400000">
+                <a:pos x="wd2" y="hd2"/>
+              </a:cxn>
+              <a:cxn ang="10800000">
+                <a:pos x="wd2" y="hd2"/>
+              </a:cxn>
+              <a:cxn ang="16200000">
+                <a:pos x="wd2" y="hd2"/>
+              </a:cxn>
+            </a:cxnLst>
+            <a:rect l="0" t="0" r="r" b="b"/>
             <a:pathLst>
-              <a:path extrusionOk="0" h="21518" w="21270">
+              <a:path w="21270" h="21518" fill="norm" stroke="1" extrusionOk="0">
                 <a:moveTo>
                   <a:pt x="6150" y="21518"/>
                 </a:moveTo>
@@ -5594,45 +5330,28 @@
           <a:solidFill>
             <a:srgbClr val="FCD02F"/>
           </a:solidFill>
-          <a:ln>
-            <a:noFill/>
+          <a:ln w="12700">
+            <a:miter lim="400000"/>
           </a:ln>
         </p:spPr>
         <p:txBody>
-          <a:bodyPr anchorCtr="0" anchor="t" bIns="0" lIns="0" spcFirstLastPara="1" rIns="0" wrap="square" tIns="0">
-            <a:noAutofit/>
-          </a:bodyPr>
+          <a:bodyPr lIns="0" tIns="0" rIns="0" bIns="0"/>
           <a:lstStyle/>
           <a:p>
-            <a:pPr indent="0" lvl="0" marL="0" marR="0" rtl="0" algn="l">
+            <a:pPr defTabSz="457200">
               <a:lnSpc>
                 <a:spcPct val="100000"/>
               </a:lnSpc>
               <a:spcBef>
                 <a:spcPts val="0"/>
               </a:spcBef>
-              <a:spcAft>
-                <a:spcPts val="0"/>
-              </a:spcAft>
-              <a:buClr>
-                <a:srgbClr val="000000"/>
-              </a:buClr>
-              <a:buSzPts val="1200"/>
-              <a:buFont typeface="Helvetica Neue"/>
-              <a:buNone/>
+              <a:defRPr sz="1200">
+                <a:latin typeface="Helvetica"/>
+                <a:ea typeface="Helvetica"/>
+                <a:cs typeface="Helvetica"/>
+                <a:sym typeface="Helvetica"/>
+              </a:defRPr>
             </a:pPr>
-            <a:r>
-              <a:t/>
-            </a:r>
-            <a:endParaRPr b="0" i="0" sz="1200" u="none" cap="none" strike="noStrike">
-              <a:solidFill>
-                <a:srgbClr val="000000"/>
-              </a:solidFill>
-              <a:latin typeface="Helvetica Neue"/>
-              <a:ea typeface="Helvetica Neue"/>
-              <a:cs typeface="Helvetica Neue"/>
-              <a:sym typeface="Helvetica Neue"/>
-            </a:endParaRPr>
           </a:p>
         </p:txBody>
       </p:sp>
@@ -5641,20 +5360,27 @@
   <p:clrMapOvr>
     <a:masterClrMapping/>
   </p:clrMapOvr>
+  <p:transition xmlns:p14="http://schemas.microsoft.com/office/powerpoint/2010/main" spd="med" advClick="1"/>
 </p:sld>
 </file>
 
 <file path=ppt/slides/slide8.xml><?xml version="1.0" encoding="utf-8"?>
-<p:sld xmlns:a="http://schemas.openxmlformats.org/drawingml/2006/main" xmlns:r="http://schemas.openxmlformats.org/officeDocument/2006/relationships" xmlns:mc="http://schemas.openxmlformats.org/markup-compatibility/2006" xmlns:mv="urn:schemas-microsoft-com:mac:vml" xmlns:p="http://schemas.openxmlformats.org/presentationml/2006/main" xmlns:c="http://schemas.openxmlformats.org/drawingml/2006/chart" xmlns:dgm="http://schemas.openxmlformats.org/drawingml/2006/diagram" xmlns:o="urn:schemas-microsoft-com:office:office" xmlns:v="urn:schemas-microsoft-com:vml" xmlns:pvml="urn:schemas-microsoft-com:office:powerpoint" xmlns:com="http://schemas.openxmlformats.org/drawingml/2006/compatibility" xmlns:p14="http://schemas.microsoft.com/office/powerpoint/2010/main" xmlns:p15="http://schemas.microsoft.com/office/powerpoint/2012/main" xmlns:ahyp="http://schemas.microsoft.com/office/drawing/2018/hyperlinkcolor">
+<p:sld xmlns:a="http://schemas.openxmlformats.org/drawingml/2006/main" xmlns:r="http://schemas.openxmlformats.org/officeDocument/2006/relationships" xmlns:p="http://schemas.openxmlformats.org/presentationml/2006/main" xmlns:m="http://schemas.openxmlformats.org/officeDocument/2006/math" xmlns:a14="http://schemas.microsoft.com/office/drawing/2010/main" showMasterSp="1" showMasterPhAnim="1">
   <p:cSld>
     <p:bg>
       <p:bgPr>
-        <a:noFill/>
+        <a:blipFill rotWithShape="1">
+          <a:blip r:embed="rId2"/>
+          <a:srcRect l="0" t="0" r="0" b="0"/>
+          <a:stretch>
+            <a:fillRect/>
+          </a:stretch>
+        </a:blipFill>
       </p:bgPr>
     </p:bg>
     <p:spTree>
       <p:nvGrpSpPr>
-        <p:cNvPr id="222" name="Shape 222"/>
+        <p:cNvPr id="1" name=""/>
         <p:cNvGrpSpPr/>
         <p:nvPr/>
       </p:nvGrpSpPr>
@@ -5668,147 +5394,89 @@
       </p:grpSpPr>
       <p:sp>
         <p:nvSpPr>
-          <p:cNvPr id="223" name="Google Shape;223;p5"/>
+          <p:cNvPr id="196" name="Královna československého šansonu…"/>
           <p:cNvSpPr txBox="1"/>
           <p:nvPr>
-            <p:ph idx="1" type="body"/>
+            <p:ph type="body" idx="1"/>
           </p:nvPr>
         </p:nvSpPr>
         <p:spPr>
           <a:xfrm>
             <a:off x="1660268" y="4360498"/>
-            <a:ext cx="15146400" cy="9074100"/>
+            <a:ext cx="15146301" cy="9074112"/>
           </a:xfrm>
           <a:prstGeom prst="rect">
             <a:avLst/>
           </a:prstGeom>
-          <a:noFill/>
-          <a:ln>
-            <a:noFill/>
-          </a:ln>
-        </p:spPr>
-        <p:txBody>
-          <a:bodyPr anchorCtr="0" anchor="t" bIns="50800" lIns="50800" spcFirstLastPara="1" rIns="50800" wrap="square" tIns="50800">
-            <a:normAutofit/>
-          </a:bodyPr>
+        </p:spPr>
+        <p:txBody>
+          <a:bodyPr/>
           <a:lstStyle/>
           <a:p>
-            <a:pPr indent="-958596" lvl="0" marL="958596" rtl="0" algn="l">
-              <a:lnSpc>
-                <a:spcPct val="90000"/>
-              </a:lnSpc>
+            <a:pPr marL="958596" indent="-958596" defTabSz="1658070">
               <a:spcBef>
-                <a:spcPts val="0"/>
+                <a:spcPts val="3000"/>
               </a:spcBef>
-              <a:spcAft>
-                <a:spcPts val="0"/>
-              </a:spcAft>
-              <a:buClr>
-                <a:srgbClr val="FFFFFF"/>
-              </a:buClr>
-              <a:buSzPts val="9284"/>
-              <a:buFont typeface="Helvetica Neue"/>
-              <a:buChar char="•"/>
-            </a:pPr>
-            <a:r>
-              <a:rPr lang="en-US" sz="7548">
+              <a:defRPr sz="7548">
                 <a:solidFill>
                   <a:srgbClr val="FFFFFF"/>
                 </a:solidFill>
-              </a:rPr>
+              </a:defRPr>
+            </a:pPr>
+            <a:r>
               <a:t>Královna československého šansonu</a:t>
             </a:r>
-            <a:endParaRPr/>
-          </a:p>
-          <a:p>
-            <a:pPr indent="-958596" lvl="0" marL="958596" rtl="0" algn="l">
-              <a:lnSpc>
-                <a:spcPct val="90000"/>
-              </a:lnSpc>
+          </a:p>
+          <a:p>
+            <a:pPr marL="958596" indent="-958596" defTabSz="1658070">
               <a:spcBef>
                 <a:spcPts val="3000"/>
               </a:spcBef>
-              <a:spcAft>
-                <a:spcPts val="0"/>
-              </a:spcAft>
-              <a:buClr>
-                <a:srgbClr val="FFFFFF"/>
-              </a:buClr>
-              <a:buSzPts val="9284"/>
-              <a:buFont typeface="Helvetica Neue"/>
-              <a:buChar char="•"/>
-            </a:pPr>
-            <a:r>
-              <a:rPr lang="en-US" sz="7548">
+              <a:defRPr sz="7548">
                 <a:solidFill>
                   <a:srgbClr val="FFFFFF"/>
                 </a:solidFill>
-              </a:rPr>
+              </a:defRPr>
+            </a:pPr>
+            <a:r>
               <a:t>Původně herečka - každou píseň prožívala jako divadelní roli</a:t>
             </a:r>
-            <a:endParaRPr/>
-          </a:p>
-          <a:p>
-            <a:pPr indent="-958596" lvl="0" marL="958596" rtl="0" algn="l">
-              <a:lnSpc>
-                <a:spcPct val="90000"/>
-              </a:lnSpc>
+          </a:p>
+          <a:p>
+            <a:pPr marL="958596" indent="-958596" defTabSz="1658070">
               <a:spcBef>
                 <a:spcPts val="3000"/>
               </a:spcBef>
-              <a:spcAft>
-                <a:spcPts val="0"/>
-              </a:spcAft>
-              <a:buClr>
-                <a:srgbClr val="FFFFFF"/>
-              </a:buClr>
-              <a:buSzPts val="9284"/>
-              <a:buFont typeface="Helvetica Neue"/>
-              <a:buChar char="•"/>
-            </a:pPr>
-            <a:r>
-              <a:rPr lang="en-US" sz="7548">
+              <a:defRPr sz="7548">
                 <a:solidFill>
                   <a:srgbClr val="FFFFFF"/>
                 </a:solidFill>
-              </a:rPr>
+              </a:defRPr>
+            </a:pPr>
+            <a:r>
               <a:t>Vystupovala v pařížské Olympii</a:t>
             </a:r>
-            <a:endParaRPr/>
-          </a:p>
-          <a:p>
-            <a:pPr indent="-958596" lvl="0" marL="958596" rtl="0" algn="l">
-              <a:lnSpc>
-                <a:spcPct val="90000"/>
-              </a:lnSpc>
+          </a:p>
+          <a:p>
+            <a:pPr marL="958596" indent="-958596" defTabSz="1658070">
               <a:spcBef>
                 <a:spcPts val="3000"/>
               </a:spcBef>
-              <a:spcAft>
-                <a:spcPts val="0"/>
-              </a:spcAft>
-              <a:buClr>
-                <a:srgbClr val="FFFFFF"/>
-              </a:buClr>
-              <a:buSzPts val="9284"/>
-              <a:buFont typeface="Helvetica Neue"/>
-              <a:buChar char="•"/>
-            </a:pPr>
-            <a:r>
-              <a:rPr lang="en-US" sz="7548">
+              <a:defRPr sz="7548">
                 <a:solidFill>
                   <a:srgbClr val="FFFFFF"/>
                 </a:solidFill>
-              </a:rPr>
+              </a:defRPr>
+            </a:pPr>
+            <a:r>
               <a:t>Největší hity: Čerešně, Potměšilý host, Levandulová</a:t>
             </a:r>
-            <a:endParaRPr/>
-          </a:p>
-        </p:txBody>
-      </p:sp>
-      <p:sp>
-        <p:nvSpPr>
-          <p:cNvPr id="224" name="Google Shape;224;p5"/>
+          </a:p>
+        </p:txBody>
+      </p:sp>
+      <p:sp>
+        <p:nvSpPr>
+          <p:cNvPr id="197" name="HANA HEGEROVÁ (1931-2021)"/>
           <p:cNvSpPr txBox="1"/>
           <p:nvPr>
             <p:ph type="title"/>
@@ -5816,101 +5484,81 @@
         </p:nvSpPr>
         <p:spPr>
           <a:xfrm>
-            <a:off x="2265300" y="1023700"/>
-            <a:ext cx="13257900" cy="2285100"/>
+            <a:off x="2265292" y="701359"/>
+            <a:ext cx="13257893" cy="2607336"/>
           </a:xfrm>
           <a:prstGeom prst="rect">
             <a:avLst/>
           </a:prstGeom>
-          <a:noFill/>
-          <a:ln>
-            <a:noFill/>
-          </a:ln>
-        </p:spPr>
-        <p:txBody>
-          <a:bodyPr anchorCtr="0" anchor="t" bIns="50800" lIns="50800" spcFirstLastPara="1" rIns="50800" wrap="square" tIns="50800">
-            <a:normAutofit/>
-          </a:bodyPr>
+        </p:spPr>
+        <p:txBody>
+          <a:bodyPr/>
           <a:lstStyle/>
           <a:p>
-            <a:pPr indent="0" lvl="0" marL="0" rtl="0" algn="l">
-              <a:lnSpc>
-                <a:spcPct val="80000"/>
-              </a:lnSpc>
-              <a:spcBef>
-                <a:spcPts val="0"/>
-              </a:spcBef>
-              <a:spcAft>
-                <a:spcPts val="0"/>
-              </a:spcAft>
-              <a:buClr>
-                <a:srgbClr val="FFFFFF"/>
-              </a:buClr>
-              <a:buSzPts val="8214"/>
-              <a:buFont typeface="Helvetica Neue"/>
-              <a:buNone/>
-            </a:pPr>
-            <a:r>
-              <a:rPr lang="en-US" sz="8214">
+            <a:pPr defTabSz="1804370">
+              <a:defRPr spc="-125" sz="6290">
                 <a:solidFill>
                   <a:srgbClr val="FFFFFF"/>
                 </a:solidFill>
-              </a:rPr>
+              </a:defRPr>
+            </a:pPr>
+            <a:r>
+              <a:rPr spc="-164" sz="8214"/>
               <a:t> </a:t>
             </a:r>
             <a:r>
-              <a:rPr lang="en-US" sz="8880" u="sng">
-                <a:solidFill>
-                  <a:srgbClr val="FFFFFF"/>
-                </a:solidFill>
-              </a:rPr>
-              <a:t>HANA HEGEROVÁ</a:t>
-            </a:r>
-            <a:r>
-              <a:rPr lang="en-US" sz="8880">
-                <a:solidFill>
-                  <a:srgbClr val="FFFFFF"/>
-                </a:solidFill>
-              </a:rPr>
-              <a:t> (1931-2021)</a:t>
-            </a:r>
-            <a:endParaRPr>
-              <a:solidFill>
-                <a:srgbClr val="FFFFFF"/>
-              </a:solidFill>
-            </a:endParaRPr>
+              <a:rPr spc="-177" sz="8880"/>
+              <a:t>HANA HEGEROVÁ (1931-2021)</a:t>
+            </a:r>
           </a:p>
         </p:txBody>
       </p:sp>
       <p:grpSp>
         <p:nvGrpSpPr>
-          <p:cNvPr id="225" name="Google Shape;225;p5"/>
+          <p:cNvPr id="200" name="Kresba"/>
           <p:cNvGrpSpPr/>
           <p:nvPr/>
         </p:nvGrpSpPr>
         <p:grpSpPr>
           <a:xfrm>
-            <a:off x="17322453" y="14804191"/>
-            <a:ext cx="4012616" cy="7002009"/>
-            <a:chOff x="-1621741" y="-207978"/>
-            <a:chExt cx="4012616" cy="7002009"/>
+            <a:off x="17322453" y="14804192"/>
+            <a:ext cx="4012633" cy="7002025"/>
+            <a:chOff x="-1621740" y="-207977"/>
+            <a:chExt cx="4012631" cy="7002023"/>
           </a:xfrm>
         </p:grpSpPr>
         <p:sp>
           <p:nvSpPr>
-            <p:cNvPr id="226" name="Google Shape;226;p5"/>
+            <p:cNvPr id="198" name="Tvar"/>
             <p:cNvSpPr/>
             <p:nvPr/>
           </p:nvSpPr>
           <p:spPr>
             <a:xfrm>
               <a:off x="-156787" y="0"/>
-              <a:ext cx="2547663" cy="6794031"/>
+              <a:ext cx="2547679" cy="6794046"/>
             </a:xfrm>
             <a:custGeom>
-              <a:rect b="b" l="l" r="r" t="t"/>
+              <a:avLst/>
+              <a:gdLst/>
+              <a:ahLst/>
+              <a:cxnLst>
+                <a:cxn ang="0">
+                  <a:pos x="wd2" y="hd2"/>
+                </a:cxn>
+                <a:cxn ang="5400000">
+                  <a:pos x="wd2" y="hd2"/>
+                </a:cxn>
+                <a:cxn ang="10800000">
+                  <a:pos x="wd2" y="hd2"/>
+                </a:cxn>
+                <a:cxn ang="16200000">
+                  <a:pos x="wd2" y="hd2"/>
+                </a:cxn>
+              </a:cxnLst>
+              <a:rect l="0" t="0" r="r" b="b"/>
               <a:pathLst>
-                <a:path extrusionOk="0" h="21580" w="21454">
+                <a:path w="21454" h="21580" fill="norm" stroke="1" extrusionOk="0">
                   <a:moveTo>
                     <a:pt x="1326" y="0"/>
                   </a:moveTo>
@@ -5981,63 +5629,67 @@
             <a:solidFill>
               <a:srgbClr val="FCD02F"/>
             </a:solidFill>
-            <a:ln>
+            <a:ln w="12700" cap="flat">
               <a:noFill/>
+              <a:miter lim="400000"/>
             </a:ln>
+            <a:effectLst/>
           </p:spPr>
           <p:txBody>
-            <a:bodyPr anchorCtr="0" anchor="t" bIns="0" lIns="0" spcFirstLastPara="1" rIns="0" wrap="square" tIns="0">
+            <a:bodyPr wrap="square" lIns="0" tIns="0" rIns="0" bIns="0" numCol="1" anchor="t">
               <a:noAutofit/>
             </a:bodyPr>
             <a:lstStyle/>
             <a:p>
-              <a:pPr indent="0" lvl="0" marL="0" marR="0" rtl="0" algn="l">
+              <a:pPr defTabSz="457200">
                 <a:lnSpc>
                   <a:spcPct val="100000"/>
                 </a:lnSpc>
                 <a:spcBef>
                   <a:spcPts val="0"/>
                 </a:spcBef>
-                <a:spcAft>
-                  <a:spcPts val="0"/>
-                </a:spcAft>
-                <a:buClr>
-                  <a:srgbClr val="000000"/>
-                </a:buClr>
-                <a:buSzPts val="1200"/>
-                <a:buFont typeface="Helvetica Neue"/>
-                <a:buNone/>
+                <a:defRPr sz="1200">
+                  <a:latin typeface="Helvetica"/>
+                  <a:ea typeface="Helvetica"/>
+                  <a:cs typeface="Helvetica"/>
+                  <a:sym typeface="Helvetica"/>
+                </a:defRPr>
               </a:pPr>
-              <a:r>
-                <a:t/>
-              </a:r>
-              <a:endParaRPr b="0" i="0" sz="1200" u="none" cap="none" strike="noStrike">
-                <a:solidFill>
-                  <a:srgbClr val="000000"/>
-                </a:solidFill>
-                <a:latin typeface="Helvetica Neue"/>
-                <a:ea typeface="Helvetica Neue"/>
-                <a:cs typeface="Helvetica Neue"/>
-                <a:sym typeface="Helvetica Neue"/>
-              </a:endParaRPr>
             </a:p>
           </p:txBody>
         </p:sp>
         <p:sp>
           <p:nvSpPr>
-            <p:cNvPr id="227" name="Google Shape;227;p5"/>
+            <p:cNvPr id="199" name="Tvar"/>
             <p:cNvSpPr/>
             <p:nvPr/>
           </p:nvSpPr>
           <p:spPr>
             <a:xfrm>
               <a:off x="-1621741" y="-207978"/>
-              <a:ext cx="2277808" cy="6188886"/>
+              <a:ext cx="2277820" cy="6188898"/>
             </a:xfrm>
             <a:custGeom>
-              <a:rect b="b" l="l" r="r" t="t"/>
+              <a:avLst/>
+              <a:gdLst/>
+              <a:ahLst/>
+              <a:cxnLst>
+                <a:cxn ang="0">
+                  <a:pos x="wd2" y="hd2"/>
+                </a:cxn>
+                <a:cxn ang="5400000">
+                  <a:pos x="wd2" y="hd2"/>
+                </a:cxn>
+                <a:cxn ang="10800000">
+                  <a:pos x="wd2" y="hd2"/>
+                </a:cxn>
+                <a:cxn ang="16200000">
+                  <a:pos x="wd2" y="hd2"/>
+                </a:cxn>
+              </a:cxnLst>
+              <a:rect l="0" t="0" r="r" b="b"/>
               <a:pathLst>
-                <a:path extrusionOk="0" h="21600" w="21506">
+                <a:path w="21506" h="21600" fill="norm" stroke="1" extrusionOk="0">
                   <a:moveTo>
                     <a:pt x="4428" y="0"/>
                   </a:moveTo>
@@ -6123,56 +5775,52 @@
             <a:solidFill>
               <a:srgbClr val="FCD02F"/>
             </a:solidFill>
-            <a:ln>
+            <a:ln w="12700" cap="flat">
               <a:noFill/>
+              <a:miter lim="400000"/>
             </a:ln>
+            <a:effectLst/>
           </p:spPr>
           <p:txBody>
-            <a:bodyPr anchorCtr="0" anchor="t" bIns="0" lIns="0" spcFirstLastPara="1" rIns="0" wrap="square" tIns="0">
+            <a:bodyPr wrap="square" lIns="0" tIns="0" rIns="0" bIns="0" numCol="1" anchor="t">
               <a:noAutofit/>
             </a:bodyPr>
             <a:lstStyle/>
             <a:p>
-              <a:pPr indent="0" lvl="0" marL="0" marR="0" rtl="0" algn="l">
+              <a:pPr defTabSz="457200">
                 <a:lnSpc>
                   <a:spcPct val="100000"/>
                 </a:lnSpc>
                 <a:spcBef>
                   <a:spcPts val="0"/>
                 </a:spcBef>
-                <a:spcAft>
-                  <a:spcPts val="0"/>
-                </a:spcAft>
-                <a:buClr>
-                  <a:srgbClr val="000000"/>
-                </a:buClr>
-                <a:buSzPts val="1200"/>
-                <a:buFont typeface="Helvetica Neue"/>
-                <a:buNone/>
+                <a:defRPr sz="1200">
+                  <a:latin typeface="Helvetica"/>
+                  <a:ea typeface="Helvetica"/>
+                  <a:cs typeface="Helvetica"/>
+                  <a:sym typeface="Helvetica"/>
+                </a:defRPr>
               </a:pPr>
-              <a:r>
-                <a:t/>
-              </a:r>
-              <a:endParaRPr b="0" i="0" sz="1200" u="none" cap="none" strike="noStrike">
-                <a:solidFill>
-                  <a:srgbClr val="000000"/>
-                </a:solidFill>
-                <a:latin typeface="Helvetica Neue"/>
-                <a:ea typeface="Helvetica Neue"/>
-                <a:cs typeface="Helvetica Neue"/>
-                <a:sym typeface="Helvetica Neue"/>
-              </a:endParaRPr>
             </a:p>
           </p:txBody>
         </p:sp>
       </p:grpSp>
       <p:pic>
         <p:nvPicPr>
-          <p:cNvPr descr="IMG_0004.jpeg" id="228" name="Google Shape;228;p5"/>
-          <p:cNvPicPr preferRelativeResize="0"/>
+          <p:cNvPr id="201" name="IMG_0004.jpeg" descr="IMG_0004.jpeg"/>
+          <p:cNvPicPr>
+            <a:picLocks noChangeAspect="1"/>
+          </p:cNvPicPr>
           <p:nvPr/>
         </p:nvPicPr>
-        <p:blipFill/>
+        <p:blipFill>
+          <a:blip r:embed="rId3">
+            <a:extLst/>
+          </a:blip>
+          <a:stretch>
+            <a:fillRect/>
+          </a:stretch>
+        </p:blipFill>
         <p:spPr>
           <a:xfrm>
             <a:off x="17028698" y="1023695"/>
@@ -6181,67 +5829,52 @@
           <a:prstGeom prst="rect">
             <a:avLst/>
           </a:prstGeom>
-          <a:noFill/>
-          <a:ln>
-            <a:noFill/>
+          <a:ln w="12700">
+            <a:miter lim="400000"/>
           </a:ln>
         </p:spPr>
       </p:pic>
       <p:sp>
         <p:nvSpPr>
-          <p:cNvPr id="229" name="Google Shape;229;p5"/>
+          <p:cNvPr id="202" name="Zdroj: https://www.knihyantik.eu/pohlednice/7800-hana-hegerova.html"/>
           <p:cNvSpPr txBox="1"/>
           <p:nvPr/>
         </p:nvSpPr>
         <p:spPr>
           <a:xfrm>
             <a:off x="16952328" y="11329353"/>
-            <a:ext cx="7021800" cy="1655700"/>
+            <a:ext cx="7021725" cy="1655716"/>
           </a:xfrm>
           <a:prstGeom prst="rect">
             <a:avLst/>
           </a:prstGeom>
-          <a:noFill/>
-          <a:ln>
-            <a:noFill/>
+          <a:ln w="12700">
+            <a:miter lim="400000"/>
           </a:ln>
-        </p:spPr>
-        <p:txBody>
-          <a:bodyPr anchorCtr="0" anchor="ctr" bIns="50800" lIns="50800" spcFirstLastPara="1" rIns="50800" wrap="square" tIns="50800">
+          <a:extLst>
+            <a:ext uri="{C572A759-6A51-4108-AA02-DFA0A04FC94B}">
+              <ma14:wrappingTextBoxFlag xmlns:ma14="http://schemas.microsoft.com/office/mac/drawingml/2011/main" val="1"/>
+            </a:ext>
+          </a:extLst>
+        </p:spPr>
+        <p:txBody>
+          <a:bodyPr lIns="50800" tIns="50800" rIns="50800" bIns="50800" anchor="ctr">
             <a:spAutoFit/>
           </a:bodyPr>
-          <a:lstStyle/>
-          <a:p>
-            <a:pPr indent="0" lvl="0" marL="0" marR="0" rtl="0" algn="l">
-              <a:lnSpc>
-                <a:spcPct val="90000"/>
-              </a:lnSpc>
-              <a:spcBef>
-                <a:spcPts val="0"/>
-              </a:spcBef>
-              <a:spcAft>
-                <a:spcPts val="0"/>
-              </a:spcAft>
-              <a:buClr>
-                <a:srgbClr val="FFFFFF"/>
-              </a:buClr>
-              <a:buSzPts val="3700"/>
-              <a:buFont typeface="Helvetica Neue"/>
-              <a:buNone/>
-            </a:pPr>
-            <a:r>
-              <a:rPr b="0" i="0" lang="en-US" sz="3700" u="none" cap="none" strike="noStrike">
+          <a:lstStyle>
+            <a:lvl1pPr>
+              <a:defRPr sz="3700">
                 <a:solidFill>
                   <a:srgbClr val="FFFFFF"/>
                 </a:solidFill>
-                <a:latin typeface="Helvetica Neue"/>
-                <a:ea typeface="Helvetica Neue"/>
-                <a:cs typeface="Helvetica Neue"/>
-                <a:sym typeface="Helvetica Neue"/>
-              </a:rPr>
+              </a:defRPr>
+            </a:lvl1pPr>
+          </a:lstStyle>
+          <a:p>
+            <a:pPr/>
+            <a:r>
               <a:t>Zdroj: https://www.knihyantik.eu/pohlednice/7800-hana-hegerova.html</a:t>
             </a:r>
-            <a:endParaRPr/>
           </a:p>
         </p:txBody>
       </p:sp>
@@ -6250,6 +5883,7 @@
   <p:clrMapOvr>
     <a:masterClrMapping/>
   </p:clrMapOvr>
+  <p:transition xmlns:p14="http://schemas.microsoft.com/office/powerpoint/2010/main" spd="med" advClick="1"/>
 </p:sld>
 </file>
 
@@ -6370,43 +6004,6 @@
   </p:clrMapOvr>
   <p:transition xmlns:p14="http://schemas.microsoft.com/office/powerpoint/2010/main" spd="med" advClick="1"/>
 </p:sld>
-</file>
-
-<file path=ppt/tags/tag1.xml><?xml version="1.0" encoding="utf-8"?>
-<p:tagLst xmlns:a="http://schemas.openxmlformats.org/drawingml/2006/main" xmlns:r="http://schemas.openxmlformats.org/officeDocument/2006/relationships" xmlns:p="http://schemas.openxmlformats.org/presentationml/2006/main" xmlns:mc="http://schemas.openxmlformats.org/markup-compatibility/2006" xmlns:mv="urn:schemas-microsoft-com:mac:vml">
-  <p:tag name="may_ignore_ucw" val="true"/>
-  <p:tag name="ppt/slides/slide8.xml" val="3441803656"/>
-  <p:tag name="ppt/slides/slide7.xml" val="645326356"/>
-  <p:tag name="ppt/slides/slide6.xml" val="2761421490"/>
-  <p:tag name="ppt/slides/slide3.xml" val="3876699595"/>
-  <p:tag name="ppt/slides/slide2.xml" val="1335470735"/>
-  <p:tag name="ppt/slideMasters/slideMaster1.xml" val="993988278"/>
-  <p:tag name="ppt/theme/theme1.xml" val="1606611273"/>
-  <p:tag name="ppt/slideLayouts/slideLayout1.xml" val="183574218"/>
-  <p:tag name="ppt/slideLayouts/slideLayout2.xml" val="2410349811"/>
-  <p:tag name="ppt/slideLayouts/slideLayout3.xml" val="2819036732"/>
-  <p:tag name="ppt/slideLayouts/slideLayout4.xml" val="4191198422"/>
-  <p:tag name="ppt/slideLayouts/slideLayout5.xml" val="2061197200"/>
-  <p:tag name="ppt/slideLayouts/slideLayout6.xml" val="2681423591"/>
-  <p:tag name="ppt/slideLayouts/slideLayout7.xml" val="1071068475"/>
-  <p:tag name="ppt/slideLayouts/slideLayout8.xml" val="3501843056"/>
-  <p:tag name="ppt/slideLayouts/slideLayout9.xml" val="1781070663"/>
-  <p:tag name="ppt/slideLayouts/slideLayout10.xml" val="3782361291"/>
-  <p:tag name="ppt/slideLayouts/slideLayout11.xml" val="269552953"/>
-  <p:tag name="ppt/slideLayouts/slideLayout12.xml" val="330098455"/>
-  <p:tag name="ppt/slideLayouts/slideLayout13.xml" val="1028835482"/>
-  <p:tag name="ppt/slideLayouts/slideLayout14.xml" val="2694783899"/>
-  <p:tag name="ppt/slideLayouts/slideLayout15.xml" val="1770238362"/>
-  <p:tag name="ppt/slideLayouts/slideLayout16.xml" val="3831023791"/>
-  <p:tag name="ppt/slideLayouts/slideLayout17.xml" val="2565451982"/>
-  <p:tag name="ppt/notesMasters/notesMaster1.xml" val="2676244616"/>
-  <p:tag name="ppt/theme/theme2.xml" val="1606611273"/>
-  <p:tag name="ppt/slides/slide1.xml" val="1618667220"/>
-  <p:tag name="ppt/slides/slide4.xml" val="1056797828"/>
-  <p:tag name="ppt/slides/slide5.xml" val="3728599855"/>
-  <p:tag name="ppt/slides/slide9.xml" val="4206103576"/>
-  <p:tag name="ppt/media/image1.jpeg" val="2950082152"/>
-</p:tagLst>
 </file>
 
 <file path=ppt/theme/theme1.xml><?xml version="1.0" encoding="utf-8"?>
